--- a/Präsentation/Präsentation-µController.pptx
+++ b/Präsentation/Präsentation-µController.pptx
@@ -5,15 +5,21 @@
     <p:sldMasterId id="2147483648" r:id="rId1"/>
     <p:sldMasterId id="2147483661" r:id="rId2"/>
   </p:sldMasterIdLst>
+  <p:notesMasterIdLst>
+    <p:notesMasterId r:id="rId14"/>
+  </p:notesMasterIdLst>
   <p:sldIdLst>
     <p:sldId id="256" r:id="rId3"/>
     <p:sldId id="257" r:id="rId4"/>
     <p:sldId id="258" r:id="rId5"/>
     <p:sldId id="259" r:id="rId6"/>
     <p:sldId id="260" r:id="rId7"/>
-    <p:sldId id="261" r:id="rId8"/>
-    <p:sldId id="262" r:id="rId9"/>
-    <p:sldId id="263" r:id="rId10"/>
+    <p:sldId id="265" r:id="rId8"/>
+    <p:sldId id="266" r:id="rId9"/>
+    <p:sldId id="268" r:id="rId10"/>
+    <p:sldId id="261" r:id="rId11"/>
+    <p:sldId id="262" r:id="rId12"/>
+    <p:sldId id="263" r:id="rId13"/>
   </p:sldIdLst>
   <p:sldSz cx="12192000" cy="6858000"/>
   <p:notesSz cx="7559675" cy="10691813"/>
@@ -112,7 +118,697 @@
       </a:defRPr>
     </a:lvl9pPr>
   </p:defaultTextStyle>
+  <p:extLst>
+    <p:ext uri="{EFAFB233-063F-42B5-8137-9DF3F51BA10A}">
+      <p15:sldGuideLst xmlns:p15="http://schemas.microsoft.com/office/powerpoint/2012/main"/>
+    </p:ext>
+  </p:extLst>
 </p:presentation>
+</file>
+
+<file path=ppt/notesMasters/notesMaster1.xml><?xml version="1.0" encoding="utf-8"?>
+<p:notesMaster xmlns:a="http://schemas.openxmlformats.org/drawingml/2006/main" xmlns:r="http://schemas.openxmlformats.org/officeDocument/2006/relationships" xmlns:p="http://schemas.openxmlformats.org/presentationml/2006/main">
+  <p:cSld>
+    <p:bg>
+      <p:bgRef idx="1001">
+        <a:schemeClr val="bg1"/>
+      </p:bgRef>
+    </p:bg>
+    <p:spTree>
+      <p:nvGrpSpPr>
+        <p:cNvPr id="1" name=""/>
+        <p:cNvGrpSpPr/>
+        <p:nvPr/>
+      </p:nvGrpSpPr>
+      <p:grpSpPr>
+        <a:xfrm>
+          <a:off x="0" y="0"/>
+          <a:ext cx="0" cy="0"/>
+          <a:chOff x="0" y="0"/>
+          <a:chExt cx="0" cy="0"/>
+        </a:xfrm>
+      </p:grpSpPr>
+      <p:sp>
+        <p:nvSpPr>
+          <p:cNvPr id="2" name="Kopfzeilenplatzhalter 1"/>
+          <p:cNvSpPr>
+            <a:spLocks noGrp="1"/>
+          </p:cNvSpPr>
+          <p:nvPr>
+            <p:ph type="hdr" sz="quarter"/>
+          </p:nvPr>
+        </p:nvSpPr>
+        <p:spPr>
+          <a:xfrm>
+            <a:off x="0" y="0"/>
+            <a:ext cx="3276600" cy="536575"/>
+          </a:xfrm>
+          <a:prstGeom prst="rect">
+            <a:avLst/>
+          </a:prstGeom>
+        </p:spPr>
+        <p:txBody>
+          <a:bodyPr vert="horz" lIns="91440" tIns="45720" rIns="91440" bIns="45720" rtlCol="0"/>
+          <a:lstStyle>
+            <a:lvl1pPr algn="l">
+              <a:defRPr sz="1200"/>
+            </a:lvl1pPr>
+          </a:lstStyle>
+          <a:p>
+            <a:endParaRPr lang="de-DE"/>
+          </a:p>
+        </p:txBody>
+      </p:sp>
+      <p:sp>
+        <p:nvSpPr>
+          <p:cNvPr id="3" name="Datumsplatzhalter 2"/>
+          <p:cNvSpPr>
+            <a:spLocks noGrp="1"/>
+          </p:cNvSpPr>
+          <p:nvPr>
+            <p:ph type="dt" idx="1"/>
+          </p:nvPr>
+        </p:nvSpPr>
+        <p:spPr>
+          <a:xfrm>
+            <a:off x="4281488" y="0"/>
+            <a:ext cx="3276600" cy="536575"/>
+          </a:xfrm>
+          <a:prstGeom prst="rect">
+            <a:avLst/>
+          </a:prstGeom>
+        </p:spPr>
+        <p:txBody>
+          <a:bodyPr vert="horz" lIns="91440" tIns="45720" rIns="91440" bIns="45720" rtlCol="0"/>
+          <a:lstStyle>
+            <a:lvl1pPr algn="r">
+              <a:defRPr sz="1200"/>
+            </a:lvl1pPr>
+          </a:lstStyle>
+          <a:p>
+            <a:fld id="{6FBCC2CD-5397-4C13-8012-516855E75119}" type="datetimeFigureOut">
+              <a:rPr lang="de-DE" smtClean="0"/>
+              <a:t>14.01.2020</a:t>
+            </a:fld>
+            <a:endParaRPr lang="de-DE"/>
+          </a:p>
+        </p:txBody>
+      </p:sp>
+      <p:sp>
+        <p:nvSpPr>
+          <p:cNvPr id="4" name="Folienbildplatzhalter 3"/>
+          <p:cNvSpPr>
+            <a:spLocks noGrp="1" noRot="1" noChangeAspect="1"/>
+          </p:cNvSpPr>
+          <p:nvPr>
+            <p:ph type="sldImg" idx="2"/>
+          </p:nvPr>
+        </p:nvSpPr>
+        <p:spPr>
+          <a:xfrm>
+            <a:off x="573088" y="1336675"/>
+            <a:ext cx="6413500" cy="3608388"/>
+          </a:xfrm>
+          <a:prstGeom prst="rect">
+            <a:avLst/>
+          </a:prstGeom>
+          <a:noFill/>
+          <a:ln w="12700">
+            <a:solidFill>
+              <a:prstClr val="black"/>
+            </a:solidFill>
+          </a:ln>
+        </p:spPr>
+        <p:txBody>
+          <a:bodyPr vert="horz" lIns="91440" tIns="45720" rIns="91440" bIns="45720" rtlCol="0" anchor="ctr"/>
+          <a:lstStyle/>
+          <a:p>
+            <a:endParaRPr lang="de-DE"/>
+          </a:p>
+        </p:txBody>
+      </p:sp>
+      <p:sp>
+        <p:nvSpPr>
+          <p:cNvPr id="5" name="Notizenplatzhalter 4"/>
+          <p:cNvSpPr>
+            <a:spLocks noGrp="1"/>
+          </p:cNvSpPr>
+          <p:nvPr>
+            <p:ph type="body" sz="quarter" idx="3"/>
+          </p:nvPr>
+        </p:nvSpPr>
+        <p:spPr>
+          <a:xfrm>
+            <a:off x="755650" y="5145088"/>
+            <a:ext cx="6048375" cy="4210050"/>
+          </a:xfrm>
+          <a:prstGeom prst="rect">
+            <a:avLst/>
+          </a:prstGeom>
+        </p:spPr>
+        <p:txBody>
+          <a:bodyPr vert="horz" lIns="91440" tIns="45720" rIns="91440" bIns="45720" rtlCol="0"/>
+          <a:lstStyle/>
+          <a:p>
+            <a:pPr lvl="0"/>
+            <a:r>
+              <a:rPr lang="de-DE"/>
+              <a:t>Mastertextformat bearbeiten</a:t>
+            </a:r>
+          </a:p>
+          <a:p>
+            <a:pPr lvl="1"/>
+            <a:r>
+              <a:rPr lang="de-DE"/>
+              <a:t>Zweite Ebene</a:t>
+            </a:r>
+          </a:p>
+          <a:p>
+            <a:pPr lvl="2"/>
+            <a:r>
+              <a:rPr lang="de-DE"/>
+              <a:t>Dritte Ebene</a:t>
+            </a:r>
+          </a:p>
+          <a:p>
+            <a:pPr lvl="3"/>
+            <a:r>
+              <a:rPr lang="de-DE"/>
+              <a:t>Vierte Ebene</a:t>
+            </a:r>
+          </a:p>
+          <a:p>
+            <a:pPr lvl="4"/>
+            <a:r>
+              <a:rPr lang="de-DE"/>
+              <a:t>Fünfte Ebene</a:t>
+            </a:r>
+          </a:p>
+        </p:txBody>
+      </p:sp>
+      <p:sp>
+        <p:nvSpPr>
+          <p:cNvPr id="6" name="Fußzeilenplatzhalter 5"/>
+          <p:cNvSpPr>
+            <a:spLocks noGrp="1"/>
+          </p:cNvSpPr>
+          <p:nvPr>
+            <p:ph type="ftr" sz="quarter" idx="4"/>
+          </p:nvPr>
+        </p:nvSpPr>
+        <p:spPr>
+          <a:xfrm>
+            <a:off x="0" y="10155238"/>
+            <a:ext cx="3276600" cy="536575"/>
+          </a:xfrm>
+          <a:prstGeom prst="rect">
+            <a:avLst/>
+          </a:prstGeom>
+        </p:spPr>
+        <p:txBody>
+          <a:bodyPr vert="horz" lIns="91440" tIns="45720" rIns="91440" bIns="45720" rtlCol="0" anchor="b"/>
+          <a:lstStyle>
+            <a:lvl1pPr algn="l">
+              <a:defRPr sz="1200"/>
+            </a:lvl1pPr>
+          </a:lstStyle>
+          <a:p>
+            <a:endParaRPr lang="de-DE"/>
+          </a:p>
+        </p:txBody>
+      </p:sp>
+      <p:sp>
+        <p:nvSpPr>
+          <p:cNvPr id="7" name="Foliennummernplatzhalter 6"/>
+          <p:cNvSpPr>
+            <a:spLocks noGrp="1"/>
+          </p:cNvSpPr>
+          <p:nvPr>
+            <p:ph type="sldNum" sz="quarter" idx="5"/>
+          </p:nvPr>
+        </p:nvSpPr>
+        <p:spPr>
+          <a:xfrm>
+            <a:off x="4281488" y="10155238"/>
+            <a:ext cx="3276600" cy="536575"/>
+          </a:xfrm>
+          <a:prstGeom prst="rect">
+            <a:avLst/>
+          </a:prstGeom>
+        </p:spPr>
+        <p:txBody>
+          <a:bodyPr vert="horz" lIns="91440" tIns="45720" rIns="91440" bIns="45720" rtlCol="0" anchor="b"/>
+          <a:lstStyle>
+            <a:lvl1pPr algn="r">
+              <a:defRPr sz="1200"/>
+            </a:lvl1pPr>
+          </a:lstStyle>
+          <a:p>
+            <a:fld id="{E1F3C41D-8F98-487B-9C69-619A30F04FFA}" type="slidenum">
+              <a:rPr lang="de-DE" smtClean="0"/>
+              <a:t>‹Nr.›</a:t>
+            </a:fld>
+            <a:endParaRPr lang="de-DE"/>
+          </a:p>
+        </p:txBody>
+      </p:sp>
+    </p:spTree>
+    <p:extLst>
+      <p:ext uri="{BB962C8B-B14F-4D97-AF65-F5344CB8AC3E}">
+        <p14:creationId xmlns:p14="http://schemas.microsoft.com/office/powerpoint/2010/main" val="2628526791"/>
+      </p:ext>
+    </p:extLst>
+  </p:cSld>
+  <p:clrMap bg1="lt1" tx1="dk1" bg2="lt2" tx2="dk2" accent1="accent1" accent2="accent2" accent3="accent3" accent4="accent4" accent5="accent5" accent6="accent6" hlink="hlink" folHlink="folHlink"/>
+  <p:notesStyle>
+    <a:lvl1pPr marL="0" algn="l" defTabSz="914400" rtl="0" eaLnBrk="1" latinLnBrk="0" hangingPunct="1">
+      <a:defRPr sz="1200" kern="1200">
+        <a:solidFill>
+          <a:schemeClr val="tx1"/>
+        </a:solidFill>
+        <a:latin typeface="+mn-lt"/>
+        <a:ea typeface="+mn-ea"/>
+        <a:cs typeface="+mn-cs"/>
+      </a:defRPr>
+    </a:lvl1pPr>
+    <a:lvl2pPr marL="457200" algn="l" defTabSz="914400" rtl="0" eaLnBrk="1" latinLnBrk="0" hangingPunct="1">
+      <a:defRPr sz="1200" kern="1200">
+        <a:solidFill>
+          <a:schemeClr val="tx1"/>
+        </a:solidFill>
+        <a:latin typeface="+mn-lt"/>
+        <a:ea typeface="+mn-ea"/>
+        <a:cs typeface="+mn-cs"/>
+      </a:defRPr>
+    </a:lvl2pPr>
+    <a:lvl3pPr marL="914400" algn="l" defTabSz="914400" rtl="0" eaLnBrk="1" latinLnBrk="0" hangingPunct="1">
+      <a:defRPr sz="1200" kern="1200">
+        <a:solidFill>
+          <a:schemeClr val="tx1"/>
+        </a:solidFill>
+        <a:latin typeface="+mn-lt"/>
+        <a:ea typeface="+mn-ea"/>
+        <a:cs typeface="+mn-cs"/>
+      </a:defRPr>
+    </a:lvl3pPr>
+    <a:lvl4pPr marL="1371600" algn="l" defTabSz="914400" rtl="0" eaLnBrk="1" latinLnBrk="0" hangingPunct="1">
+      <a:defRPr sz="1200" kern="1200">
+        <a:solidFill>
+          <a:schemeClr val="tx1"/>
+        </a:solidFill>
+        <a:latin typeface="+mn-lt"/>
+        <a:ea typeface="+mn-ea"/>
+        <a:cs typeface="+mn-cs"/>
+      </a:defRPr>
+    </a:lvl4pPr>
+    <a:lvl5pPr marL="1828800" algn="l" defTabSz="914400" rtl="0" eaLnBrk="1" latinLnBrk="0" hangingPunct="1">
+      <a:defRPr sz="1200" kern="1200">
+        <a:solidFill>
+          <a:schemeClr val="tx1"/>
+        </a:solidFill>
+        <a:latin typeface="+mn-lt"/>
+        <a:ea typeface="+mn-ea"/>
+        <a:cs typeface="+mn-cs"/>
+      </a:defRPr>
+    </a:lvl5pPr>
+    <a:lvl6pPr marL="2286000" algn="l" defTabSz="914400" rtl="0" eaLnBrk="1" latinLnBrk="0" hangingPunct="1">
+      <a:defRPr sz="1200" kern="1200">
+        <a:solidFill>
+          <a:schemeClr val="tx1"/>
+        </a:solidFill>
+        <a:latin typeface="+mn-lt"/>
+        <a:ea typeface="+mn-ea"/>
+        <a:cs typeface="+mn-cs"/>
+      </a:defRPr>
+    </a:lvl6pPr>
+    <a:lvl7pPr marL="2743200" algn="l" defTabSz="914400" rtl="0" eaLnBrk="1" latinLnBrk="0" hangingPunct="1">
+      <a:defRPr sz="1200" kern="1200">
+        <a:solidFill>
+          <a:schemeClr val="tx1"/>
+        </a:solidFill>
+        <a:latin typeface="+mn-lt"/>
+        <a:ea typeface="+mn-ea"/>
+        <a:cs typeface="+mn-cs"/>
+      </a:defRPr>
+    </a:lvl7pPr>
+    <a:lvl8pPr marL="3200400" algn="l" defTabSz="914400" rtl="0" eaLnBrk="1" latinLnBrk="0" hangingPunct="1">
+      <a:defRPr sz="1200" kern="1200">
+        <a:solidFill>
+          <a:schemeClr val="tx1"/>
+        </a:solidFill>
+        <a:latin typeface="+mn-lt"/>
+        <a:ea typeface="+mn-ea"/>
+        <a:cs typeface="+mn-cs"/>
+      </a:defRPr>
+    </a:lvl8pPr>
+    <a:lvl9pPr marL="3657600" algn="l" defTabSz="914400" rtl="0" eaLnBrk="1" latinLnBrk="0" hangingPunct="1">
+      <a:defRPr sz="1200" kern="1200">
+        <a:solidFill>
+          <a:schemeClr val="tx1"/>
+        </a:solidFill>
+        <a:latin typeface="+mn-lt"/>
+        <a:ea typeface="+mn-ea"/>
+        <a:cs typeface="+mn-cs"/>
+      </a:defRPr>
+    </a:lvl9pPr>
+  </p:notesStyle>
+</p:notesMaster>
+</file>
+
+<file path=ppt/notesSlides/notesSlide1.xml><?xml version="1.0" encoding="utf-8"?>
+<p:notes xmlns:a="http://schemas.openxmlformats.org/drawingml/2006/main" xmlns:r="http://schemas.openxmlformats.org/officeDocument/2006/relationships" xmlns:p="http://schemas.openxmlformats.org/presentationml/2006/main">
+  <p:cSld>
+    <p:spTree>
+      <p:nvGrpSpPr>
+        <p:cNvPr id="1" name=""/>
+        <p:cNvGrpSpPr/>
+        <p:nvPr/>
+      </p:nvGrpSpPr>
+      <p:grpSpPr>
+        <a:xfrm>
+          <a:off x="0" y="0"/>
+          <a:ext cx="0" cy="0"/>
+          <a:chOff x="0" y="0"/>
+          <a:chExt cx="0" cy="0"/>
+        </a:xfrm>
+      </p:grpSpPr>
+      <p:sp>
+        <p:nvSpPr>
+          <p:cNvPr id="2" name="Folienbildplatzhalter 1"/>
+          <p:cNvSpPr>
+            <a:spLocks noGrp="1" noRot="1" noChangeAspect="1"/>
+          </p:cNvSpPr>
+          <p:nvPr>
+            <p:ph type="sldImg"/>
+          </p:nvPr>
+        </p:nvSpPr>
+        <p:spPr/>
+      </p:sp>
+      <p:sp>
+        <p:nvSpPr>
+          <p:cNvPr id="3" name="Notizenplatzhalter 2"/>
+          <p:cNvSpPr>
+            <a:spLocks noGrp="1"/>
+          </p:cNvSpPr>
+          <p:nvPr>
+            <p:ph type="body" idx="1"/>
+          </p:nvPr>
+        </p:nvSpPr>
+        <p:spPr/>
+        <p:txBody>
+          <a:bodyPr/>
+          <a:lstStyle/>
+          <a:p>
+            <a:endParaRPr lang="de-DE" dirty="0"/>
+          </a:p>
+        </p:txBody>
+      </p:sp>
+      <p:sp>
+        <p:nvSpPr>
+          <p:cNvPr id="4" name="Foliennummernplatzhalter 3"/>
+          <p:cNvSpPr>
+            <a:spLocks noGrp="1"/>
+          </p:cNvSpPr>
+          <p:nvPr>
+            <p:ph type="sldNum" sz="quarter" idx="5"/>
+          </p:nvPr>
+        </p:nvSpPr>
+        <p:spPr/>
+        <p:txBody>
+          <a:bodyPr/>
+          <a:lstStyle/>
+          <a:p>
+            <a:fld id="{E1F3C41D-8F98-487B-9C69-619A30F04FFA}" type="slidenum">
+              <a:rPr lang="de-DE" smtClean="0"/>
+              <a:t>6</a:t>
+            </a:fld>
+            <a:endParaRPr lang="de-DE"/>
+          </a:p>
+        </p:txBody>
+      </p:sp>
+    </p:spTree>
+    <p:extLst>
+      <p:ext uri="{BB962C8B-B14F-4D97-AF65-F5344CB8AC3E}">
+        <p14:creationId xmlns:p14="http://schemas.microsoft.com/office/powerpoint/2010/main" val="4024686980"/>
+      </p:ext>
+    </p:extLst>
+  </p:cSld>
+  <p:clrMapOvr>
+    <a:masterClrMapping/>
+  </p:clrMapOvr>
+</p:notes>
+</file>
+
+<file path=ppt/notesSlides/notesSlide2.xml><?xml version="1.0" encoding="utf-8"?>
+<p:notes xmlns:a="http://schemas.openxmlformats.org/drawingml/2006/main" xmlns:r="http://schemas.openxmlformats.org/officeDocument/2006/relationships" xmlns:p="http://schemas.openxmlformats.org/presentationml/2006/main">
+  <p:cSld>
+    <p:spTree>
+      <p:nvGrpSpPr>
+        <p:cNvPr id="1" name=""/>
+        <p:cNvGrpSpPr/>
+        <p:nvPr/>
+      </p:nvGrpSpPr>
+      <p:grpSpPr>
+        <a:xfrm>
+          <a:off x="0" y="0"/>
+          <a:ext cx="0" cy="0"/>
+          <a:chOff x="0" y="0"/>
+          <a:chExt cx="0" cy="0"/>
+        </a:xfrm>
+      </p:grpSpPr>
+      <p:sp>
+        <p:nvSpPr>
+          <p:cNvPr id="2" name="Folienbildplatzhalter 1"/>
+          <p:cNvSpPr>
+            <a:spLocks noGrp="1" noRot="1" noChangeAspect="1"/>
+          </p:cNvSpPr>
+          <p:nvPr>
+            <p:ph type="sldImg"/>
+          </p:nvPr>
+        </p:nvSpPr>
+        <p:spPr/>
+      </p:sp>
+      <p:sp>
+        <p:nvSpPr>
+          <p:cNvPr id="3" name="Notizenplatzhalter 2"/>
+          <p:cNvSpPr>
+            <a:spLocks noGrp="1"/>
+          </p:cNvSpPr>
+          <p:nvPr>
+            <p:ph type="body" idx="1"/>
+          </p:nvPr>
+        </p:nvSpPr>
+        <p:spPr/>
+        <p:txBody>
+          <a:bodyPr/>
+          <a:lstStyle/>
+          <a:p>
+            <a:endParaRPr lang="de-DE" dirty="0"/>
+          </a:p>
+        </p:txBody>
+      </p:sp>
+      <p:sp>
+        <p:nvSpPr>
+          <p:cNvPr id="4" name="Foliennummernplatzhalter 3"/>
+          <p:cNvSpPr>
+            <a:spLocks noGrp="1"/>
+          </p:cNvSpPr>
+          <p:nvPr>
+            <p:ph type="sldNum" sz="quarter" idx="5"/>
+          </p:nvPr>
+        </p:nvSpPr>
+        <p:spPr/>
+        <p:txBody>
+          <a:bodyPr/>
+          <a:lstStyle/>
+          <a:p>
+            <a:fld id="{E1F3C41D-8F98-487B-9C69-619A30F04FFA}" type="slidenum">
+              <a:rPr lang="de-DE" smtClean="0"/>
+              <a:t>7</a:t>
+            </a:fld>
+            <a:endParaRPr lang="de-DE"/>
+          </a:p>
+        </p:txBody>
+      </p:sp>
+    </p:spTree>
+    <p:extLst>
+      <p:ext uri="{BB962C8B-B14F-4D97-AF65-F5344CB8AC3E}">
+        <p14:creationId xmlns:p14="http://schemas.microsoft.com/office/powerpoint/2010/main" val="1628091954"/>
+      </p:ext>
+    </p:extLst>
+  </p:cSld>
+  <p:clrMapOvr>
+    <a:masterClrMapping/>
+  </p:clrMapOvr>
+</p:notes>
+</file>
+
+<file path=ppt/notesSlides/notesSlide3.xml><?xml version="1.0" encoding="utf-8"?>
+<p:notes xmlns:a="http://schemas.openxmlformats.org/drawingml/2006/main" xmlns:r="http://schemas.openxmlformats.org/officeDocument/2006/relationships" xmlns:p="http://schemas.openxmlformats.org/presentationml/2006/main">
+  <p:cSld>
+    <p:spTree>
+      <p:nvGrpSpPr>
+        <p:cNvPr id="1" name=""/>
+        <p:cNvGrpSpPr/>
+        <p:nvPr/>
+      </p:nvGrpSpPr>
+      <p:grpSpPr>
+        <a:xfrm>
+          <a:off x="0" y="0"/>
+          <a:ext cx="0" cy="0"/>
+          <a:chOff x="0" y="0"/>
+          <a:chExt cx="0" cy="0"/>
+        </a:xfrm>
+      </p:grpSpPr>
+      <p:sp>
+        <p:nvSpPr>
+          <p:cNvPr id="2" name="Folienbildplatzhalter 1"/>
+          <p:cNvSpPr>
+            <a:spLocks noGrp="1" noRot="1" noChangeAspect="1"/>
+          </p:cNvSpPr>
+          <p:nvPr>
+            <p:ph type="sldImg"/>
+          </p:nvPr>
+        </p:nvSpPr>
+        <p:spPr/>
+      </p:sp>
+      <p:sp>
+        <p:nvSpPr>
+          <p:cNvPr id="3" name="Notizenplatzhalter 2"/>
+          <p:cNvSpPr>
+            <a:spLocks noGrp="1"/>
+          </p:cNvSpPr>
+          <p:nvPr>
+            <p:ph type="body" idx="1"/>
+          </p:nvPr>
+        </p:nvSpPr>
+        <p:spPr/>
+        <p:txBody>
+          <a:bodyPr/>
+          <a:lstStyle/>
+          <a:p>
+            <a:endParaRPr lang="de-DE" dirty="0"/>
+          </a:p>
+        </p:txBody>
+      </p:sp>
+      <p:sp>
+        <p:nvSpPr>
+          <p:cNvPr id="4" name="Foliennummernplatzhalter 3"/>
+          <p:cNvSpPr>
+            <a:spLocks noGrp="1"/>
+          </p:cNvSpPr>
+          <p:nvPr>
+            <p:ph type="sldNum" sz="quarter" idx="5"/>
+          </p:nvPr>
+        </p:nvSpPr>
+        <p:spPr/>
+        <p:txBody>
+          <a:bodyPr/>
+          <a:lstStyle/>
+          <a:p>
+            <a:fld id="{E1F3C41D-8F98-487B-9C69-619A30F04FFA}" type="slidenum">
+              <a:rPr lang="de-DE" smtClean="0"/>
+              <a:t>8</a:t>
+            </a:fld>
+            <a:endParaRPr lang="de-DE"/>
+          </a:p>
+        </p:txBody>
+      </p:sp>
+    </p:spTree>
+    <p:extLst>
+      <p:ext uri="{BB962C8B-B14F-4D97-AF65-F5344CB8AC3E}">
+        <p14:creationId xmlns:p14="http://schemas.microsoft.com/office/powerpoint/2010/main" val="3313061719"/>
+      </p:ext>
+    </p:extLst>
+  </p:cSld>
+  <p:clrMapOvr>
+    <a:masterClrMapping/>
+  </p:clrMapOvr>
+</p:notes>
+</file>
+
+<file path=ppt/notesSlides/notesSlide4.xml><?xml version="1.0" encoding="utf-8"?>
+<p:notes xmlns:a="http://schemas.openxmlformats.org/drawingml/2006/main" xmlns:r="http://schemas.openxmlformats.org/officeDocument/2006/relationships" xmlns:p="http://schemas.openxmlformats.org/presentationml/2006/main">
+  <p:cSld>
+    <p:spTree>
+      <p:nvGrpSpPr>
+        <p:cNvPr id="1" name=""/>
+        <p:cNvGrpSpPr/>
+        <p:nvPr/>
+      </p:nvGrpSpPr>
+      <p:grpSpPr>
+        <a:xfrm>
+          <a:off x="0" y="0"/>
+          <a:ext cx="0" cy="0"/>
+          <a:chOff x="0" y="0"/>
+          <a:chExt cx="0" cy="0"/>
+        </a:xfrm>
+      </p:grpSpPr>
+      <p:sp>
+        <p:nvSpPr>
+          <p:cNvPr id="2" name="Folienbildplatzhalter 1"/>
+          <p:cNvSpPr>
+            <a:spLocks noGrp="1" noRot="1" noChangeAspect="1"/>
+          </p:cNvSpPr>
+          <p:nvPr>
+            <p:ph type="sldImg"/>
+          </p:nvPr>
+        </p:nvSpPr>
+        <p:spPr/>
+      </p:sp>
+      <p:sp>
+        <p:nvSpPr>
+          <p:cNvPr id="3" name="Notizenplatzhalter 2"/>
+          <p:cNvSpPr>
+            <a:spLocks noGrp="1"/>
+          </p:cNvSpPr>
+          <p:nvPr>
+            <p:ph type="body" idx="1"/>
+          </p:nvPr>
+        </p:nvSpPr>
+        <p:spPr/>
+        <p:txBody>
+          <a:bodyPr/>
+          <a:lstStyle/>
+          <a:p>
+            <a:endParaRPr lang="de-DE" dirty="0"/>
+          </a:p>
+        </p:txBody>
+      </p:sp>
+      <p:sp>
+        <p:nvSpPr>
+          <p:cNvPr id="4" name="Foliennummernplatzhalter 3"/>
+          <p:cNvSpPr>
+            <a:spLocks noGrp="1"/>
+          </p:cNvSpPr>
+          <p:nvPr>
+            <p:ph type="sldNum" sz="quarter" idx="5"/>
+          </p:nvPr>
+        </p:nvSpPr>
+        <p:spPr/>
+        <p:txBody>
+          <a:bodyPr/>
+          <a:lstStyle/>
+          <a:p>
+            <a:fld id="{E1F3C41D-8F98-487B-9C69-619A30F04FFA}" type="slidenum">
+              <a:rPr lang="de-DE" smtClean="0"/>
+              <a:t>9</a:t>
+            </a:fld>
+            <a:endParaRPr lang="de-DE"/>
+          </a:p>
+        </p:txBody>
+      </p:sp>
+    </p:spTree>
+    <p:extLst>
+      <p:ext uri="{BB962C8B-B14F-4D97-AF65-F5344CB8AC3E}">
+        <p14:creationId xmlns:p14="http://schemas.microsoft.com/office/powerpoint/2010/main" val="2249815999"/>
+      </p:ext>
+    </p:extLst>
+  </p:cSld>
+  <p:clrMapOvr>
+    <a:masterClrMapping/>
+  </p:clrMapOvr>
+</p:notes>
 </file>
 
 <file path=ppt/slideLayouts/slideLayout1.xml><?xml version="1.0" encoding="utf-8"?>
@@ -3417,7 +4113,7 @@
                 </a:solidFill>
                 <a:latin typeface="Century Gothic"/>
               </a:rPr>
-              <a:t>13.01.2020</a:t>
+              <a:t>14.01.2020</a:t>
             </a:fld>
             <a:endParaRPr lang="de-DE" sz="1100" b="0" strike="noStrike" spc="-1">
               <a:latin typeface="Times New Roman"/>
@@ -4436,7 +5132,7 @@
                 </a:solidFill>
                 <a:latin typeface="Century Gothic"/>
               </a:rPr>
-              <a:t>13.01.2020</a:t>
+              <a:t>14.01.2020</a:t>
             </a:fld>
             <a:endParaRPr lang="de-DE" sz="1100" b="0" strike="noStrike" spc="-1">
               <a:latin typeface="Times New Roman"/>
@@ -4904,7 +5600,7 @@
         </p:spPr>
         <p:txBody>
           <a:bodyPr>
-            <a:normAutofit/>
+            <a:normAutofit lnSpcReduction="10000"/>
           </a:bodyPr>
           <a:lstStyle/>
           <a:p>
@@ -4998,6 +5694,532 @@
             <a:endParaRPr lang="de-DE" sz="2000" b="0" strike="noStrike" spc="-1">
               <a:latin typeface="Arial"/>
             </a:endParaRPr>
+          </a:p>
+        </p:txBody>
+      </p:sp>
+    </p:spTree>
+  </p:cSld>
+  <p:clrMapOvr>
+    <a:masterClrMapping/>
+  </p:clrMapOvr>
+  <p:timing>
+    <p:tnLst>
+      <p:par>
+        <p:cTn id="1" dur="indefinite" restart="never" nodeType="tmRoot">
+          <p:childTnLst>
+            <p:seq>
+              <p:cTn id="2" dur="indefinite" nodeType="mainSeq"/>
+              <p:prevCondLst>
+                <p:cond evt="onPrev" delay="0">
+                  <p:tgtEl>
+                    <p:sldTgt/>
+                  </p:tgtEl>
+                </p:cond>
+              </p:prevCondLst>
+              <p:nextCondLst>
+                <p:cond evt="onNext" delay="0">
+                  <p:tgtEl>
+                    <p:sldTgt/>
+                  </p:tgtEl>
+                </p:cond>
+              </p:nextCondLst>
+            </p:seq>
+          </p:childTnLst>
+        </p:cTn>
+      </p:par>
+    </p:tnLst>
+  </p:timing>
+</p:sld>
+</file>
+
+<file path=ppt/slides/slide10.xml><?xml version="1.0" encoding="utf-8"?>
+<p:sld xmlns:a="http://schemas.openxmlformats.org/drawingml/2006/main" xmlns:r="http://schemas.openxmlformats.org/officeDocument/2006/relationships" xmlns:p="http://schemas.openxmlformats.org/presentationml/2006/main">
+  <p:cSld>
+    <p:spTree>
+      <p:nvGrpSpPr>
+        <p:cNvPr id="1" name=""/>
+        <p:cNvGrpSpPr/>
+        <p:nvPr/>
+      </p:nvGrpSpPr>
+      <p:grpSpPr>
+        <a:xfrm>
+          <a:off x="0" y="0"/>
+          <a:ext cx="0" cy="0"/>
+          <a:chOff x="0" y="0"/>
+          <a:chExt cx="0" cy="0"/>
+        </a:xfrm>
+      </p:grpSpPr>
+      <p:sp>
+        <p:nvSpPr>
+          <p:cNvPr id="125" name="CustomShape 1"/>
+          <p:cNvSpPr/>
+          <p:nvPr/>
+        </p:nvSpPr>
+        <p:spPr>
+          <a:xfrm>
+            <a:off x="646200" y="452880"/>
+            <a:ext cx="9404280" cy="1400040"/>
+          </a:xfrm>
+          <a:prstGeom prst="rect">
+            <a:avLst/>
+          </a:prstGeom>
+          <a:noFill/>
+          <a:ln>
+            <a:noFill/>
+          </a:ln>
+        </p:spPr>
+        <p:style>
+          <a:lnRef idx="0">
+            <a:scrgbClr r="0" g="0" b="0"/>
+          </a:lnRef>
+          <a:fillRef idx="0">
+            <a:scrgbClr r="0" g="0" b="0"/>
+          </a:fillRef>
+          <a:effectRef idx="0">
+            <a:scrgbClr r="0" g="0" b="0"/>
+          </a:effectRef>
+          <a:fontRef idx="minor"/>
+        </p:style>
+        <p:txBody>
+          <a:bodyPr/>
+          <a:lstStyle/>
+          <a:p>
+            <a:pPr>
+              <a:lnSpc>
+                <a:spcPct val="100000"/>
+              </a:lnSpc>
+            </a:pPr>
+            <a:r>
+              <a:rPr lang="de-DE" sz="4200" b="0" strike="noStrike" spc="-1">
+                <a:solidFill>
+                  <a:srgbClr val="EBEBEB"/>
+                </a:solidFill>
+                <a:latin typeface="Century Gothic"/>
+              </a:rPr>
+              <a:t>Demo</a:t>
+            </a:r>
+            <a:endParaRPr lang="de-DE" sz="4200" b="0" strike="noStrike" spc="-1">
+              <a:latin typeface="Arial"/>
+            </a:endParaRPr>
+          </a:p>
+        </p:txBody>
+      </p:sp>
+      <p:sp>
+        <p:nvSpPr>
+          <p:cNvPr id="126" name="TextShape 2"/>
+          <p:cNvSpPr txBox="1"/>
+          <p:nvPr/>
+        </p:nvSpPr>
+        <p:spPr>
+          <a:xfrm>
+            <a:off x="1103400" y="2053080"/>
+            <a:ext cx="8946360" cy="4195080"/>
+          </a:xfrm>
+          <a:prstGeom prst="rect">
+            <a:avLst/>
+          </a:prstGeom>
+          <a:noFill/>
+          <a:ln>
+            <a:noFill/>
+          </a:ln>
+        </p:spPr>
+        <p:txBody>
+          <a:bodyPr/>
+          <a:lstStyle/>
+          <a:p>
+            <a:pPr marL="343080" indent="-342720">
+              <a:lnSpc>
+                <a:spcPct val="100000"/>
+              </a:lnSpc>
+              <a:spcBef>
+                <a:spcPts val="1001"/>
+              </a:spcBef>
+              <a:buClr>
+                <a:srgbClr val="8AD0D6"/>
+              </a:buClr>
+              <a:buSzPct val="80000"/>
+              <a:buFont typeface="Wingdings 3" charset="2"/>
+              <a:buChar char=""/>
+            </a:pPr>
+            <a:r>
+              <a:rPr lang="en-US" sz="2000" b="0" strike="noStrike" spc="-1">
+                <a:solidFill>
+                  <a:srgbClr val="FFFFFF"/>
+                </a:solidFill>
+                <a:latin typeface="Century Gothic"/>
+              </a:rPr>
+              <a:t>Ausrechnen der ersten Zahlen der Fibonaccifolge </a:t>
+            </a:r>
+          </a:p>
+          <a:p>
+            <a:pPr marL="343080" indent="-342720">
+              <a:lnSpc>
+                <a:spcPct val="100000"/>
+              </a:lnSpc>
+              <a:spcBef>
+                <a:spcPts val="1001"/>
+              </a:spcBef>
+              <a:buClr>
+                <a:srgbClr val="8AD0D6"/>
+              </a:buClr>
+              <a:buSzPct val="80000"/>
+              <a:buFont typeface="Wingdings 3" charset="2"/>
+              <a:buChar char=""/>
+            </a:pPr>
+            <a:r>
+              <a:rPr lang="en-US" sz="2000" b="0" strike="noStrike" spc="-1">
+                <a:solidFill>
+                  <a:srgbClr val="FFFFFF"/>
+                </a:solidFill>
+                <a:latin typeface="Century Gothic"/>
+              </a:rPr>
+              <a:t>Takt wird manuell simuliert</a:t>
+            </a:r>
+          </a:p>
+          <a:p>
+            <a:pPr marL="343080" indent="-342720">
+              <a:lnSpc>
+                <a:spcPct val="100000"/>
+              </a:lnSpc>
+              <a:spcBef>
+                <a:spcPts val="1001"/>
+              </a:spcBef>
+              <a:buClr>
+                <a:srgbClr val="8AD0D6"/>
+              </a:buClr>
+              <a:buSzPct val="80000"/>
+              <a:buFont typeface="Wingdings 3" charset="2"/>
+              <a:buChar char=""/>
+            </a:pPr>
+            <a:r>
+              <a:rPr lang="en-US" sz="2000" b="0" strike="noStrike" spc="-1">
+                <a:solidFill>
+                  <a:srgbClr val="FFFFFF"/>
+                </a:solidFill>
+                <a:latin typeface="Century Gothic"/>
+              </a:rPr>
+              <a:t>Ergebnis auf 7-Segment-Anzeige sichtbar </a:t>
+            </a:r>
+          </a:p>
+          <a:p>
+            <a:pPr>
+              <a:lnSpc>
+                <a:spcPct val="100000"/>
+              </a:lnSpc>
+              <a:spcBef>
+                <a:spcPts val="1001"/>
+              </a:spcBef>
+            </a:pPr>
+            <a:endParaRPr lang="en-US" sz="2000" b="0" strike="noStrike" spc="-1">
+              <a:solidFill>
+                <a:srgbClr val="FFFFFF"/>
+              </a:solidFill>
+              <a:latin typeface="Century Gothic"/>
+            </a:endParaRPr>
+          </a:p>
+          <a:p>
+            <a:pPr>
+              <a:lnSpc>
+                <a:spcPct val="100000"/>
+              </a:lnSpc>
+              <a:spcBef>
+                <a:spcPts val="1001"/>
+              </a:spcBef>
+            </a:pPr>
+            <a:endParaRPr lang="en-US" sz="2000" b="0" strike="noStrike" spc="-1">
+              <a:solidFill>
+                <a:srgbClr val="FFFFFF"/>
+              </a:solidFill>
+              <a:latin typeface="Century Gothic"/>
+            </a:endParaRPr>
+          </a:p>
+        </p:txBody>
+      </p:sp>
+    </p:spTree>
+  </p:cSld>
+  <p:clrMapOvr>
+    <a:masterClrMapping/>
+  </p:clrMapOvr>
+  <p:timing>
+    <p:tnLst>
+      <p:par>
+        <p:cTn id="1" dur="indefinite" restart="never" nodeType="tmRoot">
+          <p:childTnLst>
+            <p:seq>
+              <p:cTn id="2" dur="indefinite" nodeType="mainSeq"/>
+              <p:prevCondLst>
+                <p:cond evt="onPrev" delay="0">
+                  <p:tgtEl>
+                    <p:sldTgt/>
+                  </p:tgtEl>
+                </p:cond>
+              </p:prevCondLst>
+              <p:nextCondLst>
+                <p:cond evt="onNext" delay="0">
+                  <p:tgtEl>
+                    <p:sldTgt/>
+                  </p:tgtEl>
+                </p:cond>
+              </p:nextCondLst>
+            </p:seq>
+          </p:childTnLst>
+        </p:cTn>
+      </p:par>
+    </p:tnLst>
+  </p:timing>
+</p:sld>
+</file>
+
+<file path=ppt/slides/slide11.xml><?xml version="1.0" encoding="utf-8"?>
+<p:sld xmlns:a="http://schemas.openxmlformats.org/drawingml/2006/main" xmlns:r="http://schemas.openxmlformats.org/officeDocument/2006/relationships" xmlns:p="http://schemas.openxmlformats.org/presentationml/2006/main">
+  <p:cSld>
+    <p:spTree>
+      <p:nvGrpSpPr>
+        <p:cNvPr id="1" name=""/>
+        <p:cNvGrpSpPr/>
+        <p:nvPr/>
+      </p:nvGrpSpPr>
+      <p:grpSpPr>
+        <a:xfrm>
+          <a:off x="0" y="0"/>
+          <a:ext cx="0" cy="0"/>
+          <a:chOff x="0" y="0"/>
+          <a:chExt cx="0" cy="0"/>
+        </a:xfrm>
+      </p:grpSpPr>
+      <p:sp>
+        <p:nvSpPr>
+          <p:cNvPr id="127" name="TextShape 1"/>
+          <p:cNvSpPr txBox="1"/>
+          <p:nvPr/>
+        </p:nvSpPr>
+        <p:spPr>
+          <a:xfrm>
+            <a:off x="646200" y="452880"/>
+            <a:ext cx="9404280" cy="1400040"/>
+          </a:xfrm>
+          <a:prstGeom prst="rect">
+            <a:avLst/>
+          </a:prstGeom>
+          <a:noFill/>
+          <a:ln>
+            <a:noFill/>
+          </a:ln>
+        </p:spPr>
+        <p:txBody>
+          <a:bodyPr/>
+          <a:lstStyle/>
+          <a:p>
+            <a:pPr>
+              <a:lnSpc>
+                <a:spcPct val="100000"/>
+              </a:lnSpc>
+            </a:pPr>
+            <a:r>
+              <a:rPr lang="en-US" sz="4200" b="0" strike="noStrike" spc="-1">
+                <a:solidFill>
+                  <a:srgbClr val="EBEBEB"/>
+                </a:solidFill>
+                <a:latin typeface="Century Gothic"/>
+              </a:rPr>
+              <a:t>Fazit</a:t>
+            </a:r>
+            <a:endParaRPr lang="en-US" sz="4200" b="0" strike="noStrike" spc="-1">
+              <a:solidFill>
+                <a:srgbClr val="FFFFFF"/>
+              </a:solidFill>
+              <a:latin typeface="Century Gothic"/>
+            </a:endParaRPr>
+          </a:p>
+        </p:txBody>
+      </p:sp>
+      <p:sp>
+        <p:nvSpPr>
+          <p:cNvPr id="128" name="TextShape 2"/>
+          <p:cNvSpPr txBox="1"/>
+          <p:nvPr/>
+        </p:nvSpPr>
+        <p:spPr>
+          <a:xfrm>
+            <a:off x="1103400" y="2053080"/>
+            <a:ext cx="8946360" cy="4195080"/>
+          </a:xfrm>
+          <a:prstGeom prst="rect">
+            <a:avLst/>
+          </a:prstGeom>
+          <a:noFill/>
+          <a:ln>
+            <a:noFill/>
+          </a:ln>
+        </p:spPr>
+        <p:txBody>
+          <a:bodyPr/>
+          <a:lstStyle/>
+          <a:p>
+            <a:pPr marL="343080" indent="-342720">
+              <a:lnSpc>
+                <a:spcPct val="100000"/>
+              </a:lnSpc>
+              <a:spcBef>
+                <a:spcPts val="1001"/>
+              </a:spcBef>
+              <a:buClr>
+                <a:srgbClr val="8AD0D6"/>
+              </a:buClr>
+              <a:buSzPct val="80000"/>
+              <a:buFont typeface="Wingdings 3" charset="2"/>
+              <a:buChar char=""/>
+            </a:pPr>
+            <a:r>
+              <a:rPr lang="en-US" sz="2000" b="0" strike="noStrike" spc="-1">
+                <a:solidFill>
+                  <a:srgbClr val="FFFFFF"/>
+                </a:solidFill>
+                <a:latin typeface="Century Gothic"/>
+              </a:rPr>
+              <a:t>Teamfähigkeits- und Kommunikationsverbesserung</a:t>
+            </a:r>
+          </a:p>
+          <a:p>
+            <a:pPr marL="343080" indent="-342720">
+              <a:lnSpc>
+                <a:spcPct val="100000"/>
+              </a:lnSpc>
+              <a:spcBef>
+                <a:spcPts val="1001"/>
+              </a:spcBef>
+              <a:buClr>
+                <a:srgbClr val="8AD0D6"/>
+              </a:buClr>
+              <a:buSzPct val="80000"/>
+              <a:buFont typeface="Wingdings 3" charset="2"/>
+              <a:buChar char=""/>
+            </a:pPr>
+            <a:r>
+              <a:rPr lang="en-US" sz="2000" b="0" strike="noStrike" spc="-1">
+                <a:solidFill>
+                  <a:srgbClr val="FFFFFF"/>
+                </a:solidFill>
+                <a:latin typeface="Century Gothic"/>
+              </a:rPr>
+              <a:t>Herangehensweise an eine Aufgabenstellung</a:t>
+            </a:r>
+          </a:p>
+          <a:p>
+            <a:pPr marL="343080" indent="-342720">
+              <a:lnSpc>
+                <a:spcPct val="100000"/>
+              </a:lnSpc>
+              <a:spcBef>
+                <a:spcPts val="1001"/>
+              </a:spcBef>
+              <a:buClr>
+                <a:srgbClr val="8AD0D6"/>
+              </a:buClr>
+              <a:buSzPct val="80000"/>
+              <a:buFont typeface="Wingdings 3" charset="2"/>
+              <a:buChar char=""/>
+            </a:pPr>
+            <a:r>
+              <a:rPr lang="en-US" sz="2000" b="0" strike="noStrike" spc="-1">
+                <a:solidFill>
+                  <a:srgbClr val="FFFFFF"/>
+                </a:solidFill>
+                <a:latin typeface="Century Gothic"/>
+              </a:rPr>
+              <a:t>Erlernen einer Hardwarebeschreibungssprache</a:t>
+            </a:r>
+          </a:p>
+          <a:p>
+            <a:pPr marL="343080" indent="-342720">
+              <a:lnSpc>
+                <a:spcPct val="100000"/>
+              </a:lnSpc>
+              <a:spcBef>
+                <a:spcPts val="1001"/>
+              </a:spcBef>
+              <a:buClr>
+                <a:srgbClr val="8AD0D6"/>
+              </a:buClr>
+              <a:buSzPct val="80000"/>
+              <a:buFont typeface="Wingdings 3" charset="2"/>
+              <a:buChar char=""/>
+            </a:pPr>
+            <a:r>
+              <a:rPr lang="en-US" sz="2000" b="0" strike="noStrike" spc="-1">
+                <a:solidFill>
+                  <a:srgbClr val="FFFFFF"/>
+                </a:solidFill>
+                <a:latin typeface="Century Gothic"/>
+              </a:rPr>
+              <a:t>Entwicklung einer Umgebungssoftware </a:t>
+            </a:r>
+          </a:p>
+          <a:p>
+            <a:pPr marL="343080" indent="-342720">
+              <a:lnSpc>
+                <a:spcPct val="100000"/>
+              </a:lnSpc>
+              <a:spcBef>
+                <a:spcPts val="1001"/>
+              </a:spcBef>
+              <a:buClr>
+                <a:srgbClr val="8AD0D6"/>
+              </a:buClr>
+              <a:buSzPct val="80000"/>
+              <a:buFont typeface="Wingdings 3" charset="2"/>
+              <a:buChar char=""/>
+            </a:pPr>
+            <a:r>
+              <a:rPr lang="en-US" sz="2000" b="0" strike="noStrike" spc="-1">
+                <a:solidFill>
+                  <a:srgbClr val="FFFFFF"/>
+                </a:solidFill>
+                <a:latin typeface="Century Gothic"/>
+              </a:rPr>
+              <a:t>Zusammenführung der Arbeiten teamübergreifend</a:t>
+            </a:r>
+          </a:p>
+          <a:p>
+            <a:pPr>
+              <a:lnSpc>
+                <a:spcPct val="100000"/>
+              </a:lnSpc>
+              <a:spcBef>
+                <a:spcPts val="1001"/>
+              </a:spcBef>
+            </a:pPr>
+            <a:endParaRPr lang="en-US" sz="2000" b="0" strike="noStrike" spc="-1">
+              <a:solidFill>
+                <a:srgbClr val="FFFFFF"/>
+              </a:solidFill>
+              <a:latin typeface="Century Gothic"/>
+            </a:endParaRPr>
+          </a:p>
+          <a:p>
+            <a:pPr marL="343080" indent="-342720">
+              <a:lnSpc>
+                <a:spcPct val="100000"/>
+              </a:lnSpc>
+              <a:spcBef>
+                <a:spcPts val="1001"/>
+              </a:spcBef>
+              <a:buClr>
+                <a:srgbClr val="8AD0D6"/>
+              </a:buClr>
+              <a:buSzPct val="80000"/>
+              <a:buFont typeface="Wingdings 3" charset="2"/>
+              <a:buChar char=""/>
+            </a:pPr>
+            <a:r>
+              <a:rPr lang="en-US" sz="2000" b="0" strike="noStrike" spc="-1">
+                <a:solidFill>
+                  <a:srgbClr val="FFFFFF"/>
+                </a:solidFill>
+                <a:latin typeface="Century Gothic"/>
+              </a:rPr>
+              <a:t>Nächste Gruppe könnte aus dem Eintakt-Prozessor ein Mehrtakt-Prozessor realisieren, welche auf dem aktuellen Projekt basiert.</a:t>
+            </a:r>
           </a:p>
         </p:txBody>
       </p:sp>
@@ -5368,7 +6590,7 @@
         </p:spPr>
         <p:txBody>
           <a:bodyPr>
-            <a:normAutofit/>
+            <a:normAutofit lnSpcReduction="10000"/>
           </a:bodyPr>
           <a:lstStyle/>
           <a:p>
@@ -6039,7 +7261,7 @@
         </p:spPr>
         <p:txBody>
           <a:bodyPr>
-            <a:normAutofit/>
+            <a:normAutofit lnSpcReduction="10000"/>
           </a:bodyPr>
           <a:lstStyle/>
           <a:p>
@@ -7320,14 +8542,6 @@
 <file path=ppt/slides/slide6.xml><?xml version="1.0" encoding="utf-8"?>
 <p:sld xmlns:a="http://schemas.openxmlformats.org/drawingml/2006/main" xmlns:r="http://schemas.openxmlformats.org/officeDocument/2006/relationships" xmlns:p="http://schemas.openxmlformats.org/presentationml/2006/main">
   <p:cSld>
-    <p:bg>
-      <p:bgPr>
-        <a:solidFill>
-          <a:srgbClr val="FFFFFF"/>
-        </a:solidFill>
-        <a:effectLst/>
-      </p:bgPr>
-    </p:bg>
     <p:spTree>
       <p:nvGrpSpPr>
         <p:cNvPr id="1" name=""/>
@@ -7357,7 +8571,7 @@
             <a:avLst/>
           </a:prstGeom>
           <a:blipFill rotWithShape="0">
-            <a:blip r:embed="rId2"/>
+            <a:blip r:embed="rId3"/>
             <a:stretch>
               <a:fillRect/>
             </a:stretch>
@@ -7737,29 +8951,6 @@
           <a:fontRef idx="minor"/>
         </p:style>
       </p:sp>
-      <p:pic>
-        <p:nvPicPr>
-          <p:cNvPr id="117" name="Grafik 17"/>
-          <p:cNvPicPr/>
-          <p:nvPr/>
-        </p:nvPicPr>
-        <p:blipFill>
-          <a:blip r:embed="rId3"/>
-          <a:stretch/>
-        </p:blipFill>
-        <p:spPr>
-          <a:xfrm>
-            <a:off x="5206680" y="1821240"/>
-            <a:ext cx="6803280" cy="4030560"/>
-          </a:xfrm>
-          <a:prstGeom prst="rect">
-            <a:avLst/>
-          </a:prstGeom>
-          <a:ln>
-            <a:noFill/>
-          </a:ln>
-        </p:spPr>
-      </p:pic>
       <p:sp>
         <p:nvSpPr>
           <p:cNvPr id="118" name="CustomShape 4"/>
@@ -7809,8 +9000,8 @@
         </p:nvSpPr>
         <p:spPr>
           <a:xfrm>
-            <a:off x="649080" y="2438280"/>
-            <a:ext cx="4344480" cy="3785040"/>
+            <a:off x="563307" y="2330503"/>
+            <a:ext cx="3059373" cy="3785040"/>
           </a:xfrm>
           <a:prstGeom prst="rect">
             <a:avLst/>
@@ -7841,114 +9032,51 @@
               <a:buChar char=""/>
             </a:pPr>
             <a:r>
-              <a:rPr lang="en-US" sz="2000" b="0" strike="noStrike" spc="-1" dirty="0">
-                <a:solidFill>
-                  <a:srgbClr val="EBEBEB"/>
-                </a:solidFill>
-                <a:latin typeface="Century Gothic"/>
-              </a:rPr>
-              <a:t>IDE </a:t>
-            </a:r>
-            <a:r>
-              <a:rPr lang="en-US" sz="2000" b="0" strike="noStrike" spc="-1" dirty="0" err="1">
-                <a:solidFill>
-                  <a:srgbClr val="EBEBEB"/>
-                </a:solidFill>
-                <a:latin typeface="Century Gothic"/>
-              </a:rPr>
-              <a:t>zum</a:t>
-            </a:r>
-            <a:r>
-              <a:rPr lang="en-US" sz="2000" b="0" strike="noStrike" spc="-1" dirty="0">
-                <a:solidFill>
-                  <a:srgbClr val="EBEBEB"/>
-                </a:solidFill>
-                <a:latin typeface="Century Gothic"/>
-              </a:rPr>
-              <a:t> </a:t>
-            </a:r>
-            <a:r>
-              <a:rPr lang="en-US" sz="2000" b="0" strike="noStrike" spc="-1" dirty="0" err="1">
-                <a:solidFill>
-                  <a:srgbClr val="EBEBEB"/>
-                </a:solidFill>
-                <a:latin typeface="Century Gothic"/>
-              </a:rPr>
-              <a:t>Entwickeln</a:t>
-            </a:r>
-            <a:r>
-              <a:rPr lang="en-US" sz="2000" b="0" strike="noStrike" spc="-1" dirty="0">
-                <a:solidFill>
-                  <a:srgbClr val="EBEBEB"/>
-                </a:solidFill>
-                <a:latin typeface="Century Gothic"/>
-              </a:rPr>
-              <a:t>, </a:t>
-            </a:r>
-            <a:r>
-              <a:rPr lang="en-US" sz="2000" b="0" strike="noStrike" spc="-1" dirty="0" err="1">
-                <a:solidFill>
-                  <a:srgbClr val="EBEBEB"/>
-                </a:solidFill>
-                <a:latin typeface="Century Gothic"/>
-              </a:rPr>
-              <a:t>Debuggen</a:t>
-            </a:r>
-            <a:r>
-              <a:rPr lang="en-US" sz="2000" b="0" strike="noStrike" spc="-1" dirty="0">
-                <a:solidFill>
-                  <a:srgbClr val="EBEBEB"/>
-                </a:solidFill>
-                <a:latin typeface="Century Gothic"/>
-              </a:rPr>
-              <a:t> und </a:t>
-            </a:r>
-            <a:r>
-              <a:rPr lang="en-US" sz="2000" b="0" strike="noStrike" spc="-1" dirty="0" err="1">
-                <a:solidFill>
-                  <a:srgbClr val="EBEBEB"/>
-                </a:solidFill>
-                <a:latin typeface="Century Gothic"/>
-              </a:rPr>
-              <a:t>Compelieren</a:t>
-            </a:r>
-            <a:r>
-              <a:rPr lang="en-US" sz="2000" b="0" strike="noStrike" spc="-1" dirty="0">
-                <a:solidFill>
-                  <a:srgbClr val="EBEBEB"/>
-                </a:solidFill>
-                <a:latin typeface="Century Gothic"/>
-              </a:rPr>
-              <a:t> des </a:t>
-            </a:r>
-            <a:r>
-              <a:rPr lang="en-US" sz="2000" b="0" strike="noStrike" spc="-1" dirty="0" err="1">
-                <a:solidFill>
-                  <a:srgbClr val="EBEBEB"/>
-                </a:solidFill>
-                <a:latin typeface="Century Gothic"/>
-              </a:rPr>
-              <a:t>geschriebene</a:t>
-            </a:r>
-            <a:r>
-              <a:rPr lang="en-US" sz="2000" b="0" strike="noStrike" spc="-1" dirty="0">
-                <a:solidFill>
-                  <a:srgbClr val="EBEBEB"/>
-                </a:solidFill>
-                <a:latin typeface="Century Gothic"/>
-              </a:rPr>
-              <a:t> </a:t>
-            </a:r>
-            <a:r>
-              <a:rPr lang="en-US" sz="2000" b="0" strike="noStrike" spc="-1" dirty="0" err="1">
-                <a:solidFill>
-                  <a:srgbClr val="EBEBEB"/>
-                </a:solidFill>
-                <a:latin typeface="Century Gothic"/>
-              </a:rPr>
-              <a:t>Assemblercodes</a:t>
-            </a:r>
-            <a:endParaRPr lang="en-US" sz="2000" b="0" strike="noStrike" spc="-1" dirty="0">
+              <a:rPr lang="en-US" sz="1800" b="0" strike="noStrike" spc="-1" dirty="0" err="1">
+                <a:solidFill>
+                  <a:srgbClr val="FFFFFF"/>
+                </a:solidFill>
+                <a:latin typeface="Century Gothic"/>
+              </a:rPr>
+              <a:t>Übersetzung</a:t>
+            </a:r>
+            <a:r>
+              <a:rPr lang="en-US" sz="1800" b="0" strike="noStrike" spc="-1" dirty="0">
+                <a:solidFill>
+                  <a:srgbClr val="FFFFFF"/>
+                </a:solidFill>
+                <a:latin typeface="Century Gothic"/>
+              </a:rPr>
+              <a:t> Assembler-</a:t>
+            </a:r>
+            <a:r>
+              <a:rPr lang="en-US" sz="1800" b="0" strike="noStrike" spc="-1" dirty="0" err="1">
+                <a:solidFill>
+                  <a:srgbClr val="FFFFFF"/>
+                </a:solidFill>
+                <a:latin typeface="Century Gothic"/>
+              </a:rPr>
+              <a:t>Programm</a:t>
+            </a:r>
+            <a:r>
+              <a:rPr lang="en-US" sz="1800" b="0" strike="noStrike" spc="-1" dirty="0">
+                <a:solidFill>
+                  <a:srgbClr val="FFFFFF"/>
+                </a:solidFill>
+                <a:latin typeface="Century Gothic"/>
+              </a:rPr>
+              <a:t> in </a:t>
+            </a:r>
+            <a:r>
+              <a:rPr lang="en-US" sz="1800" b="0" strike="noStrike" spc="-1" dirty="0" err="1">
+                <a:solidFill>
+                  <a:srgbClr val="FFFFFF"/>
+                </a:solidFill>
+                <a:latin typeface="Century Gothic"/>
+              </a:rPr>
+              <a:t>Maschinencode</a:t>
+            </a:r>
+            <a:endParaRPr lang="en-US" sz="1800" b="0" strike="noStrike" spc="-1" dirty="0">
               <a:solidFill>
                 <a:srgbClr val="FFFFFF"/>
               </a:solidFill>
@@ -7971,24 +9099,33 @@
               <a:buChar char=""/>
             </a:pPr>
             <a:r>
-              <a:rPr lang="en-US" sz="2000" b="0" strike="noStrike" spc="-1" dirty="0" err="1">
-                <a:solidFill>
-                  <a:srgbClr val="EBEBEB"/>
-                </a:solidFill>
-                <a:latin typeface="Century Gothic"/>
-              </a:rPr>
-              <a:t>Aufteilung</a:t>
-            </a:r>
-            <a:r>
-              <a:rPr lang="en-US" sz="2000" b="0" strike="noStrike" spc="-1" dirty="0">
-                <a:solidFill>
-                  <a:srgbClr val="EBEBEB"/>
-                </a:solidFill>
-                <a:latin typeface="Century Gothic"/>
-              </a:rPr>
-              <a:t> in</a:t>
-            </a:r>
-            <a:endParaRPr lang="en-US" sz="2000" b="0" strike="noStrike" spc="-1" dirty="0">
+              <a:rPr lang="en-US" sz="1800" b="0" strike="noStrike" spc="-1" dirty="0" err="1">
+                <a:solidFill>
+                  <a:srgbClr val="FFFFFF"/>
+                </a:solidFill>
+                <a:latin typeface="Century Gothic"/>
+              </a:rPr>
+              <a:t>Einführung</a:t>
+            </a:r>
+            <a:r>
+              <a:rPr lang="en-US" sz="1800" b="0" strike="noStrike" spc="-1" dirty="0">
+                <a:solidFill>
+                  <a:srgbClr val="FFFFFF"/>
+                </a:solidFill>
+                <a:latin typeface="Century Gothic"/>
+              </a:rPr>
+              <a:t> Assembler-</a:t>
+            </a:r>
+            <a:r>
+              <a:rPr lang="en-US" sz="1800" b="0" strike="noStrike" spc="-1" dirty="0" err="1">
+                <a:solidFill>
+                  <a:srgbClr val="FFFFFF"/>
+                </a:solidFill>
+                <a:latin typeface="Century Gothic"/>
+              </a:rPr>
+              <a:t>Direktiven</a:t>
+            </a:r>
+            <a:endParaRPr lang="en-US" spc="-1" dirty="0">
               <a:solidFill>
                 <a:srgbClr val="FFFFFF"/>
               </a:solidFill>
@@ -7996,10 +9133,7 @@
             </a:endParaRPr>
           </a:p>
           <a:p>
-            <a:pPr marL="743040" lvl="1" indent="-285480">
-              <a:lnSpc>
-                <a:spcPct val="100000"/>
-              </a:lnSpc>
+            <a:pPr marL="343080" indent="-342720">
               <a:spcBef>
                 <a:spcPts val="1001"/>
               </a:spcBef>
@@ -8011,71 +9145,26 @@
               <a:buChar char=""/>
             </a:pPr>
             <a:r>
-              <a:rPr lang="en-US" sz="1800" b="0" strike="noStrike" spc="-1" dirty="0">
-                <a:solidFill>
-                  <a:srgbClr val="EBEBEB"/>
-                </a:solidFill>
-                <a:latin typeface="Century Gothic"/>
-              </a:rPr>
-              <a:t>1) </a:t>
-            </a:r>
-            <a:r>
-              <a:rPr lang="en-US" sz="1800" b="0" strike="noStrike" spc="-1" dirty="0" err="1">
-                <a:solidFill>
-                  <a:srgbClr val="EBEBEB"/>
-                </a:solidFill>
-                <a:latin typeface="Century Gothic"/>
-              </a:rPr>
-              <a:t>Optionsleiste</a:t>
-            </a:r>
-            <a:r>
-              <a:rPr lang="en-US" sz="1800" b="0" strike="noStrike" spc="-1" dirty="0">
-                <a:solidFill>
-                  <a:srgbClr val="EBEBEB"/>
-                </a:solidFill>
-                <a:latin typeface="Century Gothic"/>
-              </a:rPr>
-              <a:t> </a:t>
-            </a:r>
-            <a:r>
-              <a:rPr lang="en-US" sz="1800" b="0" strike="noStrike" spc="-1" dirty="0" err="1">
-                <a:solidFill>
-                  <a:srgbClr val="EBEBEB"/>
-                </a:solidFill>
-                <a:latin typeface="Century Gothic"/>
-              </a:rPr>
-              <a:t>mit</a:t>
-            </a:r>
-            <a:r>
-              <a:rPr lang="en-US" sz="1800" b="0" strike="noStrike" spc="-1" dirty="0">
-                <a:solidFill>
-                  <a:srgbClr val="EBEBEB"/>
-                </a:solidFill>
-                <a:latin typeface="Century Gothic"/>
-              </a:rPr>
-              <a:t> Compile- und </a:t>
-            </a:r>
-            <a:r>
-              <a:rPr lang="en-US" sz="1800" b="0" strike="noStrike" spc="-1" dirty="0" err="1">
-                <a:solidFill>
-                  <a:srgbClr val="EBEBEB"/>
-                </a:solidFill>
-                <a:latin typeface="Century Gothic"/>
-              </a:rPr>
-              <a:t>Debugfunktionen</a:t>
-            </a:r>
-            <a:endParaRPr lang="en-US" sz="1800" b="0" strike="noStrike" spc="-1" dirty="0">
-              <a:solidFill>
-                <a:srgbClr val="FFFFFF"/>
-              </a:solidFill>
-              <a:latin typeface="Century Gothic"/>
-            </a:endParaRPr>
-          </a:p>
-          <a:p>
-            <a:pPr marL="743040" lvl="1" indent="-285480">
-              <a:lnSpc>
-                <a:spcPct val="100000"/>
-              </a:lnSpc>
+              <a:rPr lang="en-US" b="0" strike="noStrike" spc="-1" dirty="0" err="1">
+                <a:solidFill>
+                  <a:srgbClr val="FFFFFF"/>
+                </a:solidFill>
+                <a:latin typeface="Century Gothic"/>
+              </a:rPr>
+              <a:t>Einführung</a:t>
+            </a:r>
+            <a:r>
+              <a:rPr lang="en-US" b="0" strike="noStrike" spc="-1" dirty="0">
+                <a:solidFill>
+                  <a:srgbClr val="FFFFFF"/>
+                </a:solidFill>
+                <a:latin typeface="Century Gothic"/>
+              </a:rPr>
+              <a:t> von Labels</a:t>
+            </a:r>
+          </a:p>
+          <a:p>
+            <a:pPr marL="343080" indent="-342720">
               <a:spcBef>
                 <a:spcPts val="1001"/>
               </a:spcBef>
@@ -8087,107 +9176,24 @@
               <a:buChar char=""/>
             </a:pPr>
             <a:r>
-              <a:rPr lang="en-US" sz="1800" b="0" strike="noStrike" spc="-1" dirty="0">
-                <a:solidFill>
-                  <a:srgbClr val="EBEBEB"/>
-                </a:solidFill>
-                <a:latin typeface="Century Gothic"/>
-              </a:rPr>
-              <a:t>2) </a:t>
-            </a:r>
-            <a:r>
-              <a:rPr lang="en-US" sz="1800" b="0" strike="noStrike" spc="-1" dirty="0" err="1">
-                <a:solidFill>
-                  <a:srgbClr val="EBEBEB"/>
-                </a:solidFill>
-                <a:latin typeface="Century Gothic"/>
-              </a:rPr>
-              <a:t>Editorbereich</a:t>
-            </a:r>
-            <a:r>
-              <a:rPr lang="en-US" sz="1800" b="0" strike="noStrike" spc="-1" dirty="0">
-                <a:solidFill>
-                  <a:srgbClr val="EBEBEB"/>
-                </a:solidFill>
-                <a:latin typeface="Century Gothic"/>
-              </a:rPr>
-              <a:t> </a:t>
-            </a:r>
-            <a:endParaRPr lang="en-US" sz="1800" b="0" strike="noStrike" spc="-1" dirty="0">
-              <a:solidFill>
-                <a:srgbClr val="FFFFFF"/>
-              </a:solidFill>
-              <a:latin typeface="Century Gothic"/>
-            </a:endParaRPr>
-          </a:p>
-          <a:p>
-            <a:pPr marL="743040" lvl="1" indent="-285480">
-              <a:lnSpc>
-                <a:spcPct val="100000"/>
-              </a:lnSpc>
-              <a:spcBef>
-                <a:spcPts val="1001"/>
-              </a:spcBef>
-              <a:buClr>
-                <a:srgbClr val="F7F7F7"/>
-              </a:buClr>
-              <a:buSzPct val="80000"/>
-              <a:buFont typeface="Wingdings 3" charset="2"/>
-              <a:buChar char=""/>
-            </a:pPr>
-            <a:r>
-              <a:rPr lang="en-US" sz="1800" b="0" strike="noStrike" spc="-1" dirty="0">
-                <a:solidFill>
-                  <a:srgbClr val="EBEBEB"/>
-                </a:solidFill>
-                <a:latin typeface="Century Gothic"/>
-              </a:rPr>
-              <a:t>3) </a:t>
-            </a:r>
-            <a:r>
-              <a:rPr lang="en-US" sz="1800" b="0" strike="noStrike" spc="-1" dirty="0" err="1">
-                <a:solidFill>
-                  <a:srgbClr val="EBEBEB"/>
-                </a:solidFill>
-                <a:latin typeface="Century Gothic"/>
-              </a:rPr>
-              <a:t>Anzeigen</a:t>
-            </a:r>
-            <a:r>
-              <a:rPr lang="en-US" sz="1800" b="0" strike="noStrike" spc="-1" dirty="0">
-                <a:solidFill>
-                  <a:srgbClr val="EBEBEB"/>
-                </a:solidFill>
-                <a:latin typeface="Century Gothic"/>
-              </a:rPr>
-              <a:t> der Register- und   </a:t>
-            </a:r>
-            <a:r>
-              <a:rPr lang="en-US" sz="1800" b="0" strike="noStrike" spc="-1" dirty="0" err="1">
-                <a:solidFill>
-                  <a:srgbClr val="EBEBEB"/>
-                </a:solidFill>
-                <a:latin typeface="Century Gothic"/>
-              </a:rPr>
-              <a:t>Speicherinhalte</a:t>
-            </a:r>
-            <a:endParaRPr lang="en-US" sz="1800" b="0" strike="noStrike" spc="-1" dirty="0">
-              <a:solidFill>
-                <a:srgbClr val="FFFFFF"/>
-              </a:solidFill>
-              <a:latin typeface="Century Gothic"/>
-            </a:endParaRPr>
-          </a:p>
-          <a:p>
-            <a:pPr>
-              <a:lnSpc>
-                <a:spcPct val="100000"/>
-              </a:lnSpc>
-              <a:spcBef>
-                <a:spcPts val="1001"/>
-              </a:spcBef>
-            </a:pPr>
-            <a:endParaRPr lang="en-US" sz="1800" b="0" strike="noStrike" spc="-1" dirty="0">
+              <a:rPr lang="en-US" spc="-1" dirty="0">
+                <a:solidFill>
+                  <a:srgbClr val="FFFFFF"/>
+                </a:solidFill>
+                <a:latin typeface="Century Gothic"/>
+              </a:rPr>
+              <a:t>Support von Code-</a:t>
+            </a:r>
+            <a:r>
+              <a:rPr lang="en-US" spc="-1" dirty="0" err="1">
+                <a:solidFill>
+                  <a:srgbClr val="FFFFFF"/>
+                </a:solidFill>
+                <a:latin typeface="Century Gothic"/>
+              </a:rPr>
+              <a:t>Kommentaren</a:t>
+            </a:r>
+            <a:endParaRPr lang="en-US" b="0" strike="noStrike" spc="-1" dirty="0">
               <a:solidFill>
                 <a:srgbClr val="FFFFFF"/>
               </a:solidFill>
@@ -8433,7 +9439,7 @@
         <p:spPr>
           <a:xfrm>
             <a:off x="649080" y="629280"/>
-            <a:ext cx="4641840" cy="684360"/>
+            <a:ext cx="2973600" cy="1536480"/>
           </a:xfrm>
           <a:prstGeom prst="rect">
             <a:avLst/>
@@ -8445,7 +9451,7 @@
         </p:spPr>
         <p:txBody>
           <a:bodyPr>
-            <a:normAutofit/>
+            <a:normAutofit fontScale="85000" lnSpcReduction="20000"/>
           </a:bodyPr>
           <a:lstStyle/>
           <a:p>
@@ -8455,15 +9461,47 @@
               </a:lnSpc>
             </a:pPr>
             <a:r>
-              <a:rPr lang="en-US" sz="4200" b="0" strike="noStrike" spc="-1">
+              <a:rPr lang="en-US" sz="4200" b="0" strike="noStrike" spc="-1" dirty="0">
                 <a:solidFill>
                   <a:srgbClr val="EBEBEB"/>
                 </a:solidFill>
                 <a:latin typeface="Century Gothic"/>
               </a:rPr>
-              <a:t>Software – Super32</a:t>
-            </a:r>
-            <a:endParaRPr lang="en-US" sz="4200" b="0" strike="noStrike" spc="-1">
+              <a:t>Software – </a:t>
+            </a:r>
+          </a:p>
+          <a:p>
+            <a:pPr>
+              <a:lnSpc>
+                <a:spcPct val="100000"/>
+              </a:lnSpc>
+            </a:pPr>
+            <a:r>
+              <a:rPr lang="en-US" sz="4200" b="0" strike="noStrike" spc="-1" dirty="0">
+                <a:solidFill>
+                  <a:srgbClr val="EBEBEB"/>
+                </a:solidFill>
+                <a:latin typeface="Century Gothic"/>
+              </a:rPr>
+              <a:t>Super32</a:t>
+            </a:r>
+          </a:p>
+          <a:p>
+            <a:pPr>
+              <a:lnSpc>
+                <a:spcPct val="100000"/>
+              </a:lnSpc>
+            </a:pPr>
+            <a:r>
+              <a:rPr lang="en-US" sz="4200" b="0" strike="noStrike" spc="-1" dirty="0">
+                <a:solidFill>
+                  <a:srgbClr val="EBEBEB"/>
+                </a:solidFill>
+                <a:latin typeface="Century Gothic"/>
+              </a:rPr>
+              <a:t>Assembler</a:t>
+            </a:r>
+            <a:endParaRPr lang="en-US" sz="4200" b="0" strike="noStrike" spc="-1" dirty="0">
               <a:solidFill>
                 <a:srgbClr val="FFFFFF"/>
               </a:solidFill>
@@ -8472,7 +9510,47 @@
           </a:p>
         </p:txBody>
       </p:sp>
+      <p:pic>
+        <p:nvPicPr>
+          <p:cNvPr id="3" name="Grafik 2">
+            <a:extLst>
+              <a:ext uri="{FF2B5EF4-FFF2-40B4-BE49-F238E27FC236}">
+                <a16:creationId xmlns:a16="http://schemas.microsoft.com/office/drawing/2014/main" id="{EADE9D16-1215-4A8C-AB39-DDB8CB679B61}"/>
+              </a:ext>
+            </a:extLst>
+          </p:cNvPr>
+          <p:cNvPicPr>
+            <a:picLocks noChangeAspect="1"/>
+          </p:cNvPicPr>
+          <p:nvPr/>
+        </p:nvPicPr>
+        <p:blipFill rotWithShape="1">
+          <a:blip r:embed="rId4">
+            <a:extLst>
+              <a:ext uri="{28A0092B-C50C-407E-A947-70E740481C1C}">
+                <a14:useLocalDpi xmlns:a14="http://schemas.microsoft.com/office/drawing/2010/main" val="0"/>
+              </a:ext>
+            </a:extLst>
+          </a:blip>
+          <a:srcRect t="12718" r="57432" b="45911"/>
+          <a:stretch/>
+        </p:blipFill>
+        <p:spPr>
+          <a:xfrm>
+            <a:off x="3835619" y="710169"/>
+            <a:ext cx="8340989" cy="5405374"/>
+          </a:xfrm>
+          <a:prstGeom prst="rect">
+            <a:avLst/>
+          </a:prstGeom>
+        </p:spPr>
+      </p:pic>
     </p:spTree>
+    <p:extLst>
+      <p:ext uri="{BB962C8B-B14F-4D97-AF65-F5344CB8AC3E}">
+        <p14:creationId xmlns:p14="http://schemas.microsoft.com/office/powerpoint/2010/main" val="631212580"/>
+      </p:ext>
+    </p:extLst>
   </p:cSld>
   <p:clrMapOvr>
     <a:masterClrMapping/>
@@ -8526,14 +9604,748 @@
       </p:grpSpPr>
       <p:sp>
         <p:nvSpPr>
-          <p:cNvPr id="125" name="CustomShape 1"/>
+          <p:cNvPr id="114" name="CustomShape 1"/>
           <p:cNvSpPr/>
           <p:nvPr/>
         </p:nvSpPr>
         <p:spPr>
           <a:xfrm>
-            <a:off x="646200" y="452880"/>
-            <a:ext cx="9404280" cy="1400040"/>
+            <a:off x="0" y="0"/>
+            <a:ext cx="12191760" cy="6857640"/>
+          </a:xfrm>
+          <a:prstGeom prst="rect">
+            <a:avLst/>
+          </a:prstGeom>
+          <a:blipFill rotWithShape="0">
+            <a:blip r:embed="rId3"/>
+            <a:stretch>
+              <a:fillRect/>
+            </a:stretch>
+          </a:blipFill>
+          <a:ln>
+            <a:noFill/>
+          </a:ln>
+        </p:spPr>
+        <p:style>
+          <a:lnRef idx="2">
+            <a:schemeClr val="accent1">
+              <a:shade val="50000"/>
+            </a:schemeClr>
+          </a:lnRef>
+          <a:fillRef idx="1003">
+            <a:schemeClr val="dk2"/>
+          </a:fillRef>
+          <a:effectRef idx="0">
+            <a:schemeClr val="accent1"/>
+          </a:effectRef>
+          <a:fontRef idx="minor"/>
+        </p:style>
+      </p:sp>
+      <p:sp>
+        <p:nvSpPr>
+          <p:cNvPr id="115" name="CustomShape 2"/>
+          <p:cNvSpPr/>
+          <p:nvPr/>
+        </p:nvSpPr>
+        <p:spPr>
+          <a:xfrm>
+            <a:off x="4993920" y="0"/>
+            <a:ext cx="559080" cy="3709440"/>
+          </a:xfrm>
+          <a:custGeom>
+            <a:avLst/>
+            <a:gdLst/>
+            <a:ahLst/>
+            <a:cxnLst/>
+            <a:rect l="l" t="t" r="r" b="b"/>
+            <a:pathLst>
+              <a:path w="559472" h="3709642">
+                <a:moveTo>
+                  <a:pt x="0" y="0"/>
+                </a:moveTo>
+                <a:lnTo>
+                  <a:pt x="473952" y="0"/>
+                </a:lnTo>
+                <a:lnTo>
+                  <a:pt x="485840" y="161194"/>
+                </a:lnTo>
+                <a:cubicBezTo>
+                  <a:pt x="552063" y="1147770"/>
+                  <a:pt x="592441" y="3086737"/>
+                  <a:pt x="523949" y="3672197"/>
+                </a:cubicBezTo>
+                <a:cubicBezTo>
+                  <a:pt x="500842" y="3684557"/>
+                  <a:pt x="477855" y="3697282"/>
+                  <a:pt x="454748" y="3709642"/>
+                </a:cubicBezTo>
+                <a:lnTo>
+                  <a:pt x="448224" y="3510471"/>
+                </a:lnTo>
+                <a:lnTo>
+                  <a:pt x="443564" y="3408563"/>
+                </a:lnTo>
+                <a:lnTo>
+                  <a:pt x="438902" y="3304407"/>
+                </a:lnTo>
+                <a:lnTo>
+                  <a:pt x="433941" y="3198777"/>
+                </a:lnTo>
+                <a:lnTo>
+                  <a:pt x="427584" y="3092510"/>
+                </a:lnTo>
+                <a:lnTo>
+                  <a:pt x="420988" y="2984390"/>
+                </a:lnTo>
+                <a:lnTo>
+                  <a:pt x="414330" y="2874401"/>
+                </a:lnTo>
+                <a:lnTo>
+                  <a:pt x="406840" y="2762980"/>
+                </a:lnTo>
+                <a:lnTo>
+                  <a:pt x="397745" y="2650566"/>
+                </a:lnTo>
+                <a:lnTo>
+                  <a:pt x="389154" y="2536612"/>
+                </a:lnTo>
+                <a:lnTo>
+                  <a:pt x="379225" y="2421642"/>
+                </a:lnTo>
+                <a:lnTo>
+                  <a:pt x="368316" y="2305627"/>
+                </a:lnTo>
+                <a:lnTo>
+                  <a:pt x="357466" y="2189233"/>
+                </a:lnTo>
+                <a:lnTo>
+                  <a:pt x="344982" y="2071473"/>
+                </a:lnTo>
+                <a:lnTo>
+                  <a:pt x="332466" y="1952216"/>
+                </a:lnTo>
+                <a:lnTo>
+                  <a:pt x="319121" y="1833776"/>
+                </a:lnTo>
+                <a:lnTo>
+                  <a:pt x="304408" y="1713948"/>
+                </a:lnTo>
+                <a:lnTo>
+                  <a:pt x="288685" y="1592703"/>
+                </a:lnTo>
+                <a:lnTo>
+                  <a:pt x="273050" y="1471451"/>
+                </a:lnTo>
+                <a:lnTo>
+                  <a:pt x="255813" y="1350328"/>
+                </a:lnTo>
+                <a:lnTo>
+                  <a:pt x="237060" y="1227080"/>
+                </a:lnTo>
+                <a:lnTo>
+                  <a:pt x="218488" y="1106065"/>
+                </a:lnTo>
+                <a:lnTo>
+                  <a:pt x="198221" y="982940"/>
+                </a:lnTo>
+                <a:lnTo>
+                  <a:pt x="177152" y="858755"/>
+                </a:lnTo>
+                <a:lnTo>
+                  <a:pt x="155551" y="736861"/>
+                </a:lnTo>
+                <a:lnTo>
+                  <a:pt x="131782" y="613645"/>
+                </a:lnTo>
+                <a:lnTo>
+                  <a:pt x="107123" y="490500"/>
+                </a:lnTo>
+                <a:lnTo>
+                  <a:pt x="82552" y="367348"/>
+                </a:lnTo>
+                <a:lnTo>
+                  <a:pt x="55608" y="244762"/>
+                </a:lnTo>
+                <a:lnTo>
+                  <a:pt x="28130" y="122220"/>
+                </a:lnTo>
+                <a:lnTo>
+                  <a:pt x="0" y="0"/>
+                </a:lnTo>
+                <a:close/>
+              </a:path>
+            </a:pathLst>
+          </a:custGeom>
+          <a:solidFill>
+            <a:schemeClr val="bg1">
+              <a:alpha val="20000"/>
+            </a:schemeClr>
+          </a:solidFill>
+          <a:ln>
+            <a:noFill/>
+          </a:ln>
+        </p:spPr>
+        <p:style>
+          <a:lnRef idx="0">
+            <a:scrgbClr r="0" g="0" b="0"/>
+          </a:lnRef>
+          <a:fillRef idx="0">
+            <a:scrgbClr r="0" g="0" b="0"/>
+          </a:fillRef>
+          <a:effectRef idx="0">
+            <a:scrgbClr r="0" g="0" b="0"/>
+          </a:effectRef>
+          <a:fontRef idx="minor"/>
+        </p:style>
+      </p:sp>
+      <p:sp>
+        <p:nvSpPr>
+          <p:cNvPr id="116" name="CustomShape 3"/>
+          <p:cNvSpPr/>
+          <p:nvPr/>
+        </p:nvSpPr>
+        <p:spPr>
+          <a:xfrm rot="16200000">
+            <a:off x="5270400" y="-63000"/>
+            <a:ext cx="6857640" cy="6984720"/>
+          </a:xfrm>
+          <a:custGeom>
+            <a:avLst/>
+            <a:gdLst/>
+            <a:ahLst/>
+            <a:cxnLst/>
+            <a:rect l="l" t="t" r="r" b="b"/>
+            <a:pathLst>
+              <a:path w="6858001" h="6985200">
+                <a:moveTo>
+                  <a:pt x="6858001" y="1177"/>
+                </a:moveTo>
+                <a:lnTo>
+                  <a:pt x="6858001" y="1344715"/>
+                </a:lnTo>
+                <a:lnTo>
+                  <a:pt x="6858000" y="1344715"/>
+                </a:lnTo>
+                <a:lnTo>
+                  <a:pt x="6858000" y="6985200"/>
+                </a:lnTo>
+                <a:lnTo>
+                  <a:pt x="0" y="6985199"/>
+                </a:lnTo>
+                <a:lnTo>
+                  <a:pt x="0" y="886772"/>
+                </a:lnTo>
+                <a:lnTo>
+                  <a:pt x="1" y="886772"/>
+                </a:lnTo>
+                <a:lnTo>
+                  <a:pt x="1" y="0"/>
+                </a:lnTo>
+                <a:lnTo>
+                  <a:pt x="40463" y="5883"/>
+                </a:lnTo>
+                <a:lnTo>
+                  <a:pt x="159107" y="23196"/>
+                </a:lnTo>
+                <a:lnTo>
+                  <a:pt x="245518" y="35299"/>
+                </a:lnTo>
+                <a:lnTo>
+                  <a:pt x="348388" y="48073"/>
+                </a:lnTo>
+                <a:lnTo>
+                  <a:pt x="470460" y="63369"/>
+                </a:lnTo>
+                <a:lnTo>
+                  <a:pt x="605563" y="79506"/>
+                </a:lnTo>
+                <a:lnTo>
+                  <a:pt x="757810" y="96483"/>
+                </a:lnTo>
+                <a:lnTo>
+                  <a:pt x="923774" y="114469"/>
+                </a:lnTo>
+                <a:lnTo>
+                  <a:pt x="1104139" y="132454"/>
+                </a:lnTo>
+                <a:lnTo>
+                  <a:pt x="1296163" y="150776"/>
+                </a:lnTo>
+                <a:lnTo>
+                  <a:pt x="1503275" y="167753"/>
+                </a:lnTo>
+                <a:lnTo>
+                  <a:pt x="1719988" y="184058"/>
+                </a:lnTo>
+                <a:lnTo>
+                  <a:pt x="1949045" y="198849"/>
+                </a:lnTo>
+                <a:lnTo>
+                  <a:pt x="2187703" y="212969"/>
+                </a:lnTo>
+                <a:lnTo>
+                  <a:pt x="2436649" y="226248"/>
+                </a:lnTo>
+                <a:lnTo>
+                  <a:pt x="2564208" y="230955"/>
+                </a:lnTo>
+                <a:lnTo>
+                  <a:pt x="2694509" y="236165"/>
+                </a:lnTo>
+                <a:lnTo>
+                  <a:pt x="2826869" y="241040"/>
+                </a:lnTo>
+                <a:lnTo>
+                  <a:pt x="2959914" y="244234"/>
+                </a:lnTo>
+                <a:lnTo>
+                  <a:pt x="3095702" y="247091"/>
+                </a:lnTo>
+                <a:lnTo>
+                  <a:pt x="3232862" y="250117"/>
+                </a:lnTo>
+                <a:lnTo>
+                  <a:pt x="3372766" y="252134"/>
+                </a:lnTo>
+                <a:lnTo>
+                  <a:pt x="3514040" y="252134"/>
+                </a:lnTo>
+                <a:lnTo>
+                  <a:pt x="3656686" y="253142"/>
+                </a:lnTo>
+                <a:lnTo>
+                  <a:pt x="3800705" y="252134"/>
+                </a:lnTo>
+                <a:lnTo>
+                  <a:pt x="3946780" y="250117"/>
+                </a:lnTo>
+                <a:lnTo>
+                  <a:pt x="4092856" y="248268"/>
+                </a:lnTo>
+                <a:lnTo>
+                  <a:pt x="4240988" y="244234"/>
+                </a:lnTo>
+                <a:lnTo>
+                  <a:pt x="4390492" y="240032"/>
+                </a:lnTo>
+                <a:lnTo>
+                  <a:pt x="4539997" y="235157"/>
+                </a:lnTo>
+                <a:lnTo>
+                  <a:pt x="4690873" y="228266"/>
+                </a:lnTo>
+                <a:lnTo>
+                  <a:pt x="4843120" y="220029"/>
+                </a:lnTo>
+                <a:lnTo>
+                  <a:pt x="4996054" y="212129"/>
+                </a:lnTo>
+                <a:lnTo>
+                  <a:pt x="5148987" y="202044"/>
+                </a:lnTo>
+                <a:lnTo>
+                  <a:pt x="5303978" y="189941"/>
+                </a:lnTo>
+                <a:lnTo>
+                  <a:pt x="5456911" y="177839"/>
+                </a:lnTo>
+                <a:lnTo>
+                  <a:pt x="5612588" y="163887"/>
+                </a:lnTo>
+                <a:lnTo>
+                  <a:pt x="5768950" y="148591"/>
+                </a:lnTo>
+                <a:lnTo>
+                  <a:pt x="5923255" y="132455"/>
+                </a:lnTo>
+                <a:lnTo>
+                  <a:pt x="6079618" y="113629"/>
+                </a:lnTo>
+                <a:lnTo>
+                  <a:pt x="6235294" y="93458"/>
+                </a:lnTo>
+                <a:lnTo>
+                  <a:pt x="6391657" y="73455"/>
+                </a:lnTo>
+                <a:lnTo>
+                  <a:pt x="6547333" y="50091"/>
+                </a:lnTo>
+                <a:lnTo>
+                  <a:pt x="6702324" y="26222"/>
+                </a:lnTo>
+                <a:close/>
+              </a:path>
+            </a:pathLst>
+          </a:custGeom>
+          <a:solidFill>
+            <a:schemeClr val="bg1"/>
+          </a:solidFill>
+          <a:ln>
+            <a:noFill/>
+          </a:ln>
+        </p:spPr>
+        <p:style>
+          <a:lnRef idx="0">
+            <a:scrgbClr r="0" g="0" b="0"/>
+          </a:lnRef>
+          <a:fillRef idx="0">
+            <a:scrgbClr r="0" g="0" b="0"/>
+          </a:fillRef>
+          <a:effectRef idx="0">
+            <a:scrgbClr r="0" g="0" b="0"/>
+          </a:effectRef>
+          <a:fontRef idx="minor"/>
+        </p:style>
+      </p:sp>
+      <p:sp>
+        <p:nvSpPr>
+          <p:cNvPr id="118" name="CustomShape 4"/>
+          <p:cNvSpPr/>
+          <p:nvPr/>
+        </p:nvSpPr>
+        <p:spPr>
+          <a:xfrm>
+            <a:off x="10442520" y="0"/>
+            <a:ext cx="685440" cy="1142640"/>
+          </a:xfrm>
+          <a:prstGeom prst="rect">
+            <a:avLst/>
+          </a:prstGeom>
+          <a:solidFill>
+            <a:schemeClr val="accent1"/>
+          </a:solidFill>
+          <a:ln>
+            <a:noFill/>
+          </a:ln>
+          <a:effectLst>
+            <a:outerShdw blurRad="38100" dist="25400" dir="5400000" rotWithShape="0">
+              <a:srgbClr val="000000">
+                <a:alpha val="45000"/>
+              </a:srgbClr>
+            </a:outerShdw>
+          </a:effectLst>
+        </p:spPr>
+        <p:style>
+          <a:lnRef idx="1">
+            <a:schemeClr val="accent1"/>
+          </a:lnRef>
+          <a:fillRef idx="3">
+            <a:schemeClr val="accent1"/>
+          </a:fillRef>
+          <a:effectRef idx="2">
+            <a:schemeClr val="accent1"/>
+          </a:effectRef>
+          <a:fontRef idx="minor"/>
+        </p:style>
+      </p:sp>
+      <p:sp>
+        <p:nvSpPr>
+          <p:cNvPr id="119" name="TextShape 5"/>
+          <p:cNvSpPr txBox="1"/>
+          <p:nvPr/>
+        </p:nvSpPr>
+        <p:spPr>
+          <a:xfrm>
+            <a:off x="563307" y="2330503"/>
+            <a:ext cx="3059373" cy="3785040"/>
+          </a:xfrm>
+          <a:prstGeom prst="rect">
+            <a:avLst/>
+          </a:prstGeom>
+          <a:noFill/>
+          <a:ln>
+            <a:noFill/>
+          </a:ln>
+        </p:spPr>
+        <p:txBody>
+          <a:bodyPr>
+            <a:normAutofit lnSpcReduction="10000"/>
+          </a:bodyPr>
+          <a:lstStyle/>
+          <a:p>
+            <a:pPr marL="343080" indent="-342720">
+              <a:lnSpc>
+                <a:spcPct val="100000"/>
+              </a:lnSpc>
+              <a:spcBef>
+                <a:spcPts val="1001"/>
+              </a:spcBef>
+              <a:buClr>
+                <a:srgbClr val="F7F7F7"/>
+              </a:buClr>
+              <a:buSzPct val="80000"/>
+              <a:buFont typeface="Wingdings 3" charset="2"/>
+              <a:buChar char=""/>
+            </a:pPr>
+            <a:r>
+              <a:rPr lang="en-US" sz="1800" b="0" strike="noStrike" spc="-1" dirty="0" err="1">
+                <a:solidFill>
+                  <a:srgbClr val="FFFFFF"/>
+                </a:solidFill>
+                <a:latin typeface="Century Gothic"/>
+              </a:rPr>
+              <a:t>Übersetzung</a:t>
+            </a:r>
+            <a:r>
+              <a:rPr lang="en-US" sz="1800" b="0" strike="noStrike" spc="-1" dirty="0">
+                <a:solidFill>
+                  <a:srgbClr val="FFFFFF"/>
+                </a:solidFill>
+                <a:latin typeface="Century Gothic"/>
+              </a:rPr>
+              <a:t> Assembler-</a:t>
+            </a:r>
+            <a:r>
+              <a:rPr lang="en-US" sz="1800" b="0" strike="noStrike" spc="-1" dirty="0" err="1">
+                <a:solidFill>
+                  <a:srgbClr val="FFFFFF"/>
+                </a:solidFill>
+                <a:latin typeface="Century Gothic"/>
+              </a:rPr>
+              <a:t>Programm</a:t>
+            </a:r>
+            <a:r>
+              <a:rPr lang="en-US" sz="1800" b="0" strike="noStrike" spc="-1" dirty="0">
+                <a:solidFill>
+                  <a:srgbClr val="FFFFFF"/>
+                </a:solidFill>
+                <a:latin typeface="Century Gothic"/>
+              </a:rPr>
+              <a:t> in </a:t>
+            </a:r>
+            <a:r>
+              <a:rPr lang="en-US" sz="1800" b="0" strike="noStrike" spc="-1" dirty="0" err="1">
+                <a:solidFill>
+                  <a:srgbClr val="FFFFFF"/>
+                </a:solidFill>
+                <a:latin typeface="Century Gothic"/>
+              </a:rPr>
+              <a:t>Maschinencode</a:t>
+            </a:r>
+            <a:endParaRPr lang="en-US" sz="1800" b="0" strike="noStrike" spc="-1" dirty="0">
+              <a:solidFill>
+                <a:srgbClr val="FFFFFF"/>
+              </a:solidFill>
+              <a:latin typeface="Century Gothic"/>
+            </a:endParaRPr>
+          </a:p>
+          <a:p>
+            <a:pPr marL="343080" indent="-342720">
+              <a:lnSpc>
+                <a:spcPct val="100000"/>
+              </a:lnSpc>
+              <a:spcBef>
+                <a:spcPts val="1001"/>
+              </a:spcBef>
+              <a:buClr>
+                <a:srgbClr val="F7F7F7"/>
+              </a:buClr>
+              <a:buSzPct val="80000"/>
+              <a:buFont typeface="Wingdings 3" charset="2"/>
+              <a:buChar char=""/>
+            </a:pPr>
+            <a:r>
+              <a:rPr lang="en-US" sz="1800" b="0" strike="noStrike" spc="-1" dirty="0" err="1">
+                <a:solidFill>
+                  <a:srgbClr val="FFFFFF"/>
+                </a:solidFill>
+                <a:latin typeface="Century Gothic"/>
+              </a:rPr>
+              <a:t>Einführung</a:t>
+            </a:r>
+            <a:r>
+              <a:rPr lang="en-US" sz="1800" b="0" strike="noStrike" spc="-1" dirty="0">
+                <a:solidFill>
+                  <a:srgbClr val="FFFFFF"/>
+                </a:solidFill>
+                <a:latin typeface="Century Gothic"/>
+              </a:rPr>
+              <a:t> Assembler-</a:t>
+            </a:r>
+            <a:r>
+              <a:rPr lang="en-US" sz="1800" b="0" strike="noStrike" spc="-1" dirty="0" err="1">
+                <a:solidFill>
+                  <a:srgbClr val="FFFFFF"/>
+                </a:solidFill>
+                <a:latin typeface="Century Gothic"/>
+              </a:rPr>
+              <a:t>Direktiven</a:t>
+            </a:r>
+            <a:endParaRPr lang="en-US" spc="-1" dirty="0">
+              <a:solidFill>
+                <a:srgbClr val="FFFFFF"/>
+              </a:solidFill>
+              <a:latin typeface="Century Gothic"/>
+            </a:endParaRPr>
+          </a:p>
+          <a:p>
+            <a:pPr marL="800280" lvl="1" indent="-342720">
+              <a:spcBef>
+                <a:spcPts val="1001"/>
+              </a:spcBef>
+              <a:buClr>
+                <a:srgbClr val="F7F7F7"/>
+              </a:buClr>
+              <a:buSzPct val="80000"/>
+              <a:buFont typeface="Wingdings 3" charset="2"/>
+              <a:buChar char=""/>
+            </a:pPr>
+            <a:r>
+              <a:rPr lang="en-US" b="0" strike="noStrike" spc="-1" dirty="0">
+                <a:solidFill>
+                  <a:srgbClr val="FFFFFF"/>
+                </a:solidFill>
+                <a:latin typeface="Century Gothic"/>
+              </a:rPr>
+              <a:t>ORG</a:t>
+            </a:r>
+          </a:p>
+          <a:p>
+            <a:pPr marL="800280" lvl="1" indent="-342720">
+              <a:spcBef>
+                <a:spcPts val="1001"/>
+              </a:spcBef>
+              <a:buClr>
+                <a:srgbClr val="F7F7F7"/>
+              </a:buClr>
+              <a:buSzPct val="80000"/>
+              <a:buFont typeface="Wingdings 3" charset="2"/>
+              <a:buChar char=""/>
+            </a:pPr>
+            <a:r>
+              <a:rPr lang="en-US" spc="-1" dirty="0">
+                <a:solidFill>
+                  <a:srgbClr val="FFFFFF"/>
+                </a:solidFill>
+                <a:latin typeface="Century Gothic"/>
+              </a:rPr>
+              <a:t>DEFINE</a:t>
+            </a:r>
+          </a:p>
+          <a:p>
+            <a:pPr marL="800280" lvl="1" indent="-342720">
+              <a:spcBef>
+                <a:spcPts val="1001"/>
+              </a:spcBef>
+              <a:buClr>
+                <a:srgbClr val="F7F7F7"/>
+              </a:buClr>
+              <a:buSzPct val="80000"/>
+              <a:buFont typeface="Wingdings 3" charset="2"/>
+              <a:buChar char=""/>
+            </a:pPr>
+            <a:r>
+              <a:rPr lang="en-US" b="0" strike="noStrike" spc="-1" dirty="0">
+                <a:solidFill>
+                  <a:srgbClr val="FFFFFF"/>
+                </a:solidFill>
+                <a:latin typeface="Century Gothic"/>
+              </a:rPr>
+              <a:t>START END</a:t>
+            </a:r>
+            <a:endParaRPr lang="en-US" spc="-1" dirty="0">
+              <a:solidFill>
+                <a:srgbClr val="FFFFFF"/>
+              </a:solidFill>
+              <a:latin typeface="Century Gothic"/>
+            </a:endParaRPr>
+          </a:p>
+          <a:p>
+            <a:pPr marL="343080" indent="-342720">
+              <a:spcBef>
+                <a:spcPts val="1001"/>
+              </a:spcBef>
+              <a:buClr>
+                <a:srgbClr val="F7F7F7"/>
+              </a:buClr>
+              <a:buSzPct val="80000"/>
+              <a:buFont typeface="Wingdings 3" charset="2"/>
+              <a:buChar char=""/>
+            </a:pPr>
+            <a:r>
+              <a:rPr lang="en-US" b="0" strike="noStrike" spc="-1" dirty="0" err="1">
+                <a:solidFill>
+                  <a:srgbClr val="FFFFFF"/>
+                </a:solidFill>
+                <a:latin typeface="Century Gothic"/>
+              </a:rPr>
+              <a:t>Einführung</a:t>
+            </a:r>
+            <a:r>
+              <a:rPr lang="en-US" b="0" strike="noStrike" spc="-1" dirty="0">
+                <a:solidFill>
+                  <a:srgbClr val="FFFFFF"/>
+                </a:solidFill>
+                <a:latin typeface="Century Gothic"/>
+              </a:rPr>
+              <a:t> von Labels</a:t>
+            </a:r>
+          </a:p>
+          <a:p>
+            <a:pPr marL="343080" indent="-342720">
+              <a:spcBef>
+                <a:spcPts val="1001"/>
+              </a:spcBef>
+              <a:buClr>
+                <a:srgbClr val="F7F7F7"/>
+              </a:buClr>
+              <a:buSzPct val="80000"/>
+              <a:buFont typeface="Wingdings 3" charset="2"/>
+              <a:buChar char=""/>
+            </a:pPr>
+            <a:r>
+              <a:rPr lang="en-US" spc="-1" dirty="0">
+                <a:solidFill>
+                  <a:srgbClr val="FFFFFF"/>
+                </a:solidFill>
+                <a:latin typeface="Century Gothic"/>
+              </a:rPr>
+              <a:t>Support von Code-</a:t>
+            </a:r>
+            <a:r>
+              <a:rPr lang="en-US" spc="-1" dirty="0" err="1">
+                <a:solidFill>
+                  <a:srgbClr val="FFFFFF"/>
+                </a:solidFill>
+                <a:latin typeface="Century Gothic"/>
+              </a:rPr>
+              <a:t>Kommentaren</a:t>
+            </a:r>
+            <a:endParaRPr lang="en-US" b="0" strike="noStrike" spc="-1" dirty="0">
+              <a:solidFill>
+                <a:srgbClr val="FFFFFF"/>
+              </a:solidFill>
+              <a:latin typeface="Century Gothic"/>
+            </a:endParaRPr>
+          </a:p>
+          <a:p>
+            <a:pPr>
+              <a:lnSpc>
+                <a:spcPct val="100000"/>
+              </a:lnSpc>
+              <a:spcBef>
+                <a:spcPts val="1001"/>
+              </a:spcBef>
+            </a:pPr>
+            <a:endParaRPr lang="en-US" sz="1800" b="0" strike="noStrike" spc="-1" dirty="0">
+              <a:solidFill>
+                <a:srgbClr val="FFFFFF"/>
+              </a:solidFill>
+              <a:latin typeface="Century Gothic"/>
+            </a:endParaRPr>
+          </a:p>
+        </p:txBody>
+      </p:sp>
+      <p:sp>
+        <p:nvSpPr>
+          <p:cNvPr id="120" name="CustomShape 6"/>
+          <p:cNvSpPr/>
+          <p:nvPr/>
+        </p:nvSpPr>
+        <p:spPr>
+          <a:xfrm>
+            <a:off x="6095880" y="3244320"/>
+            <a:ext cx="407880" cy="638280"/>
           </a:xfrm>
           <a:prstGeom prst="rect">
             <a:avLst/>
@@ -8556,7 +10368,7 @@
           <a:fontRef idx="minor"/>
         </p:style>
         <p:txBody>
-          <a:bodyPr/>
+          <a:bodyPr lIns="90000" tIns="45000" rIns="90000" bIns="45000"/>
           <a:lstStyle/>
           <a:p>
             <a:pPr>
@@ -8565,15 +10377,15 @@
               </a:lnSpc>
             </a:pPr>
             <a:r>
-              <a:rPr lang="de-DE" sz="4200" b="0" strike="noStrike" spc="-1">
-                <a:solidFill>
-                  <a:srgbClr val="EBEBEB"/>
-                </a:solidFill>
-                <a:latin typeface="Century Gothic"/>
-              </a:rPr>
-              <a:t>Demo</a:t>
-            </a:r>
-            <a:endParaRPr lang="de-DE" sz="4200" b="0" strike="noStrike" spc="-1">
+              <a:rPr lang="de-DE" sz="1800" b="0" strike="noStrike" spc="-1">
+                <a:solidFill>
+                  <a:srgbClr val="000000"/>
+                </a:solidFill>
+                <a:latin typeface="Century Gothic"/>
+              </a:rPr>
+              <a:t>2)</a:t>
+            </a:r>
+            <a:endParaRPr lang="de-DE" sz="1800" b="0" strike="noStrike" spc="-1">
               <a:latin typeface="Arial"/>
             </a:endParaRPr>
           </a:p>
@@ -8581,14 +10393,14 @@
       </p:sp>
       <p:sp>
         <p:nvSpPr>
-          <p:cNvPr id="126" name="TextShape 2"/>
-          <p:cNvSpPr txBox="1"/>
+          <p:cNvPr id="121" name="CustomShape 7"/>
+          <p:cNvSpPr/>
           <p:nvPr/>
         </p:nvSpPr>
         <p:spPr>
           <a:xfrm>
-            <a:off x="1103400" y="2053080"/>
-            <a:ext cx="8946360" cy="4195080"/>
+            <a:off x="8930160" y="2874960"/>
+            <a:ext cx="407880" cy="638280"/>
           </a:xfrm>
           <a:prstGeom prst="rect">
             <a:avLst/>
@@ -8598,119 +10410,266 @@
             <a:noFill/>
           </a:ln>
         </p:spPr>
+        <p:style>
+          <a:lnRef idx="0">
+            <a:scrgbClr r="0" g="0" b="0"/>
+          </a:lnRef>
+          <a:fillRef idx="0">
+            <a:scrgbClr r="0" g="0" b="0"/>
+          </a:fillRef>
+          <a:effectRef idx="0">
+            <a:scrgbClr r="0" g="0" b="0"/>
+          </a:effectRef>
+          <a:fontRef idx="minor"/>
+        </p:style>
         <p:txBody>
-          <a:bodyPr/>
+          <a:bodyPr lIns="90000" tIns="45000" rIns="90000" bIns="45000"/>
           <a:lstStyle/>
-          <a:p>
-            <a:pPr marL="343080" indent="-342720">
-              <a:lnSpc>
-                <a:spcPct val="100000"/>
-              </a:lnSpc>
-              <a:spcBef>
-                <a:spcPts val="1001"/>
-              </a:spcBef>
-              <a:buClr>
-                <a:srgbClr val="8AD0D6"/>
-              </a:buClr>
-              <a:buSzPct val="80000"/>
-              <a:buFont typeface="Wingdings 3" charset="2"/>
-              <a:buChar char=""/>
-            </a:pPr>
-            <a:r>
-              <a:rPr lang="en-US" sz="2000" b="0" strike="noStrike" spc="-1">
-                <a:solidFill>
-                  <a:srgbClr val="FFFFFF"/>
-                </a:solidFill>
-                <a:latin typeface="Century Gothic"/>
-              </a:rPr>
-              <a:t>Ausrechnen der ersten Zahlen der Fibonaccifolge </a:t>
-            </a:r>
-          </a:p>
-          <a:p>
-            <a:pPr marL="343080" indent="-342720">
-              <a:lnSpc>
-                <a:spcPct val="100000"/>
-              </a:lnSpc>
-              <a:spcBef>
-                <a:spcPts val="1001"/>
-              </a:spcBef>
-              <a:buClr>
-                <a:srgbClr val="8AD0D6"/>
-              </a:buClr>
-              <a:buSzPct val="80000"/>
-              <a:buFont typeface="Wingdings 3" charset="2"/>
-              <a:buChar char=""/>
-            </a:pPr>
-            <a:r>
-              <a:rPr lang="en-US" sz="2000" b="0" strike="noStrike" spc="-1">
-                <a:solidFill>
-                  <a:srgbClr val="FFFFFF"/>
-                </a:solidFill>
-                <a:latin typeface="Century Gothic"/>
-              </a:rPr>
-              <a:t>Takt wird manuell simuliert</a:t>
-            </a:r>
-          </a:p>
-          <a:p>
-            <a:pPr marL="343080" indent="-342720">
-              <a:lnSpc>
-                <a:spcPct val="100000"/>
-              </a:lnSpc>
-              <a:spcBef>
-                <a:spcPts val="1001"/>
-              </a:spcBef>
-              <a:buClr>
-                <a:srgbClr val="8AD0D6"/>
-              </a:buClr>
-              <a:buSzPct val="80000"/>
-              <a:buFont typeface="Wingdings 3" charset="2"/>
-              <a:buChar char=""/>
-            </a:pPr>
-            <a:r>
-              <a:rPr lang="en-US" sz="2000" b="0" strike="noStrike" spc="-1">
-                <a:solidFill>
-                  <a:srgbClr val="FFFFFF"/>
-                </a:solidFill>
-                <a:latin typeface="Century Gothic"/>
-              </a:rPr>
-              <a:t>Ergebnis auf 7-Segment-Anzeige sichtbar </a:t>
-            </a:r>
-          </a:p>
           <a:p>
             <a:pPr>
               <a:lnSpc>
                 <a:spcPct val="100000"/>
               </a:lnSpc>
-              <a:spcBef>
-                <a:spcPts val="1001"/>
-              </a:spcBef>
             </a:pPr>
-            <a:endParaRPr lang="en-US" sz="2000" b="0" strike="noStrike" spc="-1">
+            <a:r>
+              <a:rPr lang="de-DE" sz="1800" b="0" strike="noStrike" spc="-1">
+                <a:solidFill>
+                  <a:srgbClr val="000000"/>
+                </a:solidFill>
+                <a:latin typeface="Century Gothic"/>
+              </a:rPr>
+              <a:t>3)</a:t>
+            </a:r>
+            <a:endParaRPr lang="de-DE" sz="1800" b="0" strike="noStrike" spc="-1">
+              <a:latin typeface="Arial"/>
+            </a:endParaRPr>
+          </a:p>
+        </p:txBody>
+      </p:sp>
+      <p:sp>
+        <p:nvSpPr>
+          <p:cNvPr id="122" name="CustomShape 8"/>
+          <p:cNvSpPr/>
+          <p:nvPr/>
+        </p:nvSpPr>
+        <p:spPr>
+          <a:xfrm>
+            <a:off x="6924240" y="1169280"/>
+            <a:ext cx="407880" cy="638280"/>
+          </a:xfrm>
+          <a:prstGeom prst="rect">
+            <a:avLst/>
+          </a:prstGeom>
+          <a:noFill/>
+          <a:ln>
+            <a:noFill/>
+          </a:ln>
+        </p:spPr>
+        <p:style>
+          <a:lnRef idx="0">
+            <a:scrgbClr r="0" g="0" b="0"/>
+          </a:lnRef>
+          <a:fillRef idx="0">
+            <a:scrgbClr r="0" g="0" b="0"/>
+          </a:fillRef>
+          <a:effectRef idx="0">
+            <a:scrgbClr r="0" g="0" b="0"/>
+          </a:effectRef>
+          <a:fontRef idx="minor"/>
+        </p:style>
+        <p:txBody>
+          <a:bodyPr lIns="90000" tIns="45000" rIns="90000" bIns="45000"/>
+          <a:lstStyle/>
+          <a:p>
+            <a:pPr>
+              <a:lnSpc>
+                <a:spcPct val="100000"/>
+              </a:lnSpc>
+            </a:pPr>
+            <a:r>
+              <a:rPr lang="de-DE" sz="1800" b="0" strike="noStrike" spc="-1">
+                <a:solidFill>
+                  <a:srgbClr val="000000"/>
+                </a:solidFill>
+                <a:latin typeface="Century Gothic"/>
+              </a:rPr>
+              <a:t>1)</a:t>
+            </a:r>
+            <a:endParaRPr lang="de-DE" sz="1800" b="0" strike="noStrike" spc="-1">
+              <a:latin typeface="Arial"/>
+            </a:endParaRPr>
+          </a:p>
+        </p:txBody>
+      </p:sp>
+      <p:sp>
+        <p:nvSpPr>
+          <p:cNvPr id="123" name="CustomShape 9"/>
+          <p:cNvSpPr/>
+          <p:nvPr/>
+        </p:nvSpPr>
+        <p:spPr>
+          <a:xfrm flipH="1">
+            <a:off x="6637320" y="1538640"/>
+            <a:ext cx="489960" cy="627120"/>
+          </a:xfrm>
+          <a:custGeom>
+            <a:avLst/>
+            <a:gdLst/>
+            <a:ahLst/>
+            <a:cxnLst/>
+            <a:rect l="l" t="t" r="r" b="b"/>
+            <a:pathLst>
+              <a:path w="21600" h="21600">
+                <a:moveTo>
+                  <a:pt x="0" y="0"/>
+                </a:moveTo>
+                <a:lnTo>
+                  <a:pt x="21600" y="21600"/>
+                </a:lnTo>
+              </a:path>
+            </a:pathLst>
+          </a:custGeom>
+          <a:noFill/>
+          <a:ln>
+            <a:round/>
+            <a:tailEnd type="triangle" w="med" len="med"/>
+          </a:ln>
+        </p:spPr>
+        <p:style>
+          <a:lnRef idx="1">
+            <a:schemeClr val="dk1"/>
+          </a:lnRef>
+          <a:fillRef idx="0">
+            <a:schemeClr val="dk1"/>
+          </a:fillRef>
+          <a:effectRef idx="0">
+            <a:schemeClr val="dk1"/>
+          </a:effectRef>
+          <a:fontRef idx="minor"/>
+        </p:style>
+      </p:sp>
+      <p:sp>
+        <p:nvSpPr>
+          <p:cNvPr id="124" name="TextShape 10"/>
+          <p:cNvSpPr txBox="1"/>
+          <p:nvPr/>
+        </p:nvSpPr>
+        <p:spPr>
+          <a:xfrm>
+            <a:off x="649080" y="629280"/>
+            <a:ext cx="2973600" cy="1536480"/>
+          </a:xfrm>
+          <a:prstGeom prst="rect">
+            <a:avLst/>
+          </a:prstGeom>
+          <a:noFill/>
+          <a:ln>
+            <a:noFill/>
+          </a:ln>
+        </p:spPr>
+        <p:txBody>
+          <a:bodyPr>
+            <a:normAutofit fontScale="85000" lnSpcReduction="20000"/>
+          </a:bodyPr>
+          <a:lstStyle/>
+          <a:p>
+            <a:pPr>
+              <a:lnSpc>
+                <a:spcPct val="100000"/>
+              </a:lnSpc>
+            </a:pPr>
+            <a:r>
+              <a:rPr lang="en-US" sz="4200" b="0" strike="noStrike" spc="-1" dirty="0">
+                <a:solidFill>
+                  <a:srgbClr val="EBEBEB"/>
+                </a:solidFill>
+                <a:latin typeface="Century Gothic"/>
+              </a:rPr>
+              <a:t>Software – </a:t>
+            </a:r>
+          </a:p>
+          <a:p>
+            <a:pPr>
+              <a:lnSpc>
+                <a:spcPct val="100000"/>
+              </a:lnSpc>
+            </a:pPr>
+            <a:r>
+              <a:rPr lang="en-US" sz="4200" b="0" strike="noStrike" spc="-1" dirty="0">
+                <a:solidFill>
+                  <a:srgbClr val="EBEBEB"/>
+                </a:solidFill>
+                <a:latin typeface="Century Gothic"/>
+              </a:rPr>
+              <a:t>Super32</a:t>
+            </a:r>
+          </a:p>
+          <a:p>
+            <a:pPr>
+              <a:lnSpc>
+                <a:spcPct val="100000"/>
+              </a:lnSpc>
+            </a:pPr>
+            <a:r>
+              <a:rPr lang="en-US" sz="4200" b="0" strike="noStrike" spc="-1" dirty="0">
+                <a:solidFill>
+                  <a:srgbClr val="EBEBEB"/>
+                </a:solidFill>
+                <a:latin typeface="Century Gothic"/>
+              </a:rPr>
+              <a:t>Assembler</a:t>
+            </a:r>
+            <a:endParaRPr lang="en-US" sz="4200" b="0" strike="noStrike" spc="-1" dirty="0">
               <a:solidFill>
                 <a:srgbClr val="FFFFFF"/>
               </a:solidFill>
               <a:latin typeface="Century Gothic"/>
             </a:endParaRPr>
           </a:p>
-          <a:p>
-            <a:pPr>
-              <a:lnSpc>
-                <a:spcPct val="100000"/>
-              </a:lnSpc>
-              <a:spcBef>
-                <a:spcPts val="1001"/>
-              </a:spcBef>
-            </a:pPr>
-            <a:endParaRPr lang="en-US" sz="2000" b="0" strike="noStrike" spc="-1">
-              <a:solidFill>
-                <a:srgbClr val="FFFFFF"/>
-              </a:solidFill>
-              <a:latin typeface="Century Gothic"/>
-            </a:endParaRPr>
-          </a:p>
         </p:txBody>
       </p:sp>
+      <p:pic>
+        <p:nvPicPr>
+          <p:cNvPr id="13" name="Grafik 12">
+            <a:extLst>
+              <a:ext uri="{FF2B5EF4-FFF2-40B4-BE49-F238E27FC236}">
+                <a16:creationId xmlns:a16="http://schemas.microsoft.com/office/drawing/2014/main" id="{1A3BB064-AC46-4EF6-99A5-C2C88B3001D0}"/>
+              </a:ext>
+            </a:extLst>
+          </p:cNvPr>
+          <p:cNvPicPr>
+            <a:picLocks noChangeAspect="1"/>
+          </p:cNvPicPr>
+          <p:nvPr/>
+        </p:nvPicPr>
+        <p:blipFill>
+          <a:blip r:embed="rId4">
+            <a:extLst>
+              <a:ext uri="{28A0092B-C50C-407E-A947-70E740481C1C}">
+                <a14:useLocalDpi xmlns:a14="http://schemas.microsoft.com/office/drawing/2010/main" val="0"/>
+              </a:ext>
+            </a:extLst>
+          </a:blip>
+          <a:stretch>
+            <a:fillRect/>
+          </a:stretch>
+        </p:blipFill>
+        <p:spPr>
+          <a:xfrm>
+            <a:off x="3834642" y="426969"/>
+            <a:ext cx="8230749" cy="6192114"/>
+          </a:xfrm>
+          <a:prstGeom prst="rect">
+            <a:avLst/>
+          </a:prstGeom>
+        </p:spPr>
+      </p:pic>
     </p:spTree>
+    <p:extLst>
+      <p:ext uri="{BB962C8B-B14F-4D97-AF65-F5344CB8AC3E}">
+        <p14:creationId xmlns:p14="http://schemas.microsoft.com/office/powerpoint/2010/main" val="1209913022"/>
+      </p:ext>
+    </p:extLst>
   </p:cSld>
   <p:clrMapOvr>
     <a:masterClrMapping/>
@@ -8764,14 +10723,450 @@
       </p:grpSpPr>
       <p:sp>
         <p:nvSpPr>
-          <p:cNvPr id="127" name="TextShape 1"/>
+          <p:cNvPr id="114" name="CustomShape 1"/>
+          <p:cNvSpPr/>
+          <p:nvPr/>
+        </p:nvSpPr>
+        <p:spPr>
+          <a:xfrm>
+            <a:off x="0" y="0"/>
+            <a:ext cx="12191760" cy="6857640"/>
+          </a:xfrm>
+          <a:prstGeom prst="rect">
+            <a:avLst/>
+          </a:prstGeom>
+          <a:blipFill rotWithShape="0">
+            <a:blip r:embed="rId3"/>
+            <a:stretch>
+              <a:fillRect/>
+            </a:stretch>
+          </a:blipFill>
+          <a:ln>
+            <a:noFill/>
+          </a:ln>
+        </p:spPr>
+        <p:style>
+          <a:lnRef idx="2">
+            <a:schemeClr val="accent1">
+              <a:shade val="50000"/>
+            </a:schemeClr>
+          </a:lnRef>
+          <a:fillRef idx="1003">
+            <a:schemeClr val="dk2"/>
+          </a:fillRef>
+          <a:effectRef idx="0">
+            <a:schemeClr val="accent1"/>
+          </a:effectRef>
+          <a:fontRef idx="minor"/>
+        </p:style>
+      </p:sp>
+      <p:sp>
+        <p:nvSpPr>
+          <p:cNvPr id="115" name="CustomShape 2"/>
+          <p:cNvSpPr/>
+          <p:nvPr/>
+        </p:nvSpPr>
+        <p:spPr>
+          <a:xfrm>
+            <a:off x="4993920" y="0"/>
+            <a:ext cx="559080" cy="3709440"/>
+          </a:xfrm>
+          <a:custGeom>
+            <a:avLst/>
+            <a:gdLst/>
+            <a:ahLst/>
+            <a:cxnLst/>
+            <a:rect l="l" t="t" r="r" b="b"/>
+            <a:pathLst>
+              <a:path w="559472" h="3709642">
+                <a:moveTo>
+                  <a:pt x="0" y="0"/>
+                </a:moveTo>
+                <a:lnTo>
+                  <a:pt x="473952" y="0"/>
+                </a:lnTo>
+                <a:lnTo>
+                  <a:pt x="485840" y="161194"/>
+                </a:lnTo>
+                <a:cubicBezTo>
+                  <a:pt x="552063" y="1147770"/>
+                  <a:pt x="592441" y="3086737"/>
+                  <a:pt x="523949" y="3672197"/>
+                </a:cubicBezTo>
+                <a:cubicBezTo>
+                  <a:pt x="500842" y="3684557"/>
+                  <a:pt x="477855" y="3697282"/>
+                  <a:pt x="454748" y="3709642"/>
+                </a:cubicBezTo>
+                <a:lnTo>
+                  <a:pt x="448224" y="3510471"/>
+                </a:lnTo>
+                <a:lnTo>
+                  <a:pt x="443564" y="3408563"/>
+                </a:lnTo>
+                <a:lnTo>
+                  <a:pt x="438902" y="3304407"/>
+                </a:lnTo>
+                <a:lnTo>
+                  <a:pt x="433941" y="3198777"/>
+                </a:lnTo>
+                <a:lnTo>
+                  <a:pt x="427584" y="3092510"/>
+                </a:lnTo>
+                <a:lnTo>
+                  <a:pt x="420988" y="2984390"/>
+                </a:lnTo>
+                <a:lnTo>
+                  <a:pt x="414330" y="2874401"/>
+                </a:lnTo>
+                <a:lnTo>
+                  <a:pt x="406840" y="2762980"/>
+                </a:lnTo>
+                <a:lnTo>
+                  <a:pt x="397745" y="2650566"/>
+                </a:lnTo>
+                <a:lnTo>
+                  <a:pt x="389154" y="2536612"/>
+                </a:lnTo>
+                <a:lnTo>
+                  <a:pt x="379225" y="2421642"/>
+                </a:lnTo>
+                <a:lnTo>
+                  <a:pt x="368316" y="2305627"/>
+                </a:lnTo>
+                <a:lnTo>
+                  <a:pt x="357466" y="2189233"/>
+                </a:lnTo>
+                <a:lnTo>
+                  <a:pt x="344982" y="2071473"/>
+                </a:lnTo>
+                <a:lnTo>
+                  <a:pt x="332466" y="1952216"/>
+                </a:lnTo>
+                <a:lnTo>
+                  <a:pt x="319121" y="1833776"/>
+                </a:lnTo>
+                <a:lnTo>
+                  <a:pt x="304408" y="1713948"/>
+                </a:lnTo>
+                <a:lnTo>
+                  <a:pt x="288685" y="1592703"/>
+                </a:lnTo>
+                <a:lnTo>
+                  <a:pt x="273050" y="1471451"/>
+                </a:lnTo>
+                <a:lnTo>
+                  <a:pt x="255813" y="1350328"/>
+                </a:lnTo>
+                <a:lnTo>
+                  <a:pt x="237060" y="1227080"/>
+                </a:lnTo>
+                <a:lnTo>
+                  <a:pt x="218488" y="1106065"/>
+                </a:lnTo>
+                <a:lnTo>
+                  <a:pt x="198221" y="982940"/>
+                </a:lnTo>
+                <a:lnTo>
+                  <a:pt x="177152" y="858755"/>
+                </a:lnTo>
+                <a:lnTo>
+                  <a:pt x="155551" y="736861"/>
+                </a:lnTo>
+                <a:lnTo>
+                  <a:pt x="131782" y="613645"/>
+                </a:lnTo>
+                <a:lnTo>
+                  <a:pt x="107123" y="490500"/>
+                </a:lnTo>
+                <a:lnTo>
+                  <a:pt x="82552" y="367348"/>
+                </a:lnTo>
+                <a:lnTo>
+                  <a:pt x="55608" y="244762"/>
+                </a:lnTo>
+                <a:lnTo>
+                  <a:pt x="28130" y="122220"/>
+                </a:lnTo>
+                <a:lnTo>
+                  <a:pt x="0" y="0"/>
+                </a:lnTo>
+                <a:close/>
+              </a:path>
+            </a:pathLst>
+          </a:custGeom>
+          <a:solidFill>
+            <a:schemeClr val="bg1">
+              <a:alpha val="20000"/>
+            </a:schemeClr>
+          </a:solidFill>
+          <a:ln>
+            <a:noFill/>
+          </a:ln>
+        </p:spPr>
+        <p:style>
+          <a:lnRef idx="0">
+            <a:scrgbClr r="0" g="0" b="0"/>
+          </a:lnRef>
+          <a:fillRef idx="0">
+            <a:scrgbClr r="0" g="0" b="0"/>
+          </a:fillRef>
+          <a:effectRef idx="0">
+            <a:scrgbClr r="0" g="0" b="0"/>
+          </a:effectRef>
+          <a:fontRef idx="minor"/>
+        </p:style>
+      </p:sp>
+      <p:sp>
+        <p:nvSpPr>
+          <p:cNvPr id="116" name="CustomShape 3"/>
+          <p:cNvSpPr/>
+          <p:nvPr/>
+        </p:nvSpPr>
+        <p:spPr>
+          <a:xfrm rot="16200000">
+            <a:off x="5270400" y="-63000"/>
+            <a:ext cx="6857640" cy="6984720"/>
+          </a:xfrm>
+          <a:custGeom>
+            <a:avLst/>
+            <a:gdLst/>
+            <a:ahLst/>
+            <a:cxnLst/>
+            <a:rect l="l" t="t" r="r" b="b"/>
+            <a:pathLst>
+              <a:path w="6858001" h="6985200">
+                <a:moveTo>
+                  <a:pt x="6858001" y="1177"/>
+                </a:moveTo>
+                <a:lnTo>
+                  <a:pt x="6858001" y="1344715"/>
+                </a:lnTo>
+                <a:lnTo>
+                  <a:pt x="6858000" y="1344715"/>
+                </a:lnTo>
+                <a:lnTo>
+                  <a:pt x="6858000" y="6985200"/>
+                </a:lnTo>
+                <a:lnTo>
+                  <a:pt x="0" y="6985199"/>
+                </a:lnTo>
+                <a:lnTo>
+                  <a:pt x="0" y="886772"/>
+                </a:lnTo>
+                <a:lnTo>
+                  <a:pt x="1" y="886772"/>
+                </a:lnTo>
+                <a:lnTo>
+                  <a:pt x="1" y="0"/>
+                </a:lnTo>
+                <a:lnTo>
+                  <a:pt x="40463" y="5883"/>
+                </a:lnTo>
+                <a:lnTo>
+                  <a:pt x="159107" y="23196"/>
+                </a:lnTo>
+                <a:lnTo>
+                  <a:pt x="245518" y="35299"/>
+                </a:lnTo>
+                <a:lnTo>
+                  <a:pt x="348388" y="48073"/>
+                </a:lnTo>
+                <a:lnTo>
+                  <a:pt x="470460" y="63369"/>
+                </a:lnTo>
+                <a:lnTo>
+                  <a:pt x="605563" y="79506"/>
+                </a:lnTo>
+                <a:lnTo>
+                  <a:pt x="757810" y="96483"/>
+                </a:lnTo>
+                <a:lnTo>
+                  <a:pt x="923774" y="114469"/>
+                </a:lnTo>
+                <a:lnTo>
+                  <a:pt x="1104139" y="132454"/>
+                </a:lnTo>
+                <a:lnTo>
+                  <a:pt x="1296163" y="150776"/>
+                </a:lnTo>
+                <a:lnTo>
+                  <a:pt x="1503275" y="167753"/>
+                </a:lnTo>
+                <a:lnTo>
+                  <a:pt x="1719988" y="184058"/>
+                </a:lnTo>
+                <a:lnTo>
+                  <a:pt x="1949045" y="198849"/>
+                </a:lnTo>
+                <a:lnTo>
+                  <a:pt x="2187703" y="212969"/>
+                </a:lnTo>
+                <a:lnTo>
+                  <a:pt x="2436649" y="226248"/>
+                </a:lnTo>
+                <a:lnTo>
+                  <a:pt x="2564208" y="230955"/>
+                </a:lnTo>
+                <a:lnTo>
+                  <a:pt x="2694509" y="236165"/>
+                </a:lnTo>
+                <a:lnTo>
+                  <a:pt x="2826869" y="241040"/>
+                </a:lnTo>
+                <a:lnTo>
+                  <a:pt x="2959914" y="244234"/>
+                </a:lnTo>
+                <a:lnTo>
+                  <a:pt x="3095702" y="247091"/>
+                </a:lnTo>
+                <a:lnTo>
+                  <a:pt x="3232862" y="250117"/>
+                </a:lnTo>
+                <a:lnTo>
+                  <a:pt x="3372766" y="252134"/>
+                </a:lnTo>
+                <a:lnTo>
+                  <a:pt x="3514040" y="252134"/>
+                </a:lnTo>
+                <a:lnTo>
+                  <a:pt x="3656686" y="253142"/>
+                </a:lnTo>
+                <a:lnTo>
+                  <a:pt x="3800705" y="252134"/>
+                </a:lnTo>
+                <a:lnTo>
+                  <a:pt x="3946780" y="250117"/>
+                </a:lnTo>
+                <a:lnTo>
+                  <a:pt x="4092856" y="248268"/>
+                </a:lnTo>
+                <a:lnTo>
+                  <a:pt x="4240988" y="244234"/>
+                </a:lnTo>
+                <a:lnTo>
+                  <a:pt x="4390492" y="240032"/>
+                </a:lnTo>
+                <a:lnTo>
+                  <a:pt x="4539997" y="235157"/>
+                </a:lnTo>
+                <a:lnTo>
+                  <a:pt x="4690873" y="228266"/>
+                </a:lnTo>
+                <a:lnTo>
+                  <a:pt x="4843120" y="220029"/>
+                </a:lnTo>
+                <a:lnTo>
+                  <a:pt x="4996054" y="212129"/>
+                </a:lnTo>
+                <a:lnTo>
+                  <a:pt x="5148987" y="202044"/>
+                </a:lnTo>
+                <a:lnTo>
+                  <a:pt x="5303978" y="189941"/>
+                </a:lnTo>
+                <a:lnTo>
+                  <a:pt x="5456911" y="177839"/>
+                </a:lnTo>
+                <a:lnTo>
+                  <a:pt x="5612588" y="163887"/>
+                </a:lnTo>
+                <a:lnTo>
+                  <a:pt x="5768950" y="148591"/>
+                </a:lnTo>
+                <a:lnTo>
+                  <a:pt x="5923255" y="132455"/>
+                </a:lnTo>
+                <a:lnTo>
+                  <a:pt x="6079618" y="113629"/>
+                </a:lnTo>
+                <a:lnTo>
+                  <a:pt x="6235294" y="93458"/>
+                </a:lnTo>
+                <a:lnTo>
+                  <a:pt x="6391657" y="73455"/>
+                </a:lnTo>
+                <a:lnTo>
+                  <a:pt x="6547333" y="50091"/>
+                </a:lnTo>
+                <a:lnTo>
+                  <a:pt x="6702324" y="26222"/>
+                </a:lnTo>
+                <a:close/>
+              </a:path>
+            </a:pathLst>
+          </a:custGeom>
+          <a:solidFill>
+            <a:schemeClr val="bg1"/>
+          </a:solidFill>
+          <a:ln>
+            <a:noFill/>
+          </a:ln>
+        </p:spPr>
+        <p:style>
+          <a:lnRef idx="0">
+            <a:scrgbClr r="0" g="0" b="0"/>
+          </a:lnRef>
+          <a:fillRef idx="0">
+            <a:scrgbClr r="0" g="0" b="0"/>
+          </a:fillRef>
+          <a:effectRef idx="0">
+            <a:scrgbClr r="0" g="0" b="0"/>
+          </a:effectRef>
+          <a:fontRef idx="minor"/>
+        </p:style>
+      </p:sp>
+      <p:sp>
+        <p:nvSpPr>
+          <p:cNvPr id="118" name="CustomShape 4"/>
+          <p:cNvSpPr/>
+          <p:nvPr/>
+        </p:nvSpPr>
+        <p:spPr>
+          <a:xfrm>
+            <a:off x="10442520" y="0"/>
+            <a:ext cx="685440" cy="1142640"/>
+          </a:xfrm>
+          <a:prstGeom prst="rect">
+            <a:avLst/>
+          </a:prstGeom>
+          <a:solidFill>
+            <a:schemeClr val="accent1"/>
+          </a:solidFill>
+          <a:ln>
+            <a:noFill/>
+          </a:ln>
+          <a:effectLst>
+            <a:outerShdw blurRad="38100" dist="25400" dir="5400000" rotWithShape="0">
+              <a:srgbClr val="000000">
+                <a:alpha val="45000"/>
+              </a:srgbClr>
+            </a:outerShdw>
+          </a:effectLst>
+        </p:spPr>
+        <p:style>
+          <a:lnRef idx="1">
+            <a:schemeClr val="accent1"/>
+          </a:lnRef>
+          <a:fillRef idx="3">
+            <a:schemeClr val="accent1"/>
+          </a:fillRef>
+          <a:effectRef idx="2">
+            <a:schemeClr val="accent1"/>
+          </a:effectRef>
+          <a:fontRef idx="minor"/>
+        </p:style>
+      </p:sp>
+      <p:sp>
+        <p:nvSpPr>
+          <p:cNvPr id="119" name="TextShape 5"/>
           <p:cNvSpPr txBox="1"/>
           <p:nvPr/>
         </p:nvSpPr>
         <p:spPr>
           <a:xfrm>
-            <a:off x="646200" y="452880"/>
-            <a:ext cx="9404280" cy="1400040"/>
+            <a:off x="563307" y="2330503"/>
+            <a:ext cx="3059373" cy="3785040"/>
           </a:xfrm>
           <a:prstGeom prst="rect">
             <a:avLst/>
@@ -8782,53 +11177,9 @@
           </a:ln>
         </p:spPr>
         <p:txBody>
-          <a:bodyPr/>
-          <a:lstStyle/>
-          <a:p>
-            <a:pPr>
-              <a:lnSpc>
-                <a:spcPct val="100000"/>
-              </a:lnSpc>
-            </a:pPr>
-            <a:r>
-              <a:rPr lang="en-US" sz="4200" b="0" strike="noStrike" spc="-1">
-                <a:solidFill>
-                  <a:srgbClr val="EBEBEB"/>
-                </a:solidFill>
-                <a:latin typeface="Century Gothic"/>
-              </a:rPr>
-              <a:t>Fazit</a:t>
-            </a:r>
-            <a:endParaRPr lang="en-US" sz="4200" b="0" strike="noStrike" spc="-1">
-              <a:solidFill>
-                <a:srgbClr val="FFFFFF"/>
-              </a:solidFill>
-              <a:latin typeface="Century Gothic"/>
-            </a:endParaRPr>
-          </a:p>
-        </p:txBody>
-      </p:sp>
-      <p:sp>
-        <p:nvSpPr>
-          <p:cNvPr id="128" name="TextShape 2"/>
-          <p:cNvSpPr txBox="1"/>
-          <p:nvPr/>
-        </p:nvSpPr>
-        <p:spPr>
-          <a:xfrm>
-            <a:off x="1103400" y="2053080"/>
-            <a:ext cx="8946360" cy="4195080"/>
-          </a:xfrm>
-          <a:prstGeom prst="rect">
-            <a:avLst/>
-          </a:prstGeom>
-          <a:noFill/>
-          <a:ln>
-            <a:noFill/>
-          </a:ln>
-        </p:spPr>
-        <p:txBody>
-          <a:bodyPr/>
+          <a:bodyPr>
+            <a:normAutofit lnSpcReduction="10000"/>
+          </a:bodyPr>
           <a:lstStyle/>
           <a:p>
             <a:pPr marL="343080" indent="-342720">
@@ -8839,21 +11190,63 @@
                 <a:spcPts val="1001"/>
               </a:spcBef>
               <a:buClr>
-                <a:srgbClr val="8AD0D6"/>
+                <a:srgbClr val="F7F7F7"/>
               </a:buClr>
               <a:buSzPct val="80000"/>
               <a:buFont typeface="Wingdings 3" charset="2"/>
               <a:buChar char=""/>
             </a:pPr>
             <a:r>
-              <a:rPr lang="en-US" sz="2000" b="0" strike="noStrike" spc="-1">
+              <a:rPr lang="en-US" sz="1800" b="0" strike="noStrike" spc="-1" dirty="0" err="1">
                 <a:solidFill>
                   <a:srgbClr val="FFFFFF"/>
                 </a:solidFill>
                 <a:latin typeface="Century Gothic"/>
               </a:rPr>
-              <a:t>Teamfähigkeits- und Kommunikationsverbesserung</a:t>
-            </a:r>
+              <a:t>Übersetzung</a:t>
+            </a:r>
+            <a:r>
+              <a:rPr lang="en-US" sz="1800" b="0" strike="noStrike" spc="-1" dirty="0">
+                <a:solidFill>
+                  <a:srgbClr val="FFFFFF"/>
+                </a:solidFill>
+                <a:latin typeface="Century Gothic"/>
+              </a:rPr>
+              <a:t> Assembler-</a:t>
+            </a:r>
+            <a:r>
+              <a:rPr lang="en-US" sz="1800" b="0" strike="noStrike" spc="-1" dirty="0" err="1">
+                <a:solidFill>
+                  <a:srgbClr val="FFFFFF"/>
+                </a:solidFill>
+                <a:latin typeface="Century Gothic"/>
+              </a:rPr>
+              <a:t>Programm</a:t>
+            </a:r>
+            <a:r>
+              <a:rPr lang="en-US" sz="1800" b="0" strike="noStrike" spc="-1" dirty="0">
+                <a:solidFill>
+                  <a:srgbClr val="FFFFFF"/>
+                </a:solidFill>
+                <a:latin typeface="Century Gothic"/>
+              </a:rPr>
+              <a:t> in </a:t>
+            </a:r>
+            <a:r>
+              <a:rPr lang="en-US" sz="1800" b="0" strike="noStrike" spc="-1" dirty="0" err="1">
+                <a:solidFill>
+                  <a:srgbClr val="FFFFFF"/>
+                </a:solidFill>
+                <a:latin typeface="Century Gothic"/>
+              </a:rPr>
+              <a:t>Maschinencode</a:t>
+            </a:r>
+            <a:endParaRPr lang="en-US" sz="1800" b="0" strike="noStrike" spc="-1" dirty="0">
+              <a:solidFill>
+                <a:srgbClr val="FFFFFF"/>
+              </a:solidFill>
+              <a:latin typeface="Century Gothic"/>
+            </a:endParaRPr>
           </a:p>
           <a:p>
             <a:pPr marL="343080" indent="-342720">
@@ -8864,22 +11257,1086 @@
                 <a:spcPts val="1001"/>
               </a:spcBef>
               <a:buClr>
-                <a:srgbClr val="8AD0D6"/>
+                <a:srgbClr val="F7F7F7"/>
               </a:buClr>
               <a:buSzPct val="80000"/>
               <a:buFont typeface="Wingdings 3" charset="2"/>
               <a:buChar char=""/>
             </a:pPr>
             <a:r>
-              <a:rPr lang="en-US" sz="2000" b="0" strike="noStrike" spc="-1">
+              <a:rPr lang="en-US" sz="1800" b="0" strike="noStrike" spc="-1" dirty="0" err="1">
                 <a:solidFill>
                   <a:srgbClr val="FFFFFF"/>
                 </a:solidFill>
                 <a:latin typeface="Century Gothic"/>
               </a:rPr>
-              <a:t>Herangehensweise an eine Aufgabenstellung</a:t>
-            </a:r>
-          </a:p>
+              <a:t>Einführung</a:t>
+            </a:r>
+            <a:r>
+              <a:rPr lang="en-US" sz="1800" b="0" strike="noStrike" spc="-1" dirty="0">
+                <a:solidFill>
+                  <a:srgbClr val="FFFFFF"/>
+                </a:solidFill>
+                <a:latin typeface="Century Gothic"/>
+              </a:rPr>
+              <a:t> Assembler-</a:t>
+            </a:r>
+            <a:r>
+              <a:rPr lang="en-US" sz="1800" b="0" strike="noStrike" spc="-1" dirty="0" err="1">
+                <a:solidFill>
+                  <a:srgbClr val="FFFFFF"/>
+                </a:solidFill>
+                <a:latin typeface="Century Gothic"/>
+              </a:rPr>
+              <a:t>Direktiven</a:t>
+            </a:r>
+            <a:endParaRPr lang="en-US" spc="-1" dirty="0">
+              <a:solidFill>
+                <a:srgbClr val="FFFFFF"/>
+              </a:solidFill>
+              <a:latin typeface="Century Gothic"/>
+            </a:endParaRPr>
+          </a:p>
+          <a:p>
+            <a:pPr marL="800280" lvl="1" indent="-342720">
+              <a:spcBef>
+                <a:spcPts val="1001"/>
+              </a:spcBef>
+              <a:buClr>
+                <a:srgbClr val="F7F7F7"/>
+              </a:buClr>
+              <a:buSzPct val="80000"/>
+              <a:buFont typeface="Wingdings 3" charset="2"/>
+              <a:buChar char=""/>
+            </a:pPr>
+            <a:r>
+              <a:rPr lang="en-US" b="0" strike="noStrike" spc="-1" dirty="0">
+                <a:solidFill>
+                  <a:srgbClr val="FFFFFF"/>
+                </a:solidFill>
+                <a:latin typeface="Century Gothic"/>
+              </a:rPr>
+              <a:t>ORG</a:t>
+            </a:r>
+          </a:p>
+          <a:p>
+            <a:pPr marL="800280" lvl="1" indent="-342720">
+              <a:spcBef>
+                <a:spcPts val="1001"/>
+              </a:spcBef>
+              <a:buClr>
+                <a:srgbClr val="F7F7F7"/>
+              </a:buClr>
+              <a:buSzPct val="80000"/>
+              <a:buFont typeface="Wingdings 3" charset="2"/>
+              <a:buChar char=""/>
+            </a:pPr>
+            <a:r>
+              <a:rPr lang="en-US" spc="-1" dirty="0">
+                <a:solidFill>
+                  <a:srgbClr val="FFFFFF"/>
+                </a:solidFill>
+                <a:latin typeface="Century Gothic"/>
+              </a:rPr>
+              <a:t>DEFINE</a:t>
+            </a:r>
+          </a:p>
+          <a:p>
+            <a:pPr marL="800280" lvl="1" indent="-342720">
+              <a:spcBef>
+                <a:spcPts val="1001"/>
+              </a:spcBef>
+              <a:buClr>
+                <a:srgbClr val="F7F7F7"/>
+              </a:buClr>
+              <a:buSzPct val="80000"/>
+              <a:buFont typeface="Wingdings 3" charset="2"/>
+              <a:buChar char=""/>
+            </a:pPr>
+            <a:r>
+              <a:rPr lang="en-US" b="0" strike="noStrike" spc="-1" dirty="0">
+                <a:solidFill>
+                  <a:srgbClr val="FFFFFF"/>
+                </a:solidFill>
+                <a:latin typeface="Century Gothic"/>
+              </a:rPr>
+              <a:t>START END</a:t>
+            </a:r>
+            <a:endParaRPr lang="en-US" spc="-1" dirty="0">
+              <a:solidFill>
+                <a:srgbClr val="FFFFFF"/>
+              </a:solidFill>
+              <a:latin typeface="Century Gothic"/>
+            </a:endParaRPr>
+          </a:p>
+          <a:p>
+            <a:pPr marL="343080" indent="-342720">
+              <a:spcBef>
+                <a:spcPts val="1001"/>
+              </a:spcBef>
+              <a:buClr>
+                <a:srgbClr val="F7F7F7"/>
+              </a:buClr>
+              <a:buSzPct val="80000"/>
+              <a:buFont typeface="Wingdings 3" charset="2"/>
+              <a:buChar char=""/>
+            </a:pPr>
+            <a:r>
+              <a:rPr lang="en-US" b="0" strike="noStrike" spc="-1" dirty="0" err="1">
+                <a:solidFill>
+                  <a:srgbClr val="FFFFFF"/>
+                </a:solidFill>
+                <a:latin typeface="Century Gothic"/>
+              </a:rPr>
+              <a:t>Einführung</a:t>
+            </a:r>
+            <a:r>
+              <a:rPr lang="en-US" b="0" strike="noStrike" spc="-1" dirty="0">
+                <a:solidFill>
+                  <a:srgbClr val="FFFFFF"/>
+                </a:solidFill>
+                <a:latin typeface="Century Gothic"/>
+              </a:rPr>
+              <a:t> von Labels</a:t>
+            </a:r>
+          </a:p>
+          <a:p>
+            <a:pPr marL="343080" indent="-342720">
+              <a:spcBef>
+                <a:spcPts val="1001"/>
+              </a:spcBef>
+              <a:buClr>
+                <a:srgbClr val="F7F7F7"/>
+              </a:buClr>
+              <a:buSzPct val="80000"/>
+              <a:buFont typeface="Wingdings 3" charset="2"/>
+              <a:buChar char=""/>
+            </a:pPr>
+            <a:r>
+              <a:rPr lang="en-US" spc="-1" dirty="0">
+                <a:solidFill>
+                  <a:srgbClr val="FFFFFF"/>
+                </a:solidFill>
+                <a:latin typeface="Century Gothic"/>
+              </a:rPr>
+              <a:t>Support von Code-</a:t>
+            </a:r>
+            <a:r>
+              <a:rPr lang="en-US" spc="-1" dirty="0" err="1">
+                <a:solidFill>
+                  <a:srgbClr val="FFFFFF"/>
+                </a:solidFill>
+                <a:latin typeface="Century Gothic"/>
+              </a:rPr>
+              <a:t>Kommentaren</a:t>
+            </a:r>
+            <a:endParaRPr lang="en-US" b="0" strike="noStrike" spc="-1" dirty="0">
+              <a:solidFill>
+                <a:srgbClr val="FFFFFF"/>
+              </a:solidFill>
+              <a:latin typeface="Century Gothic"/>
+            </a:endParaRPr>
+          </a:p>
+          <a:p>
+            <a:pPr>
+              <a:lnSpc>
+                <a:spcPct val="100000"/>
+              </a:lnSpc>
+              <a:spcBef>
+                <a:spcPts val="1001"/>
+              </a:spcBef>
+            </a:pPr>
+            <a:endParaRPr lang="en-US" sz="1800" b="0" strike="noStrike" spc="-1" dirty="0">
+              <a:solidFill>
+                <a:srgbClr val="FFFFFF"/>
+              </a:solidFill>
+              <a:latin typeface="Century Gothic"/>
+            </a:endParaRPr>
+          </a:p>
+        </p:txBody>
+      </p:sp>
+      <p:sp>
+        <p:nvSpPr>
+          <p:cNvPr id="120" name="CustomShape 6"/>
+          <p:cNvSpPr/>
+          <p:nvPr/>
+        </p:nvSpPr>
+        <p:spPr>
+          <a:xfrm>
+            <a:off x="6095880" y="3244320"/>
+            <a:ext cx="407880" cy="638280"/>
+          </a:xfrm>
+          <a:prstGeom prst="rect">
+            <a:avLst/>
+          </a:prstGeom>
+          <a:noFill/>
+          <a:ln>
+            <a:noFill/>
+          </a:ln>
+        </p:spPr>
+        <p:style>
+          <a:lnRef idx="0">
+            <a:scrgbClr r="0" g="0" b="0"/>
+          </a:lnRef>
+          <a:fillRef idx="0">
+            <a:scrgbClr r="0" g="0" b="0"/>
+          </a:fillRef>
+          <a:effectRef idx="0">
+            <a:scrgbClr r="0" g="0" b="0"/>
+          </a:effectRef>
+          <a:fontRef idx="minor"/>
+        </p:style>
+        <p:txBody>
+          <a:bodyPr lIns="90000" tIns="45000" rIns="90000" bIns="45000"/>
+          <a:lstStyle/>
+          <a:p>
+            <a:pPr>
+              <a:lnSpc>
+                <a:spcPct val="100000"/>
+              </a:lnSpc>
+            </a:pPr>
+            <a:r>
+              <a:rPr lang="de-DE" sz="1800" b="0" strike="noStrike" spc="-1">
+                <a:solidFill>
+                  <a:srgbClr val="000000"/>
+                </a:solidFill>
+                <a:latin typeface="Century Gothic"/>
+              </a:rPr>
+              <a:t>2)</a:t>
+            </a:r>
+            <a:endParaRPr lang="de-DE" sz="1800" b="0" strike="noStrike" spc="-1">
+              <a:latin typeface="Arial"/>
+            </a:endParaRPr>
+          </a:p>
+        </p:txBody>
+      </p:sp>
+      <p:sp>
+        <p:nvSpPr>
+          <p:cNvPr id="121" name="CustomShape 7"/>
+          <p:cNvSpPr/>
+          <p:nvPr/>
+        </p:nvSpPr>
+        <p:spPr>
+          <a:xfrm>
+            <a:off x="8930160" y="2874960"/>
+            <a:ext cx="407880" cy="638280"/>
+          </a:xfrm>
+          <a:prstGeom prst="rect">
+            <a:avLst/>
+          </a:prstGeom>
+          <a:noFill/>
+          <a:ln>
+            <a:noFill/>
+          </a:ln>
+        </p:spPr>
+        <p:style>
+          <a:lnRef idx="0">
+            <a:scrgbClr r="0" g="0" b="0"/>
+          </a:lnRef>
+          <a:fillRef idx="0">
+            <a:scrgbClr r="0" g="0" b="0"/>
+          </a:fillRef>
+          <a:effectRef idx="0">
+            <a:scrgbClr r="0" g="0" b="0"/>
+          </a:effectRef>
+          <a:fontRef idx="minor"/>
+        </p:style>
+        <p:txBody>
+          <a:bodyPr lIns="90000" tIns="45000" rIns="90000" bIns="45000"/>
+          <a:lstStyle/>
+          <a:p>
+            <a:pPr>
+              <a:lnSpc>
+                <a:spcPct val="100000"/>
+              </a:lnSpc>
+            </a:pPr>
+            <a:r>
+              <a:rPr lang="de-DE" sz="1800" b="0" strike="noStrike" spc="-1">
+                <a:solidFill>
+                  <a:srgbClr val="000000"/>
+                </a:solidFill>
+                <a:latin typeface="Century Gothic"/>
+              </a:rPr>
+              <a:t>3)</a:t>
+            </a:r>
+            <a:endParaRPr lang="de-DE" sz="1800" b="0" strike="noStrike" spc="-1">
+              <a:latin typeface="Arial"/>
+            </a:endParaRPr>
+          </a:p>
+        </p:txBody>
+      </p:sp>
+      <p:sp>
+        <p:nvSpPr>
+          <p:cNvPr id="122" name="CustomShape 8"/>
+          <p:cNvSpPr/>
+          <p:nvPr/>
+        </p:nvSpPr>
+        <p:spPr>
+          <a:xfrm>
+            <a:off x="6924240" y="1169280"/>
+            <a:ext cx="407880" cy="638280"/>
+          </a:xfrm>
+          <a:prstGeom prst="rect">
+            <a:avLst/>
+          </a:prstGeom>
+          <a:noFill/>
+          <a:ln>
+            <a:noFill/>
+          </a:ln>
+        </p:spPr>
+        <p:style>
+          <a:lnRef idx="0">
+            <a:scrgbClr r="0" g="0" b="0"/>
+          </a:lnRef>
+          <a:fillRef idx="0">
+            <a:scrgbClr r="0" g="0" b="0"/>
+          </a:fillRef>
+          <a:effectRef idx="0">
+            <a:scrgbClr r="0" g="0" b="0"/>
+          </a:effectRef>
+          <a:fontRef idx="minor"/>
+        </p:style>
+        <p:txBody>
+          <a:bodyPr lIns="90000" tIns="45000" rIns="90000" bIns="45000"/>
+          <a:lstStyle/>
+          <a:p>
+            <a:pPr>
+              <a:lnSpc>
+                <a:spcPct val="100000"/>
+              </a:lnSpc>
+            </a:pPr>
+            <a:r>
+              <a:rPr lang="de-DE" sz="1800" b="0" strike="noStrike" spc="-1">
+                <a:solidFill>
+                  <a:srgbClr val="000000"/>
+                </a:solidFill>
+                <a:latin typeface="Century Gothic"/>
+              </a:rPr>
+              <a:t>1)</a:t>
+            </a:r>
+            <a:endParaRPr lang="de-DE" sz="1800" b="0" strike="noStrike" spc="-1">
+              <a:latin typeface="Arial"/>
+            </a:endParaRPr>
+          </a:p>
+        </p:txBody>
+      </p:sp>
+      <p:sp>
+        <p:nvSpPr>
+          <p:cNvPr id="123" name="CustomShape 9"/>
+          <p:cNvSpPr/>
+          <p:nvPr/>
+        </p:nvSpPr>
+        <p:spPr>
+          <a:xfrm flipH="1">
+            <a:off x="6637320" y="1538640"/>
+            <a:ext cx="489960" cy="627120"/>
+          </a:xfrm>
+          <a:custGeom>
+            <a:avLst/>
+            <a:gdLst/>
+            <a:ahLst/>
+            <a:cxnLst/>
+            <a:rect l="l" t="t" r="r" b="b"/>
+            <a:pathLst>
+              <a:path w="21600" h="21600">
+                <a:moveTo>
+                  <a:pt x="0" y="0"/>
+                </a:moveTo>
+                <a:lnTo>
+                  <a:pt x="21600" y="21600"/>
+                </a:lnTo>
+              </a:path>
+            </a:pathLst>
+          </a:custGeom>
+          <a:noFill/>
+          <a:ln>
+            <a:round/>
+            <a:tailEnd type="triangle" w="med" len="med"/>
+          </a:ln>
+        </p:spPr>
+        <p:style>
+          <a:lnRef idx="1">
+            <a:schemeClr val="dk1"/>
+          </a:lnRef>
+          <a:fillRef idx="0">
+            <a:schemeClr val="dk1"/>
+          </a:fillRef>
+          <a:effectRef idx="0">
+            <a:schemeClr val="dk1"/>
+          </a:effectRef>
+          <a:fontRef idx="minor"/>
+        </p:style>
+      </p:sp>
+      <p:sp>
+        <p:nvSpPr>
+          <p:cNvPr id="124" name="TextShape 10"/>
+          <p:cNvSpPr txBox="1"/>
+          <p:nvPr/>
+        </p:nvSpPr>
+        <p:spPr>
+          <a:xfrm>
+            <a:off x="649080" y="629280"/>
+            <a:ext cx="2973600" cy="1536480"/>
+          </a:xfrm>
+          <a:prstGeom prst="rect">
+            <a:avLst/>
+          </a:prstGeom>
+          <a:noFill/>
+          <a:ln>
+            <a:noFill/>
+          </a:ln>
+        </p:spPr>
+        <p:txBody>
+          <a:bodyPr>
+            <a:normAutofit fontScale="85000" lnSpcReduction="20000"/>
+          </a:bodyPr>
+          <a:lstStyle/>
+          <a:p>
+            <a:pPr>
+              <a:lnSpc>
+                <a:spcPct val="100000"/>
+              </a:lnSpc>
+            </a:pPr>
+            <a:r>
+              <a:rPr lang="en-US" sz="4200" b="0" strike="noStrike" spc="-1" dirty="0">
+                <a:solidFill>
+                  <a:srgbClr val="EBEBEB"/>
+                </a:solidFill>
+                <a:latin typeface="Century Gothic"/>
+              </a:rPr>
+              <a:t>Software – </a:t>
+            </a:r>
+          </a:p>
+          <a:p>
+            <a:pPr>
+              <a:lnSpc>
+                <a:spcPct val="100000"/>
+              </a:lnSpc>
+            </a:pPr>
+            <a:r>
+              <a:rPr lang="en-US" sz="4200" b="0" strike="noStrike" spc="-1" dirty="0">
+                <a:solidFill>
+                  <a:srgbClr val="EBEBEB"/>
+                </a:solidFill>
+                <a:latin typeface="Century Gothic"/>
+              </a:rPr>
+              <a:t>Super32</a:t>
+            </a:r>
+          </a:p>
+          <a:p>
+            <a:pPr>
+              <a:lnSpc>
+                <a:spcPct val="100000"/>
+              </a:lnSpc>
+            </a:pPr>
+            <a:r>
+              <a:rPr lang="en-US" sz="4200" b="0" strike="noStrike" spc="-1" dirty="0">
+                <a:solidFill>
+                  <a:srgbClr val="EBEBEB"/>
+                </a:solidFill>
+                <a:latin typeface="Century Gothic"/>
+              </a:rPr>
+              <a:t>Assembler</a:t>
+            </a:r>
+            <a:endParaRPr lang="en-US" sz="4200" b="0" strike="noStrike" spc="-1" dirty="0">
+              <a:solidFill>
+                <a:srgbClr val="FFFFFF"/>
+              </a:solidFill>
+              <a:latin typeface="Century Gothic"/>
+            </a:endParaRPr>
+          </a:p>
+        </p:txBody>
+      </p:sp>
+      <p:pic>
+        <p:nvPicPr>
+          <p:cNvPr id="2" name="Grafik 1">
+            <a:extLst>
+              <a:ext uri="{FF2B5EF4-FFF2-40B4-BE49-F238E27FC236}">
+                <a16:creationId xmlns:a16="http://schemas.microsoft.com/office/drawing/2014/main" id="{92A2600F-60FC-4506-8095-6F4AD16C2694}"/>
+              </a:ext>
+            </a:extLst>
+          </p:cNvPr>
+          <p:cNvPicPr>
+            <a:picLocks noChangeAspect="1"/>
+          </p:cNvPicPr>
+          <p:nvPr/>
+        </p:nvPicPr>
+        <p:blipFill rotWithShape="1">
+          <a:blip r:embed="rId4"/>
+          <a:srcRect r="19647"/>
+          <a:stretch/>
+        </p:blipFill>
+        <p:spPr>
+          <a:xfrm>
+            <a:off x="3868093" y="411321"/>
+            <a:ext cx="8216056" cy="5665998"/>
+          </a:xfrm>
+          <a:prstGeom prst="rect">
+            <a:avLst/>
+          </a:prstGeom>
+        </p:spPr>
+      </p:pic>
+    </p:spTree>
+    <p:extLst>
+      <p:ext uri="{BB962C8B-B14F-4D97-AF65-F5344CB8AC3E}">
+        <p14:creationId xmlns:p14="http://schemas.microsoft.com/office/powerpoint/2010/main" val="544092965"/>
+      </p:ext>
+    </p:extLst>
+  </p:cSld>
+  <p:clrMapOvr>
+    <a:masterClrMapping/>
+  </p:clrMapOvr>
+  <p:timing>
+    <p:tnLst>
+      <p:par>
+        <p:cTn id="1" dur="indefinite" restart="never" nodeType="tmRoot">
+          <p:childTnLst>
+            <p:seq>
+              <p:cTn id="2" dur="indefinite" nodeType="mainSeq"/>
+              <p:prevCondLst>
+                <p:cond evt="onPrev" delay="0">
+                  <p:tgtEl>
+                    <p:sldTgt/>
+                  </p:tgtEl>
+                </p:cond>
+              </p:prevCondLst>
+              <p:nextCondLst>
+                <p:cond evt="onNext" delay="0">
+                  <p:tgtEl>
+                    <p:sldTgt/>
+                  </p:tgtEl>
+                </p:cond>
+              </p:nextCondLst>
+            </p:seq>
+          </p:childTnLst>
+        </p:cTn>
+      </p:par>
+    </p:tnLst>
+  </p:timing>
+</p:sld>
+</file>
+
+<file path=ppt/slides/slide9.xml><?xml version="1.0" encoding="utf-8"?>
+<p:sld xmlns:a="http://schemas.openxmlformats.org/drawingml/2006/main" xmlns:r="http://schemas.openxmlformats.org/officeDocument/2006/relationships" xmlns:p="http://schemas.openxmlformats.org/presentationml/2006/main">
+  <p:cSld>
+    <p:bg>
+      <p:bgPr>
+        <a:solidFill>
+          <a:srgbClr val="FFFFFF"/>
+        </a:solidFill>
+        <a:effectLst/>
+      </p:bgPr>
+    </p:bg>
+    <p:spTree>
+      <p:nvGrpSpPr>
+        <p:cNvPr id="1" name=""/>
+        <p:cNvGrpSpPr/>
+        <p:nvPr/>
+      </p:nvGrpSpPr>
+      <p:grpSpPr>
+        <a:xfrm>
+          <a:off x="0" y="0"/>
+          <a:ext cx="0" cy="0"/>
+          <a:chOff x="0" y="0"/>
+          <a:chExt cx="0" cy="0"/>
+        </a:xfrm>
+      </p:grpSpPr>
+      <p:sp>
+        <p:nvSpPr>
+          <p:cNvPr id="114" name="CustomShape 1"/>
+          <p:cNvSpPr/>
+          <p:nvPr/>
+        </p:nvSpPr>
+        <p:spPr>
+          <a:xfrm>
+            <a:off x="0" y="0"/>
+            <a:ext cx="12191760" cy="6857640"/>
+          </a:xfrm>
+          <a:prstGeom prst="rect">
+            <a:avLst/>
+          </a:prstGeom>
+          <a:blipFill rotWithShape="0">
+            <a:blip r:embed="rId3"/>
+            <a:stretch>
+              <a:fillRect/>
+            </a:stretch>
+          </a:blipFill>
+          <a:ln>
+            <a:noFill/>
+          </a:ln>
+        </p:spPr>
+        <p:style>
+          <a:lnRef idx="2">
+            <a:schemeClr val="accent1">
+              <a:shade val="50000"/>
+            </a:schemeClr>
+          </a:lnRef>
+          <a:fillRef idx="1003">
+            <a:schemeClr val="dk2"/>
+          </a:fillRef>
+          <a:effectRef idx="0">
+            <a:schemeClr val="accent1"/>
+          </a:effectRef>
+          <a:fontRef idx="minor"/>
+        </p:style>
+      </p:sp>
+      <p:sp>
+        <p:nvSpPr>
+          <p:cNvPr id="115" name="CustomShape 2"/>
+          <p:cNvSpPr/>
+          <p:nvPr/>
+        </p:nvSpPr>
+        <p:spPr>
+          <a:xfrm>
+            <a:off x="4993920" y="0"/>
+            <a:ext cx="559080" cy="3709440"/>
+          </a:xfrm>
+          <a:custGeom>
+            <a:avLst/>
+            <a:gdLst/>
+            <a:ahLst/>
+            <a:cxnLst/>
+            <a:rect l="l" t="t" r="r" b="b"/>
+            <a:pathLst>
+              <a:path w="559472" h="3709642">
+                <a:moveTo>
+                  <a:pt x="0" y="0"/>
+                </a:moveTo>
+                <a:lnTo>
+                  <a:pt x="473952" y="0"/>
+                </a:lnTo>
+                <a:lnTo>
+                  <a:pt x="485840" y="161194"/>
+                </a:lnTo>
+                <a:cubicBezTo>
+                  <a:pt x="552063" y="1147770"/>
+                  <a:pt x="592441" y="3086737"/>
+                  <a:pt x="523949" y="3672197"/>
+                </a:cubicBezTo>
+                <a:cubicBezTo>
+                  <a:pt x="500842" y="3684557"/>
+                  <a:pt x="477855" y="3697282"/>
+                  <a:pt x="454748" y="3709642"/>
+                </a:cubicBezTo>
+                <a:lnTo>
+                  <a:pt x="448224" y="3510471"/>
+                </a:lnTo>
+                <a:lnTo>
+                  <a:pt x="443564" y="3408563"/>
+                </a:lnTo>
+                <a:lnTo>
+                  <a:pt x="438902" y="3304407"/>
+                </a:lnTo>
+                <a:lnTo>
+                  <a:pt x="433941" y="3198777"/>
+                </a:lnTo>
+                <a:lnTo>
+                  <a:pt x="427584" y="3092510"/>
+                </a:lnTo>
+                <a:lnTo>
+                  <a:pt x="420988" y="2984390"/>
+                </a:lnTo>
+                <a:lnTo>
+                  <a:pt x="414330" y="2874401"/>
+                </a:lnTo>
+                <a:lnTo>
+                  <a:pt x="406840" y="2762980"/>
+                </a:lnTo>
+                <a:lnTo>
+                  <a:pt x="397745" y="2650566"/>
+                </a:lnTo>
+                <a:lnTo>
+                  <a:pt x="389154" y="2536612"/>
+                </a:lnTo>
+                <a:lnTo>
+                  <a:pt x="379225" y="2421642"/>
+                </a:lnTo>
+                <a:lnTo>
+                  <a:pt x="368316" y="2305627"/>
+                </a:lnTo>
+                <a:lnTo>
+                  <a:pt x="357466" y="2189233"/>
+                </a:lnTo>
+                <a:lnTo>
+                  <a:pt x="344982" y="2071473"/>
+                </a:lnTo>
+                <a:lnTo>
+                  <a:pt x="332466" y="1952216"/>
+                </a:lnTo>
+                <a:lnTo>
+                  <a:pt x="319121" y="1833776"/>
+                </a:lnTo>
+                <a:lnTo>
+                  <a:pt x="304408" y="1713948"/>
+                </a:lnTo>
+                <a:lnTo>
+                  <a:pt x="288685" y="1592703"/>
+                </a:lnTo>
+                <a:lnTo>
+                  <a:pt x="273050" y="1471451"/>
+                </a:lnTo>
+                <a:lnTo>
+                  <a:pt x="255813" y="1350328"/>
+                </a:lnTo>
+                <a:lnTo>
+                  <a:pt x="237060" y="1227080"/>
+                </a:lnTo>
+                <a:lnTo>
+                  <a:pt x="218488" y="1106065"/>
+                </a:lnTo>
+                <a:lnTo>
+                  <a:pt x="198221" y="982940"/>
+                </a:lnTo>
+                <a:lnTo>
+                  <a:pt x="177152" y="858755"/>
+                </a:lnTo>
+                <a:lnTo>
+                  <a:pt x="155551" y="736861"/>
+                </a:lnTo>
+                <a:lnTo>
+                  <a:pt x="131782" y="613645"/>
+                </a:lnTo>
+                <a:lnTo>
+                  <a:pt x="107123" y="490500"/>
+                </a:lnTo>
+                <a:lnTo>
+                  <a:pt x="82552" y="367348"/>
+                </a:lnTo>
+                <a:lnTo>
+                  <a:pt x="55608" y="244762"/>
+                </a:lnTo>
+                <a:lnTo>
+                  <a:pt x="28130" y="122220"/>
+                </a:lnTo>
+                <a:lnTo>
+                  <a:pt x="0" y="0"/>
+                </a:lnTo>
+                <a:close/>
+              </a:path>
+            </a:pathLst>
+          </a:custGeom>
+          <a:solidFill>
+            <a:schemeClr val="bg1">
+              <a:alpha val="20000"/>
+            </a:schemeClr>
+          </a:solidFill>
+          <a:ln>
+            <a:noFill/>
+          </a:ln>
+        </p:spPr>
+        <p:style>
+          <a:lnRef idx="0">
+            <a:scrgbClr r="0" g="0" b="0"/>
+          </a:lnRef>
+          <a:fillRef idx="0">
+            <a:scrgbClr r="0" g="0" b="0"/>
+          </a:fillRef>
+          <a:effectRef idx="0">
+            <a:scrgbClr r="0" g="0" b="0"/>
+          </a:effectRef>
+          <a:fontRef idx="minor"/>
+        </p:style>
+      </p:sp>
+      <p:sp>
+        <p:nvSpPr>
+          <p:cNvPr id="116" name="CustomShape 3"/>
+          <p:cNvSpPr/>
+          <p:nvPr/>
+        </p:nvSpPr>
+        <p:spPr>
+          <a:xfrm rot="16200000">
+            <a:off x="5270400" y="-63000"/>
+            <a:ext cx="6857640" cy="6984720"/>
+          </a:xfrm>
+          <a:custGeom>
+            <a:avLst/>
+            <a:gdLst/>
+            <a:ahLst/>
+            <a:cxnLst/>
+            <a:rect l="l" t="t" r="r" b="b"/>
+            <a:pathLst>
+              <a:path w="6858001" h="6985200">
+                <a:moveTo>
+                  <a:pt x="6858001" y="1177"/>
+                </a:moveTo>
+                <a:lnTo>
+                  <a:pt x="6858001" y="1344715"/>
+                </a:lnTo>
+                <a:lnTo>
+                  <a:pt x="6858000" y="1344715"/>
+                </a:lnTo>
+                <a:lnTo>
+                  <a:pt x="6858000" y="6985200"/>
+                </a:lnTo>
+                <a:lnTo>
+                  <a:pt x="0" y="6985199"/>
+                </a:lnTo>
+                <a:lnTo>
+                  <a:pt x="0" y="886772"/>
+                </a:lnTo>
+                <a:lnTo>
+                  <a:pt x="1" y="886772"/>
+                </a:lnTo>
+                <a:lnTo>
+                  <a:pt x="1" y="0"/>
+                </a:lnTo>
+                <a:lnTo>
+                  <a:pt x="40463" y="5883"/>
+                </a:lnTo>
+                <a:lnTo>
+                  <a:pt x="159107" y="23196"/>
+                </a:lnTo>
+                <a:lnTo>
+                  <a:pt x="245518" y="35299"/>
+                </a:lnTo>
+                <a:lnTo>
+                  <a:pt x="348388" y="48073"/>
+                </a:lnTo>
+                <a:lnTo>
+                  <a:pt x="470460" y="63369"/>
+                </a:lnTo>
+                <a:lnTo>
+                  <a:pt x="605563" y="79506"/>
+                </a:lnTo>
+                <a:lnTo>
+                  <a:pt x="757810" y="96483"/>
+                </a:lnTo>
+                <a:lnTo>
+                  <a:pt x="923774" y="114469"/>
+                </a:lnTo>
+                <a:lnTo>
+                  <a:pt x="1104139" y="132454"/>
+                </a:lnTo>
+                <a:lnTo>
+                  <a:pt x="1296163" y="150776"/>
+                </a:lnTo>
+                <a:lnTo>
+                  <a:pt x="1503275" y="167753"/>
+                </a:lnTo>
+                <a:lnTo>
+                  <a:pt x="1719988" y="184058"/>
+                </a:lnTo>
+                <a:lnTo>
+                  <a:pt x="1949045" y="198849"/>
+                </a:lnTo>
+                <a:lnTo>
+                  <a:pt x="2187703" y="212969"/>
+                </a:lnTo>
+                <a:lnTo>
+                  <a:pt x="2436649" y="226248"/>
+                </a:lnTo>
+                <a:lnTo>
+                  <a:pt x="2564208" y="230955"/>
+                </a:lnTo>
+                <a:lnTo>
+                  <a:pt x="2694509" y="236165"/>
+                </a:lnTo>
+                <a:lnTo>
+                  <a:pt x="2826869" y="241040"/>
+                </a:lnTo>
+                <a:lnTo>
+                  <a:pt x="2959914" y="244234"/>
+                </a:lnTo>
+                <a:lnTo>
+                  <a:pt x="3095702" y="247091"/>
+                </a:lnTo>
+                <a:lnTo>
+                  <a:pt x="3232862" y="250117"/>
+                </a:lnTo>
+                <a:lnTo>
+                  <a:pt x="3372766" y="252134"/>
+                </a:lnTo>
+                <a:lnTo>
+                  <a:pt x="3514040" y="252134"/>
+                </a:lnTo>
+                <a:lnTo>
+                  <a:pt x="3656686" y="253142"/>
+                </a:lnTo>
+                <a:lnTo>
+                  <a:pt x="3800705" y="252134"/>
+                </a:lnTo>
+                <a:lnTo>
+                  <a:pt x="3946780" y="250117"/>
+                </a:lnTo>
+                <a:lnTo>
+                  <a:pt x="4092856" y="248268"/>
+                </a:lnTo>
+                <a:lnTo>
+                  <a:pt x="4240988" y="244234"/>
+                </a:lnTo>
+                <a:lnTo>
+                  <a:pt x="4390492" y="240032"/>
+                </a:lnTo>
+                <a:lnTo>
+                  <a:pt x="4539997" y="235157"/>
+                </a:lnTo>
+                <a:lnTo>
+                  <a:pt x="4690873" y="228266"/>
+                </a:lnTo>
+                <a:lnTo>
+                  <a:pt x="4843120" y="220029"/>
+                </a:lnTo>
+                <a:lnTo>
+                  <a:pt x="4996054" y="212129"/>
+                </a:lnTo>
+                <a:lnTo>
+                  <a:pt x="5148987" y="202044"/>
+                </a:lnTo>
+                <a:lnTo>
+                  <a:pt x="5303978" y="189941"/>
+                </a:lnTo>
+                <a:lnTo>
+                  <a:pt x="5456911" y="177839"/>
+                </a:lnTo>
+                <a:lnTo>
+                  <a:pt x="5612588" y="163887"/>
+                </a:lnTo>
+                <a:lnTo>
+                  <a:pt x="5768950" y="148591"/>
+                </a:lnTo>
+                <a:lnTo>
+                  <a:pt x="5923255" y="132455"/>
+                </a:lnTo>
+                <a:lnTo>
+                  <a:pt x="6079618" y="113629"/>
+                </a:lnTo>
+                <a:lnTo>
+                  <a:pt x="6235294" y="93458"/>
+                </a:lnTo>
+                <a:lnTo>
+                  <a:pt x="6391657" y="73455"/>
+                </a:lnTo>
+                <a:lnTo>
+                  <a:pt x="6547333" y="50091"/>
+                </a:lnTo>
+                <a:lnTo>
+                  <a:pt x="6702324" y="26222"/>
+                </a:lnTo>
+                <a:close/>
+              </a:path>
+            </a:pathLst>
+          </a:custGeom>
+          <a:solidFill>
+            <a:schemeClr val="bg1"/>
+          </a:solidFill>
+          <a:ln>
+            <a:noFill/>
+          </a:ln>
+        </p:spPr>
+        <p:style>
+          <a:lnRef idx="0">
+            <a:scrgbClr r="0" g="0" b="0"/>
+          </a:lnRef>
+          <a:fillRef idx="0">
+            <a:scrgbClr r="0" g="0" b="0"/>
+          </a:fillRef>
+          <a:effectRef idx="0">
+            <a:scrgbClr r="0" g="0" b="0"/>
+          </a:effectRef>
+          <a:fontRef idx="minor"/>
+        </p:style>
+      </p:sp>
+      <p:pic>
+        <p:nvPicPr>
+          <p:cNvPr id="3" name="Grafik 2">
+            <a:extLst>
+              <a:ext uri="{FF2B5EF4-FFF2-40B4-BE49-F238E27FC236}">
+                <a16:creationId xmlns:a16="http://schemas.microsoft.com/office/drawing/2014/main" id="{8B8F1D60-8247-4740-BFE3-134120491A95}"/>
+              </a:ext>
+            </a:extLst>
+          </p:cNvPr>
+          <p:cNvPicPr>
+            <a:picLocks noChangeAspect="1"/>
+          </p:cNvPicPr>
+          <p:nvPr/>
+        </p:nvPicPr>
+        <p:blipFill>
+          <a:blip r:embed="rId4">
+            <a:extLst>
+              <a:ext uri="{28A0092B-C50C-407E-A947-70E740481C1C}">
+                <a14:useLocalDpi xmlns:a14="http://schemas.microsoft.com/office/drawing/2010/main" val="0"/>
+              </a:ext>
+            </a:extLst>
+          </a:blip>
+          <a:stretch>
+            <a:fillRect/>
+          </a:stretch>
+        </p:blipFill>
+        <p:spPr>
+          <a:xfrm>
+            <a:off x="4653682" y="1208595"/>
+            <a:ext cx="7500205" cy="4440449"/>
+          </a:xfrm>
+          <a:prstGeom prst="rect">
+            <a:avLst/>
+          </a:prstGeom>
+        </p:spPr>
+      </p:pic>
+      <p:sp>
+        <p:nvSpPr>
+          <p:cNvPr id="118" name="CustomShape 4"/>
+          <p:cNvSpPr/>
+          <p:nvPr/>
+        </p:nvSpPr>
+        <p:spPr>
+          <a:xfrm>
+            <a:off x="10442520" y="0"/>
+            <a:ext cx="685440" cy="1142640"/>
+          </a:xfrm>
+          <a:prstGeom prst="rect">
+            <a:avLst/>
+          </a:prstGeom>
+          <a:solidFill>
+            <a:schemeClr val="accent1"/>
+          </a:solidFill>
+          <a:ln>
+            <a:noFill/>
+          </a:ln>
+          <a:effectLst>
+            <a:outerShdw blurRad="38100" dist="25400" dir="5400000" rotWithShape="0">
+              <a:srgbClr val="000000">
+                <a:alpha val="45000"/>
+              </a:srgbClr>
+            </a:outerShdw>
+          </a:effectLst>
+        </p:spPr>
+        <p:style>
+          <a:lnRef idx="1">
+            <a:schemeClr val="accent1"/>
+          </a:lnRef>
+          <a:fillRef idx="3">
+            <a:schemeClr val="accent1"/>
+          </a:fillRef>
+          <a:effectRef idx="2">
+            <a:schemeClr val="accent1"/>
+          </a:effectRef>
+          <a:fontRef idx="minor"/>
+        </p:style>
+      </p:sp>
+      <p:sp>
+        <p:nvSpPr>
+          <p:cNvPr id="119" name="TextShape 5"/>
+          <p:cNvSpPr txBox="1"/>
+          <p:nvPr/>
+        </p:nvSpPr>
+        <p:spPr>
+          <a:xfrm>
+            <a:off x="170775" y="1734899"/>
+            <a:ext cx="4344480" cy="3785040"/>
+          </a:xfrm>
+          <a:prstGeom prst="rect">
+            <a:avLst/>
+          </a:prstGeom>
+          <a:noFill/>
+          <a:ln>
+            <a:noFill/>
+          </a:ln>
+        </p:spPr>
+        <p:txBody>
+          <a:bodyPr>
+            <a:normAutofit/>
+          </a:bodyPr>
+          <a:lstStyle/>
           <a:p>
             <a:pPr marL="343080" indent="-342720">
               <a:lnSpc>
@@ -8889,21 +12346,126 @@
                 <a:spcPts val="1001"/>
               </a:spcBef>
               <a:buClr>
-                <a:srgbClr val="8AD0D6"/>
+                <a:srgbClr val="F7F7F7"/>
               </a:buClr>
               <a:buSzPct val="80000"/>
               <a:buFont typeface="Wingdings 3" charset="2"/>
               <a:buChar char=""/>
             </a:pPr>
             <a:r>
-              <a:rPr lang="en-US" sz="2000" b="0" strike="noStrike" spc="-1">
-                <a:solidFill>
-                  <a:srgbClr val="FFFFFF"/>
-                </a:solidFill>
-                <a:latin typeface="Century Gothic"/>
-              </a:rPr>
-              <a:t>Erlernen einer Hardwarebeschreibungssprache</a:t>
-            </a:r>
+              <a:rPr lang="en-US" sz="2000" b="0" strike="noStrike" spc="-1" dirty="0">
+                <a:solidFill>
+                  <a:srgbClr val="EBEBEB"/>
+                </a:solidFill>
+                <a:latin typeface="Century Gothic"/>
+              </a:rPr>
+              <a:t>IDE </a:t>
+            </a:r>
+            <a:r>
+              <a:rPr lang="en-US" sz="2000" b="0" strike="noStrike" spc="-1" dirty="0" err="1">
+                <a:solidFill>
+                  <a:srgbClr val="EBEBEB"/>
+                </a:solidFill>
+                <a:latin typeface="Century Gothic"/>
+              </a:rPr>
+              <a:t>zum</a:t>
+            </a:r>
+            <a:r>
+              <a:rPr lang="en-US" sz="2000" b="0" strike="noStrike" spc="-1" dirty="0">
+                <a:solidFill>
+                  <a:srgbClr val="EBEBEB"/>
+                </a:solidFill>
+                <a:latin typeface="Century Gothic"/>
+              </a:rPr>
+              <a:t> </a:t>
+            </a:r>
+            <a:r>
+              <a:rPr lang="en-US" sz="2000" b="0" strike="noStrike" spc="-1" dirty="0" err="1">
+                <a:solidFill>
+                  <a:srgbClr val="EBEBEB"/>
+                </a:solidFill>
+                <a:latin typeface="Century Gothic"/>
+              </a:rPr>
+              <a:t>Entwickeln</a:t>
+            </a:r>
+            <a:r>
+              <a:rPr lang="en-US" sz="2000" b="0" strike="noStrike" spc="-1" dirty="0">
+                <a:solidFill>
+                  <a:srgbClr val="EBEBEB"/>
+                </a:solidFill>
+                <a:latin typeface="Century Gothic"/>
+              </a:rPr>
+              <a:t>, </a:t>
+            </a:r>
+            <a:r>
+              <a:rPr lang="en-US" sz="2000" b="0" strike="noStrike" spc="-1" dirty="0" err="1">
+                <a:solidFill>
+                  <a:srgbClr val="EBEBEB"/>
+                </a:solidFill>
+                <a:latin typeface="Century Gothic"/>
+              </a:rPr>
+              <a:t>Debuggen</a:t>
+            </a:r>
+            <a:r>
+              <a:rPr lang="en-US" sz="2000" b="0" strike="noStrike" spc="-1" dirty="0">
+                <a:solidFill>
+                  <a:srgbClr val="EBEBEB"/>
+                </a:solidFill>
+                <a:latin typeface="Century Gothic"/>
+              </a:rPr>
+              <a:t> und </a:t>
+            </a:r>
+            <a:r>
+              <a:rPr lang="en-US" sz="2000" b="0" strike="noStrike" spc="-1" dirty="0" err="1">
+                <a:solidFill>
+                  <a:srgbClr val="EBEBEB"/>
+                </a:solidFill>
+                <a:latin typeface="Century Gothic"/>
+              </a:rPr>
+              <a:t>Compelieren</a:t>
+            </a:r>
+            <a:r>
+              <a:rPr lang="en-US" sz="2000" b="0" strike="noStrike" spc="-1" dirty="0">
+                <a:solidFill>
+                  <a:srgbClr val="EBEBEB"/>
+                </a:solidFill>
+                <a:latin typeface="Century Gothic"/>
+              </a:rPr>
+              <a:t> des </a:t>
+            </a:r>
+            <a:r>
+              <a:rPr lang="en-US" sz="2000" b="0" strike="noStrike" spc="-1" dirty="0" err="1">
+                <a:solidFill>
+                  <a:srgbClr val="EBEBEB"/>
+                </a:solidFill>
+                <a:latin typeface="Century Gothic"/>
+              </a:rPr>
+              <a:t>geschriebene</a:t>
+            </a:r>
+            <a:r>
+              <a:rPr lang="en-US" sz="2000" b="0" strike="noStrike" spc="-1" dirty="0">
+                <a:solidFill>
+                  <a:srgbClr val="EBEBEB"/>
+                </a:solidFill>
+                <a:latin typeface="Century Gothic"/>
+              </a:rPr>
+              <a:t> </a:t>
+            </a:r>
+            <a:r>
+              <a:rPr lang="en-US" sz="2000" b="0" strike="noStrike" spc="-1" dirty="0" err="1">
+                <a:solidFill>
+                  <a:srgbClr val="EBEBEB"/>
+                </a:solidFill>
+                <a:latin typeface="Century Gothic"/>
+              </a:rPr>
+              <a:t>Assemblercodes</a:t>
+            </a:r>
+            <a:endParaRPr lang="en-US" sz="2000" b="0" strike="noStrike" spc="-1" dirty="0">
+              <a:solidFill>
+                <a:srgbClr val="FFFFFF"/>
+              </a:solidFill>
+              <a:latin typeface="Century Gothic"/>
+            </a:endParaRPr>
           </a:p>
           <a:p>
             <a:pPr marL="343080" indent="-342720">
@@ -8914,24 +12476,39 @@
                 <a:spcPts val="1001"/>
               </a:spcBef>
               <a:buClr>
-                <a:srgbClr val="8AD0D6"/>
+                <a:srgbClr val="F7F7F7"/>
               </a:buClr>
               <a:buSzPct val="80000"/>
               <a:buFont typeface="Wingdings 3" charset="2"/>
               <a:buChar char=""/>
             </a:pPr>
             <a:r>
-              <a:rPr lang="en-US" sz="2000" b="0" strike="noStrike" spc="-1">
-                <a:solidFill>
-                  <a:srgbClr val="FFFFFF"/>
-                </a:solidFill>
-                <a:latin typeface="Century Gothic"/>
-              </a:rPr>
-              <a:t>Entwicklung einer Umgebungssoftware </a:t>
-            </a:r>
-          </a:p>
-          <a:p>
-            <a:pPr marL="343080" indent="-342720">
+              <a:rPr lang="en-US" sz="2000" b="0" strike="noStrike" spc="-1" dirty="0" err="1">
+                <a:solidFill>
+                  <a:srgbClr val="EBEBEB"/>
+                </a:solidFill>
+                <a:latin typeface="Century Gothic"/>
+              </a:rPr>
+              <a:t>Aufteilung</a:t>
+            </a:r>
+            <a:r>
+              <a:rPr lang="en-US" sz="2000" b="0" strike="noStrike" spc="-1" dirty="0">
+                <a:solidFill>
+                  <a:srgbClr val="EBEBEB"/>
+                </a:solidFill>
+                <a:latin typeface="Century Gothic"/>
+              </a:rPr>
+              <a:t> in</a:t>
+            </a:r>
+            <a:endParaRPr lang="en-US" sz="2000" b="0" strike="noStrike" spc="-1" dirty="0">
+              <a:solidFill>
+                <a:srgbClr val="FFFFFF"/>
+              </a:solidFill>
+              <a:latin typeface="Century Gothic"/>
+            </a:endParaRPr>
+          </a:p>
+          <a:p>
+            <a:pPr marL="743040" lvl="1" indent="-285480">
               <a:lnSpc>
                 <a:spcPct val="100000"/>
               </a:lnSpc>
@@ -8939,21 +12516,179 @@
                 <a:spcPts val="1001"/>
               </a:spcBef>
               <a:buClr>
-                <a:srgbClr val="8AD0D6"/>
+                <a:srgbClr val="F7F7F7"/>
               </a:buClr>
               <a:buSzPct val="80000"/>
               <a:buFont typeface="Wingdings 3" charset="2"/>
               <a:buChar char=""/>
             </a:pPr>
             <a:r>
-              <a:rPr lang="en-US" sz="2000" b="0" strike="noStrike" spc="-1">
-                <a:solidFill>
-                  <a:srgbClr val="FFFFFF"/>
-                </a:solidFill>
-                <a:latin typeface="Century Gothic"/>
-              </a:rPr>
-              <a:t>Zusammenführung der Arbeiten teamübergreifend</a:t>
-            </a:r>
+              <a:rPr lang="en-US" sz="1800" b="0" strike="noStrike" spc="-1" dirty="0">
+                <a:solidFill>
+                  <a:srgbClr val="EBEBEB"/>
+                </a:solidFill>
+                <a:latin typeface="Century Gothic"/>
+              </a:rPr>
+              <a:t>1) </a:t>
+            </a:r>
+            <a:r>
+              <a:rPr lang="en-US" sz="1800" b="0" strike="noStrike" spc="-1" dirty="0" err="1">
+                <a:solidFill>
+                  <a:srgbClr val="EBEBEB"/>
+                </a:solidFill>
+                <a:latin typeface="Century Gothic"/>
+              </a:rPr>
+              <a:t>Optionsleiste</a:t>
+            </a:r>
+            <a:r>
+              <a:rPr lang="en-US" sz="1800" b="0" strike="noStrike" spc="-1" dirty="0">
+                <a:solidFill>
+                  <a:srgbClr val="EBEBEB"/>
+                </a:solidFill>
+                <a:latin typeface="Century Gothic"/>
+              </a:rPr>
+              <a:t> </a:t>
+            </a:r>
+            <a:r>
+              <a:rPr lang="en-US" sz="1800" b="0" strike="noStrike" spc="-1" dirty="0" err="1">
+                <a:solidFill>
+                  <a:srgbClr val="EBEBEB"/>
+                </a:solidFill>
+                <a:latin typeface="Century Gothic"/>
+              </a:rPr>
+              <a:t>mit</a:t>
+            </a:r>
+            <a:r>
+              <a:rPr lang="en-US" sz="1800" b="0" strike="noStrike" spc="-1" dirty="0">
+                <a:solidFill>
+                  <a:srgbClr val="EBEBEB"/>
+                </a:solidFill>
+                <a:latin typeface="Century Gothic"/>
+              </a:rPr>
+              <a:t> Compile- und </a:t>
+            </a:r>
+            <a:r>
+              <a:rPr lang="en-US" sz="1800" b="0" strike="noStrike" spc="-1" dirty="0" err="1">
+                <a:solidFill>
+                  <a:srgbClr val="EBEBEB"/>
+                </a:solidFill>
+                <a:latin typeface="Century Gothic"/>
+              </a:rPr>
+              <a:t>Debugfunktionen</a:t>
+            </a:r>
+            <a:endParaRPr lang="en-US" sz="1800" b="0" strike="noStrike" spc="-1" dirty="0">
+              <a:solidFill>
+                <a:srgbClr val="FFFFFF"/>
+              </a:solidFill>
+              <a:latin typeface="Century Gothic"/>
+            </a:endParaRPr>
+          </a:p>
+          <a:p>
+            <a:pPr marL="743040" lvl="1" indent="-285480">
+              <a:lnSpc>
+                <a:spcPct val="100000"/>
+              </a:lnSpc>
+              <a:spcBef>
+                <a:spcPts val="1001"/>
+              </a:spcBef>
+              <a:buClr>
+                <a:srgbClr val="F7F7F7"/>
+              </a:buClr>
+              <a:buSzPct val="80000"/>
+              <a:buFont typeface="Wingdings 3" charset="2"/>
+              <a:buChar char=""/>
+            </a:pPr>
+            <a:r>
+              <a:rPr lang="en-US" sz="1800" b="0" strike="noStrike" spc="-1" dirty="0">
+                <a:solidFill>
+                  <a:srgbClr val="EBEBEB"/>
+                </a:solidFill>
+                <a:latin typeface="Century Gothic"/>
+              </a:rPr>
+              <a:t>2) </a:t>
+            </a:r>
+            <a:r>
+              <a:rPr lang="en-US" sz="1800" b="0" strike="noStrike" spc="-1" dirty="0" err="1">
+                <a:solidFill>
+                  <a:srgbClr val="EBEBEB"/>
+                </a:solidFill>
+                <a:latin typeface="Century Gothic"/>
+              </a:rPr>
+              <a:t>Editorbereich</a:t>
+            </a:r>
+            <a:r>
+              <a:rPr lang="en-US" sz="1800" b="0" strike="noStrike" spc="-1" dirty="0">
+                <a:solidFill>
+                  <a:srgbClr val="EBEBEB"/>
+                </a:solidFill>
+                <a:latin typeface="Century Gothic"/>
+              </a:rPr>
+              <a:t> </a:t>
+            </a:r>
+            <a:endParaRPr lang="en-US" sz="1800" b="0" strike="noStrike" spc="-1" dirty="0">
+              <a:solidFill>
+                <a:srgbClr val="FFFFFF"/>
+              </a:solidFill>
+              <a:latin typeface="Century Gothic"/>
+            </a:endParaRPr>
+          </a:p>
+          <a:p>
+            <a:pPr marL="743040" lvl="1" indent="-285480">
+              <a:lnSpc>
+                <a:spcPct val="100000"/>
+              </a:lnSpc>
+              <a:spcBef>
+                <a:spcPts val="1001"/>
+              </a:spcBef>
+              <a:buClr>
+                <a:srgbClr val="F7F7F7"/>
+              </a:buClr>
+              <a:buSzPct val="80000"/>
+              <a:buFont typeface="Wingdings 3" charset="2"/>
+              <a:buChar char=""/>
+            </a:pPr>
+            <a:r>
+              <a:rPr lang="en-US" sz="1800" b="0" strike="noStrike" spc="-1" dirty="0">
+                <a:solidFill>
+                  <a:srgbClr val="EBEBEB"/>
+                </a:solidFill>
+                <a:latin typeface="Century Gothic"/>
+              </a:rPr>
+              <a:t>3) </a:t>
+            </a:r>
+            <a:r>
+              <a:rPr lang="en-US" sz="1800" b="0" strike="noStrike" spc="-1" dirty="0" err="1">
+                <a:solidFill>
+                  <a:srgbClr val="EBEBEB"/>
+                </a:solidFill>
+                <a:latin typeface="Century Gothic"/>
+              </a:rPr>
+              <a:t>Anzeigen</a:t>
+            </a:r>
+            <a:r>
+              <a:rPr lang="en-US" sz="1800" b="0" strike="noStrike" spc="-1" dirty="0">
+                <a:solidFill>
+                  <a:srgbClr val="EBEBEB"/>
+                </a:solidFill>
+                <a:latin typeface="Century Gothic"/>
+              </a:rPr>
+              <a:t> der Register- und   </a:t>
+            </a:r>
+            <a:r>
+              <a:rPr lang="en-US" sz="1800" b="0" strike="noStrike" spc="-1" dirty="0" err="1">
+                <a:solidFill>
+                  <a:srgbClr val="EBEBEB"/>
+                </a:solidFill>
+                <a:latin typeface="Century Gothic"/>
+              </a:rPr>
+              <a:t>Speicherinhalte</a:t>
+            </a:r>
+            <a:endParaRPr lang="en-US" sz="1800" b="0" strike="noStrike" spc="-1" dirty="0">
+              <a:solidFill>
+                <a:srgbClr val="FFFFFF"/>
+              </a:solidFill>
+              <a:latin typeface="Century Gothic"/>
+            </a:endParaRPr>
           </a:p>
           <a:p>
             <a:pPr>
@@ -8964,7 +12699,7 @@
                 <a:spcPts val="1001"/>
               </a:spcBef>
             </a:pPr>
-            <a:endParaRPr lang="en-US" sz="2000" b="0" strike="noStrike" spc="-1">
+            <a:endParaRPr lang="en-US" sz="1800" b="0" strike="noStrike" spc="-1" dirty="0">
               <a:solidFill>
                 <a:srgbClr val="FFFFFF"/>
               </a:solidFill>
@@ -8972,29 +12707,280 @@
             </a:endParaRPr>
           </a:p>
           <a:p>
-            <a:pPr marL="343080" indent="-342720">
+            <a:pPr>
               <a:lnSpc>
                 <a:spcPct val="100000"/>
               </a:lnSpc>
               <a:spcBef>
                 <a:spcPts val="1001"/>
               </a:spcBef>
-              <a:buClr>
-                <a:srgbClr val="8AD0D6"/>
-              </a:buClr>
-              <a:buSzPct val="80000"/>
-              <a:buFont typeface="Wingdings 3" charset="2"/>
-              <a:buChar char=""/>
             </a:pPr>
-            <a:r>
-              <a:rPr lang="en-US" sz="2000" b="0" strike="noStrike" spc="-1">
-                <a:solidFill>
-                  <a:srgbClr val="FFFFFF"/>
-                </a:solidFill>
-                <a:latin typeface="Century Gothic"/>
-              </a:rPr>
-              <a:t>Nächste Gruppe könnte aus dem Eintakt-Prozessor ein Mehrtakt-Prozessor realisieren, welche auf dem aktuellen Projekt basiert.</a:t>
-            </a:r>
+            <a:endParaRPr lang="en-US" sz="1800" b="0" strike="noStrike" spc="-1" dirty="0">
+              <a:solidFill>
+                <a:srgbClr val="FFFFFF"/>
+              </a:solidFill>
+              <a:latin typeface="Century Gothic"/>
+            </a:endParaRPr>
+          </a:p>
+        </p:txBody>
+      </p:sp>
+      <p:sp>
+        <p:nvSpPr>
+          <p:cNvPr id="120" name="CustomShape 6"/>
+          <p:cNvSpPr/>
+          <p:nvPr/>
+        </p:nvSpPr>
+        <p:spPr>
+          <a:xfrm>
+            <a:off x="6095880" y="3244320"/>
+            <a:ext cx="407880" cy="638280"/>
+          </a:xfrm>
+          <a:prstGeom prst="rect">
+            <a:avLst/>
+          </a:prstGeom>
+          <a:noFill/>
+          <a:ln>
+            <a:noFill/>
+          </a:ln>
+        </p:spPr>
+        <p:style>
+          <a:lnRef idx="0">
+            <a:scrgbClr r="0" g="0" b="0"/>
+          </a:lnRef>
+          <a:fillRef idx="0">
+            <a:scrgbClr r="0" g="0" b="0"/>
+          </a:fillRef>
+          <a:effectRef idx="0">
+            <a:scrgbClr r="0" g="0" b="0"/>
+          </a:effectRef>
+          <a:fontRef idx="minor"/>
+        </p:style>
+        <p:txBody>
+          <a:bodyPr lIns="90000" tIns="45000" rIns="90000" bIns="45000"/>
+          <a:lstStyle/>
+          <a:p>
+            <a:pPr>
+              <a:lnSpc>
+                <a:spcPct val="100000"/>
+              </a:lnSpc>
+            </a:pPr>
+            <a:r>
+              <a:rPr lang="de-DE" sz="1800" b="0" strike="noStrike" spc="-1">
+                <a:solidFill>
+                  <a:srgbClr val="000000"/>
+                </a:solidFill>
+                <a:latin typeface="Century Gothic"/>
+              </a:rPr>
+              <a:t>2)</a:t>
+            </a:r>
+            <a:endParaRPr lang="de-DE" sz="1800" b="0" strike="noStrike" spc="-1">
+              <a:latin typeface="Arial"/>
+            </a:endParaRPr>
+          </a:p>
+        </p:txBody>
+      </p:sp>
+      <p:sp>
+        <p:nvSpPr>
+          <p:cNvPr id="121" name="CustomShape 7"/>
+          <p:cNvSpPr/>
+          <p:nvPr/>
+        </p:nvSpPr>
+        <p:spPr>
+          <a:xfrm>
+            <a:off x="9722115" y="2495132"/>
+            <a:ext cx="407880" cy="638280"/>
+          </a:xfrm>
+          <a:prstGeom prst="rect">
+            <a:avLst/>
+          </a:prstGeom>
+          <a:noFill/>
+          <a:ln>
+            <a:noFill/>
+          </a:ln>
+        </p:spPr>
+        <p:style>
+          <a:lnRef idx="0">
+            <a:scrgbClr r="0" g="0" b="0"/>
+          </a:lnRef>
+          <a:fillRef idx="0">
+            <a:scrgbClr r="0" g="0" b="0"/>
+          </a:fillRef>
+          <a:effectRef idx="0">
+            <a:scrgbClr r="0" g="0" b="0"/>
+          </a:effectRef>
+          <a:fontRef idx="minor"/>
+        </p:style>
+        <p:txBody>
+          <a:bodyPr lIns="90000" tIns="45000" rIns="90000" bIns="45000"/>
+          <a:lstStyle/>
+          <a:p>
+            <a:pPr>
+              <a:lnSpc>
+                <a:spcPct val="100000"/>
+              </a:lnSpc>
+            </a:pPr>
+            <a:r>
+              <a:rPr lang="de-DE" sz="1800" b="0" strike="noStrike" spc="-1" dirty="0">
+                <a:solidFill>
+                  <a:srgbClr val="000000"/>
+                </a:solidFill>
+                <a:latin typeface="Century Gothic"/>
+              </a:rPr>
+              <a:t>3)</a:t>
+            </a:r>
+            <a:endParaRPr lang="de-DE" sz="1800" b="0" strike="noStrike" spc="-1" dirty="0">
+              <a:latin typeface="Arial"/>
+            </a:endParaRPr>
+          </a:p>
+        </p:txBody>
+      </p:sp>
+      <p:sp>
+        <p:nvSpPr>
+          <p:cNvPr id="122" name="CustomShape 8"/>
+          <p:cNvSpPr/>
+          <p:nvPr/>
+        </p:nvSpPr>
+        <p:spPr>
+          <a:xfrm>
+            <a:off x="6435062" y="1171197"/>
+            <a:ext cx="407880" cy="638280"/>
+          </a:xfrm>
+          <a:prstGeom prst="rect">
+            <a:avLst/>
+          </a:prstGeom>
+          <a:noFill/>
+          <a:ln>
+            <a:noFill/>
+          </a:ln>
+        </p:spPr>
+        <p:style>
+          <a:lnRef idx="0">
+            <a:scrgbClr r="0" g="0" b="0"/>
+          </a:lnRef>
+          <a:fillRef idx="0">
+            <a:scrgbClr r="0" g="0" b="0"/>
+          </a:fillRef>
+          <a:effectRef idx="0">
+            <a:scrgbClr r="0" g="0" b="0"/>
+          </a:effectRef>
+          <a:fontRef idx="minor"/>
+        </p:style>
+        <p:txBody>
+          <a:bodyPr lIns="90000" tIns="45000" rIns="90000" bIns="45000"/>
+          <a:lstStyle/>
+          <a:p>
+            <a:pPr>
+              <a:lnSpc>
+                <a:spcPct val="100000"/>
+              </a:lnSpc>
+            </a:pPr>
+            <a:r>
+              <a:rPr lang="de-DE" sz="1800" b="0" strike="noStrike" spc="-1" dirty="0">
+                <a:solidFill>
+                  <a:srgbClr val="000000"/>
+                </a:solidFill>
+                <a:latin typeface="Century Gothic"/>
+              </a:rPr>
+              <a:t>1)</a:t>
+            </a:r>
+            <a:endParaRPr lang="de-DE" sz="1800" b="0" strike="noStrike" spc="-1" dirty="0">
+              <a:latin typeface="Arial"/>
+            </a:endParaRPr>
+          </a:p>
+        </p:txBody>
+      </p:sp>
+      <p:sp>
+        <p:nvSpPr>
+          <p:cNvPr id="123" name="CustomShape 9"/>
+          <p:cNvSpPr/>
+          <p:nvPr/>
+        </p:nvSpPr>
+        <p:spPr>
+          <a:xfrm flipH="1">
+            <a:off x="5893238" y="1477876"/>
+            <a:ext cx="559080" cy="257023"/>
+          </a:xfrm>
+          <a:custGeom>
+            <a:avLst/>
+            <a:gdLst/>
+            <a:ahLst/>
+            <a:cxnLst/>
+            <a:rect l="l" t="t" r="r" b="b"/>
+            <a:pathLst>
+              <a:path w="21600" h="21600">
+                <a:moveTo>
+                  <a:pt x="0" y="0"/>
+                </a:moveTo>
+                <a:lnTo>
+                  <a:pt x="21600" y="21600"/>
+                </a:lnTo>
+              </a:path>
+            </a:pathLst>
+          </a:custGeom>
+          <a:noFill/>
+          <a:ln>
+            <a:round/>
+            <a:tailEnd type="triangle" w="med" len="med"/>
+          </a:ln>
+        </p:spPr>
+        <p:style>
+          <a:lnRef idx="1">
+            <a:schemeClr val="dk1"/>
+          </a:lnRef>
+          <a:fillRef idx="0">
+            <a:schemeClr val="dk1"/>
+          </a:fillRef>
+          <a:effectRef idx="0">
+            <a:schemeClr val="dk1"/>
+          </a:effectRef>
+          <a:fontRef idx="minor"/>
+        </p:style>
+      </p:sp>
+      <p:sp>
+        <p:nvSpPr>
+          <p:cNvPr id="124" name="TextShape 10"/>
+          <p:cNvSpPr txBox="1"/>
+          <p:nvPr/>
+        </p:nvSpPr>
+        <p:spPr>
+          <a:xfrm>
+            <a:off x="649080" y="629280"/>
+            <a:ext cx="4641840" cy="684360"/>
+          </a:xfrm>
+          <a:prstGeom prst="rect">
+            <a:avLst/>
+          </a:prstGeom>
+          <a:noFill/>
+          <a:ln>
+            <a:noFill/>
+          </a:ln>
+        </p:spPr>
+        <p:txBody>
+          <a:bodyPr>
+            <a:normAutofit fontScale="85000" lnSpcReduction="10000"/>
+          </a:bodyPr>
+          <a:lstStyle/>
+          <a:p>
+            <a:pPr>
+              <a:lnSpc>
+                <a:spcPct val="100000"/>
+              </a:lnSpc>
+            </a:pPr>
+            <a:r>
+              <a:rPr lang="en-US" sz="4200" b="0" strike="noStrike" spc="-1">
+                <a:solidFill>
+                  <a:srgbClr val="EBEBEB"/>
+                </a:solidFill>
+                <a:latin typeface="Century Gothic"/>
+              </a:rPr>
+              <a:t>Software – Super32</a:t>
+            </a:r>
+            <a:endParaRPr lang="en-US" sz="4200" b="0" strike="noStrike" spc="-1">
+              <a:solidFill>
+                <a:srgbClr val="FFFFFF"/>
+              </a:solidFill>
+              <a:latin typeface="Century Gothic"/>
+            </a:endParaRPr>
           </a:p>
         </p:txBody>
       </p:sp>
@@ -9481,4 +13467,299 @@
   <a:objectDefaults/>
   <a:extraClrSchemeLst/>
 </a:theme>
+</file>
+
+<file path=ppt/theme/theme3.xml><?xml version="1.0" encoding="utf-8"?>
+<a:theme xmlns:a="http://schemas.openxmlformats.org/drawingml/2006/main" name="Office">
+  <a:themeElements>
+    <a:clrScheme name="Office">
+      <a:dk1>
+        <a:sysClr val="windowText" lastClr="000000"/>
+      </a:dk1>
+      <a:lt1>
+        <a:sysClr val="window" lastClr="FFFFFF"/>
+      </a:lt1>
+      <a:dk2>
+        <a:srgbClr val="44546A"/>
+      </a:dk2>
+      <a:lt2>
+        <a:srgbClr val="E7E6E6"/>
+      </a:lt2>
+      <a:accent1>
+        <a:srgbClr val="4472C4"/>
+      </a:accent1>
+      <a:accent2>
+        <a:srgbClr val="ED7D31"/>
+      </a:accent2>
+      <a:accent3>
+        <a:srgbClr val="A5A5A5"/>
+      </a:accent3>
+      <a:accent4>
+        <a:srgbClr val="FFC000"/>
+      </a:accent4>
+      <a:accent5>
+        <a:srgbClr val="5B9BD5"/>
+      </a:accent5>
+      <a:accent6>
+        <a:srgbClr val="70AD47"/>
+      </a:accent6>
+      <a:hlink>
+        <a:srgbClr val="0563C1"/>
+      </a:hlink>
+      <a:folHlink>
+        <a:srgbClr val="954F72"/>
+      </a:folHlink>
+    </a:clrScheme>
+    <a:fontScheme name="Office">
+      <a:majorFont>
+        <a:latin typeface="Calibri Light" panose="020F0302020204030204"/>
+        <a:ea typeface=""/>
+        <a:cs typeface=""/>
+        <a:font script="Jpan" typeface="游ゴシック Light"/>
+        <a:font script="Hang" typeface="맑은 고딕"/>
+        <a:font script="Hans" typeface="等线 Light"/>
+        <a:font script="Hant" typeface="新細明體"/>
+        <a:font script="Arab" typeface="Times New Roman"/>
+        <a:font script="Hebr" typeface="Times New Roman"/>
+        <a:font script="Thai" typeface="Angsana New"/>
+        <a:font script="Ethi" typeface="Nyala"/>
+        <a:font script="Beng" typeface="Vrinda"/>
+        <a:font script="Gujr" typeface="Shruti"/>
+        <a:font script="Khmr" typeface="MoolBoran"/>
+        <a:font script="Knda" typeface="Tunga"/>
+        <a:font script="Guru" typeface="Raavi"/>
+        <a:font script="Cans" typeface="Euphemia"/>
+        <a:font script="Cher" typeface="Plantagenet Cherokee"/>
+        <a:font script="Yiii" typeface="Microsoft Yi Baiti"/>
+        <a:font script="Tibt" typeface="Microsoft Himalaya"/>
+        <a:font script="Thaa" typeface="MV Boli"/>
+        <a:font script="Deva" typeface="Mangal"/>
+        <a:font script="Telu" typeface="Gautami"/>
+        <a:font script="Taml" typeface="Latha"/>
+        <a:font script="Syrc" typeface="Estrangelo Edessa"/>
+        <a:font script="Orya" typeface="Kalinga"/>
+        <a:font script="Mlym" typeface="Kartika"/>
+        <a:font script="Laoo" typeface="DokChampa"/>
+        <a:font script="Sinh" typeface="Iskoola Pota"/>
+        <a:font script="Mong" typeface="Mongolian Baiti"/>
+        <a:font script="Viet" typeface="Times New Roman"/>
+        <a:font script="Uigh" typeface="Microsoft Uighur"/>
+        <a:font script="Geor" typeface="Sylfaen"/>
+        <a:font script="Armn" typeface="Arial"/>
+        <a:font script="Bugi" typeface="Leelawadee UI"/>
+        <a:font script="Bopo" typeface="Microsoft JhengHei"/>
+        <a:font script="Java" typeface="Javanese Text"/>
+        <a:font script="Lisu" typeface="Segoe UI"/>
+        <a:font script="Mymr" typeface="Myanmar Text"/>
+        <a:font script="Nkoo" typeface="Ebrima"/>
+        <a:font script="Olck" typeface="Nirmala UI"/>
+        <a:font script="Osma" typeface="Ebrima"/>
+        <a:font script="Phag" typeface="Phagspa"/>
+        <a:font script="Syrn" typeface="Estrangelo Edessa"/>
+        <a:font script="Syrj" typeface="Estrangelo Edessa"/>
+        <a:font script="Syre" typeface="Estrangelo Edessa"/>
+        <a:font script="Sora" typeface="Nirmala UI"/>
+        <a:font script="Tale" typeface="Microsoft Tai Le"/>
+        <a:font script="Talu" typeface="Microsoft New Tai Lue"/>
+        <a:font script="Tfng" typeface="Ebrima"/>
+      </a:majorFont>
+      <a:minorFont>
+        <a:latin typeface="Calibri" panose="020F0502020204030204"/>
+        <a:ea typeface=""/>
+        <a:cs typeface=""/>
+        <a:font script="Jpan" typeface="游ゴシック"/>
+        <a:font script="Hang" typeface="맑은 고딕"/>
+        <a:font script="Hans" typeface="等线"/>
+        <a:font script="Hant" typeface="新細明體"/>
+        <a:font script="Arab" typeface="Arial"/>
+        <a:font script="Hebr" typeface="Arial"/>
+        <a:font script="Thai" typeface="Cordia New"/>
+        <a:font script="Ethi" typeface="Nyala"/>
+        <a:font script="Beng" typeface="Vrinda"/>
+        <a:font script="Gujr" typeface="Shruti"/>
+        <a:font script="Khmr" typeface="DaunPenh"/>
+        <a:font script="Knda" typeface="Tunga"/>
+        <a:font script="Guru" typeface="Raavi"/>
+        <a:font script="Cans" typeface="Euphemia"/>
+        <a:font script="Cher" typeface="Plantagenet Cherokee"/>
+        <a:font script="Yiii" typeface="Microsoft Yi Baiti"/>
+        <a:font script="Tibt" typeface="Microsoft Himalaya"/>
+        <a:font script="Thaa" typeface="MV Boli"/>
+        <a:font script="Deva" typeface="Mangal"/>
+        <a:font script="Telu" typeface="Gautami"/>
+        <a:font script="Taml" typeface="Latha"/>
+        <a:font script="Syrc" typeface="Estrangelo Edessa"/>
+        <a:font script="Orya" typeface="Kalinga"/>
+        <a:font script="Mlym" typeface="Kartika"/>
+        <a:font script="Laoo" typeface="DokChampa"/>
+        <a:font script="Sinh" typeface="Iskoola Pota"/>
+        <a:font script="Mong" typeface="Mongolian Baiti"/>
+        <a:font script="Viet" typeface="Arial"/>
+        <a:font script="Uigh" typeface="Microsoft Uighur"/>
+        <a:font script="Geor" typeface="Sylfaen"/>
+        <a:font script="Armn" typeface="Arial"/>
+        <a:font script="Bugi" typeface="Leelawadee UI"/>
+        <a:font script="Bopo" typeface="Microsoft JhengHei"/>
+        <a:font script="Java" typeface="Javanese Text"/>
+        <a:font script="Lisu" typeface="Segoe UI"/>
+        <a:font script="Mymr" typeface="Myanmar Text"/>
+        <a:font script="Nkoo" typeface="Ebrima"/>
+        <a:font script="Olck" typeface="Nirmala UI"/>
+        <a:font script="Osma" typeface="Ebrima"/>
+        <a:font script="Phag" typeface="Phagspa"/>
+        <a:font script="Syrn" typeface="Estrangelo Edessa"/>
+        <a:font script="Syrj" typeface="Estrangelo Edessa"/>
+        <a:font script="Syre" typeface="Estrangelo Edessa"/>
+        <a:font script="Sora" typeface="Nirmala UI"/>
+        <a:font script="Tale" typeface="Microsoft Tai Le"/>
+        <a:font script="Talu" typeface="Microsoft New Tai Lue"/>
+        <a:font script="Tfng" typeface="Ebrima"/>
+      </a:minorFont>
+    </a:fontScheme>
+    <a:fmtScheme name="Office">
+      <a:fillStyleLst>
+        <a:solidFill>
+          <a:schemeClr val="phClr"/>
+        </a:solidFill>
+        <a:gradFill rotWithShape="1">
+          <a:gsLst>
+            <a:gs pos="0">
+              <a:schemeClr val="phClr">
+                <a:lumMod val="110000"/>
+                <a:satMod val="105000"/>
+                <a:tint val="67000"/>
+              </a:schemeClr>
+            </a:gs>
+            <a:gs pos="50000">
+              <a:schemeClr val="phClr">
+                <a:lumMod val="105000"/>
+                <a:satMod val="103000"/>
+                <a:tint val="73000"/>
+              </a:schemeClr>
+            </a:gs>
+            <a:gs pos="100000">
+              <a:schemeClr val="phClr">
+                <a:lumMod val="105000"/>
+                <a:satMod val="109000"/>
+                <a:tint val="81000"/>
+              </a:schemeClr>
+            </a:gs>
+          </a:gsLst>
+          <a:lin ang="5400000" scaled="0"/>
+        </a:gradFill>
+        <a:gradFill rotWithShape="1">
+          <a:gsLst>
+            <a:gs pos="0">
+              <a:schemeClr val="phClr">
+                <a:satMod val="103000"/>
+                <a:lumMod val="102000"/>
+                <a:tint val="94000"/>
+              </a:schemeClr>
+            </a:gs>
+            <a:gs pos="50000">
+              <a:schemeClr val="phClr">
+                <a:satMod val="110000"/>
+                <a:lumMod val="100000"/>
+                <a:shade val="100000"/>
+              </a:schemeClr>
+            </a:gs>
+            <a:gs pos="100000">
+              <a:schemeClr val="phClr">
+                <a:lumMod val="99000"/>
+                <a:satMod val="120000"/>
+                <a:shade val="78000"/>
+              </a:schemeClr>
+            </a:gs>
+          </a:gsLst>
+          <a:lin ang="5400000" scaled="0"/>
+        </a:gradFill>
+      </a:fillStyleLst>
+      <a:lnStyleLst>
+        <a:ln w="6350" cap="flat" cmpd="sng" algn="ctr">
+          <a:solidFill>
+            <a:schemeClr val="phClr"/>
+          </a:solidFill>
+          <a:prstDash val="solid"/>
+          <a:miter lim="800000"/>
+        </a:ln>
+        <a:ln w="12700" cap="flat" cmpd="sng" algn="ctr">
+          <a:solidFill>
+            <a:schemeClr val="phClr"/>
+          </a:solidFill>
+          <a:prstDash val="solid"/>
+          <a:miter lim="800000"/>
+        </a:ln>
+        <a:ln w="19050" cap="flat" cmpd="sng" algn="ctr">
+          <a:solidFill>
+            <a:schemeClr val="phClr"/>
+          </a:solidFill>
+          <a:prstDash val="solid"/>
+          <a:miter lim="800000"/>
+        </a:ln>
+      </a:lnStyleLst>
+      <a:effectStyleLst>
+        <a:effectStyle>
+          <a:effectLst/>
+        </a:effectStyle>
+        <a:effectStyle>
+          <a:effectLst/>
+        </a:effectStyle>
+        <a:effectStyle>
+          <a:effectLst>
+            <a:outerShdw blurRad="57150" dist="19050" dir="5400000" algn="ctr" rotWithShape="0">
+              <a:srgbClr val="000000">
+                <a:alpha val="63000"/>
+              </a:srgbClr>
+            </a:outerShdw>
+          </a:effectLst>
+        </a:effectStyle>
+      </a:effectStyleLst>
+      <a:bgFillStyleLst>
+        <a:solidFill>
+          <a:schemeClr val="phClr"/>
+        </a:solidFill>
+        <a:solidFill>
+          <a:schemeClr val="phClr">
+            <a:tint val="95000"/>
+            <a:satMod val="170000"/>
+          </a:schemeClr>
+        </a:solidFill>
+        <a:gradFill rotWithShape="1">
+          <a:gsLst>
+            <a:gs pos="0">
+              <a:schemeClr val="phClr">
+                <a:tint val="93000"/>
+                <a:satMod val="150000"/>
+                <a:shade val="98000"/>
+                <a:lumMod val="102000"/>
+              </a:schemeClr>
+            </a:gs>
+            <a:gs pos="50000">
+              <a:schemeClr val="phClr">
+                <a:tint val="98000"/>
+                <a:satMod val="130000"/>
+                <a:shade val="90000"/>
+                <a:lumMod val="103000"/>
+              </a:schemeClr>
+            </a:gs>
+            <a:gs pos="100000">
+              <a:schemeClr val="phClr">
+                <a:shade val="63000"/>
+                <a:satMod val="120000"/>
+              </a:schemeClr>
+            </a:gs>
+          </a:gsLst>
+          <a:lin ang="5400000" scaled="0"/>
+        </a:gradFill>
+      </a:bgFillStyleLst>
+    </a:fmtScheme>
+  </a:themeElements>
+  <a:objectDefaults/>
+  <a:extraClrSchemeLst/>
+  <a:extLst>
+    <a:ext uri="{05A4C25C-085E-4340-85A3-A5531E510DB2}">
+      <thm15:themeFamily xmlns:thm15="http://schemas.microsoft.com/office/thememl/2012/main" name="Office Theme" id="{62F939B6-93AF-4DB8-9C6B-D6C7DFDC589F}" vid="{4A3C46E8-61CC-4603-A589-7422A47A8E4A}"/>
+    </a:ext>
+  </a:extLst>
+</a:theme>
 </file>